--- a/데이크스트라.pptx
+++ b/데이크스트라.pptx
@@ -30,6 +30,8 @@
     <p:sldId id="283" r:id="rId24"/>
     <p:sldId id="284" r:id="rId25"/>
     <p:sldId id="285" r:id="rId26"/>
+    <p:sldId id="286" r:id="rId27"/>
+    <p:sldId id="287" r:id="rId28"/>
   </p:sldIdLst>
   <p:sldSz cx="12192000" cy="6858000"/>
   <p:notesSz cx="6858000" cy="9144000"/>
@@ -9528,6 +9530,370 @@
 </p:sld>
 </file>
 
+<file path=ppt/slides/slide26.xml><?xml version="1.0" encoding="utf-8"?>
+<p:sld xmlns:a="http://schemas.openxmlformats.org/drawingml/2006/main" xmlns:r="http://schemas.openxmlformats.org/officeDocument/2006/relationships" xmlns:p="http://schemas.openxmlformats.org/presentationml/2006/main">
+  <p:cSld>
+    <p:bg>
+      <p:bgPr>
+        <a:solidFill>
+          <a:schemeClr val="tx1"/>
+        </a:solidFill>
+        <a:effectLst/>
+      </p:bgPr>
+    </p:bg>
+    <p:spTree>
+      <p:nvGrpSpPr>
+        <p:cNvPr id="1" name=""/>
+        <p:cNvGrpSpPr/>
+        <p:nvPr/>
+      </p:nvGrpSpPr>
+      <p:grpSpPr>
+        <a:xfrm>
+          <a:off x="0" y="0"/>
+          <a:ext cx="0" cy="0"/>
+          <a:chOff x="0" y="0"/>
+          <a:chExt cx="0" cy="0"/>
+        </a:xfrm>
+      </p:grpSpPr>
+      <p:sp>
+        <p:nvSpPr>
+          <p:cNvPr id="4" name="TextBox 3">
+            <a:extLst>
+              <a:ext uri="{FF2B5EF4-FFF2-40B4-BE49-F238E27FC236}">
+                <a16:creationId xmlns:a16="http://schemas.microsoft.com/office/drawing/2014/main" id="{A6FC6109-3198-542F-E917-820271B70AFC}"/>
+              </a:ext>
+            </a:extLst>
+          </p:cNvPr>
+          <p:cNvSpPr txBox="1"/>
+          <p:nvPr/>
+        </p:nvSpPr>
+        <p:spPr>
+          <a:xfrm>
+            <a:off x="558799" y="448734"/>
+            <a:ext cx="5469467" cy="923330"/>
+          </a:xfrm>
+          <a:prstGeom prst="rect">
+            <a:avLst/>
+          </a:prstGeom>
+          <a:noFill/>
+        </p:spPr>
+        <p:txBody>
+          <a:bodyPr wrap="square" rtlCol="0">
+            <a:spAutoFit/>
+          </a:bodyPr>
+          <a:lstStyle/>
+          <a:p>
+            <a:r>
+              <a:rPr lang="ko-KR" altLang="en-US" sz="5400" dirty="0">
+                <a:solidFill>
+                  <a:schemeClr val="bg1"/>
+                </a:solidFill>
+                <a:latin typeface="Noto Sans KR SemiBold" panose="020B0200000000000000" pitchFamily="50" charset="-127"/>
+                <a:ea typeface="Noto Sans KR SemiBold" panose="020B0200000000000000" pitchFamily="50" charset="-127"/>
+              </a:rPr>
+              <a:t>힘들었던 점</a:t>
+            </a:r>
+            <a:endParaRPr lang="ko-KR" altLang="en-US" sz="2800" dirty="0">
+              <a:solidFill>
+                <a:schemeClr val="bg1"/>
+              </a:solidFill>
+              <a:latin typeface="Noto Sans KR SemiBold" panose="020B0200000000000000" pitchFamily="50" charset="-127"/>
+              <a:ea typeface="Noto Sans KR SemiBold" panose="020B0200000000000000" pitchFamily="50" charset="-127"/>
+            </a:endParaRPr>
+          </a:p>
+        </p:txBody>
+      </p:sp>
+      <p:sp>
+        <p:nvSpPr>
+          <p:cNvPr id="2" name="TextBox 1">
+            <a:extLst>
+              <a:ext uri="{FF2B5EF4-FFF2-40B4-BE49-F238E27FC236}">
+                <a16:creationId xmlns:a16="http://schemas.microsoft.com/office/drawing/2014/main" id="{940EFDB0-F526-B1A4-10AC-CB563FBB7878}"/>
+              </a:ext>
+            </a:extLst>
+          </p:cNvPr>
+          <p:cNvSpPr txBox="1"/>
+          <p:nvPr/>
+        </p:nvSpPr>
+        <p:spPr>
+          <a:xfrm>
+            <a:off x="1703916" y="2451100"/>
+            <a:ext cx="8648700" cy="1754326"/>
+          </a:xfrm>
+          <a:prstGeom prst="rect">
+            <a:avLst/>
+          </a:prstGeom>
+          <a:noFill/>
+        </p:spPr>
+        <p:txBody>
+          <a:bodyPr wrap="square" rtlCol="0">
+            <a:spAutoFit/>
+          </a:bodyPr>
+          <a:lstStyle/>
+          <a:p>
+            <a:r>
+              <a:rPr lang="ko-KR" altLang="en-US" sz="3600" dirty="0">
+                <a:solidFill>
+                  <a:schemeClr val="bg1"/>
+                </a:solidFill>
+                <a:latin typeface="Noto Sans KR ExtraLight" panose="020B0200000000000000" pitchFamily="50" charset="-127"/>
+                <a:ea typeface="Noto Sans KR ExtraLight" panose="020B0200000000000000" pitchFamily="50" charset="-127"/>
+              </a:rPr>
+              <a:t>점들을 균등하게 분포하기</a:t>
+            </a:r>
+            <a:endParaRPr lang="en-US" altLang="ko-KR" sz="3600" dirty="0">
+              <a:solidFill>
+                <a:schemeClr val="bg1"/>
+              </a:solidFill>
+              <a:latin typeface="Noto Sans KR ExtraLight" panose="020B0200000000000000" pitchFamily="50" charset="-127"/>
+              <a:ea typeface="Noto Sans KR ExtraLight" panose="020B0200000000000000" pitchFamily="50" charset="-127"/>
+            </a:endParaRPr>
+          </a:p>
+          <a:p>
+            <a:endParaRPr lang="en-US" altLang="ko-KR" sz="3600" dirty="0">
+              <a:solidFill>
+                <a:schemeClr val="bg1"/>
+              </a:solidFill>
+              <a:latin typeface="Noto Sans KR ExtraLight" panose="020B0200000000000000" pitchFamily="50" charset="-127"/>
+              <a:ea typeface="Noto Sans KR ExtraLight" panose="020B0200000000000000" pitchFamily="50" charset="-127"/>
+            </a:endParaRPr>
+          </a:p>
+          <a:p>
+            <a:r>
+              <a:rPr lang="en-US" altLang="ko-KR" sz="3600" dirty="0">
+                <a:solidFill>
+                  <a:schemeClr val="bg1"/>
+                </a:solidFill>
+                <a:latin typeface="Noto Sans KR ExtraLight" panose="020B0200000000000000" pitchFamily="50" charset="-127"/>
+                <a:ea typeface="Noto Sans KR ExtraLight" panose="020B0200000000000000" pitchFamily="50" charset="-127"/>
+              </a:rPr>
+              <a:t>C++ </a:t>
+            </a:r>
+            <a:r>
+              <a:rPr lang="ko-KR" altLang="en-US" sz="3600" dirty="0">
+                <a:solidFill>
+                  <a:schemeClr val="bg1"/>
+                </a:solidFill>
+                <a:latin typeface="Noto Sans KR ExtraLight" panose="020B0200000000000000" pitchFamily="50" charset="-127"/>
+                <a:ea typeface="Noto Sans KR ExtraLight" panose="020B0200000000000000" pitchFamily="50" charset="-127"/>
+              </a:rPr>
+              <a:t>문제 풀이 환경과 같은 환경으로 만들기</a:t>
+            </a:r>
+            <a:endParaRPr lang="en-US" altLang="ko-KR" sz="3600" dirty="0">
+              <a:solidFill>
+                <a:schemeClr val="bg1"/>
+              </a:solidFill>
+              <a:latin typeface="Noto Sans KR ExtraLight" panose="020B0200000000000000" pitchFamily="50" charset="-127"/>
+              <a:ea typeface="Noto Sans KR ExtraLight" panose="020B0200000000000000" pitchFamily="50" charset="-127"/>
+            </a:endParaRPr>
+          </a:p>
+        </p:txBody>
+      </p:sp>
+    </p:spTree>
+    <p:extLst>
+      <p:ext uri="{BB962C8B-B14F-4D97-AF65-F5344CB8AC3E}">
+        <p14:creationId xmlns:p14="http://schemas.microsoft.com/office/powerpoint/2010/main" val="2666539959"/>
+      </p:ext>
+    </p:extLst>
+  </p:cSld>
+  <p:clrMapOvr>
+    <a:masterClrMapping/>
+  </p:clrMapOvr>
+</p:sld>
+</file>
+
+<file path=ppt/slides/slide27.xml><?xml version="1.0" encoding="utf-8"?>
+<p:sld xmlns:a="http://schemas.openxmlformats.org/drawingml/2006/main" xmlns:r="http://schemas.openxmlformats.org/officeDocument/2006/relationships" xmlns:p="http://schemas.openxmlformats.org/presentationml/2006/main">
+  <p:cSld>
+    <p:bg>
+      <p:bgPr>
+        <a:solidFill>
+          <a:schemeClr val="tx1"/>
+        </a:solidFill>
+        <a:effectLst/>
+      </p:bgPr>
+    </p:bg>
+    <p:spTree>
+      <p:nvGrpSpPr>
+        <p:cNvPr id="1" name=""/>
+        <p:cNvGrpSpPr/>
+        <p:nvPr/>
+      </p:nvGrpSpPr>
+      <p:grpSpPr>
+        <a:xfrm>
+          <a:off x="0" y="0"/>
+          <a:ext cx="0" cy="0"/>
+          <a:chOff x="0" y="0"/>
+          <a:chExt cx="0" cy="0"/>
+        </a:xfrm>
+      </p:grpSpPr>
+      <p:sp>
+        <p:nvSpPr>
+          <p:cNvPr id="4" name="TextBox 3">
+            <a:extLst>
+              <a:ext uri="{FF2B5EF4-FFF2-40B4-BE49-F238E27FC236}">
+                <a16:creationId xmlns:a16="http://schemas.microsoft.com/office/drawing/2014/main" id="{A6FC6109-3198-542F-E917-820271B70AFC}"/>
+              </a:ext>
+            </a:extLst>
+          </p:cNvPr>
+          <p:cNvSpPr txBox="1"/>
+          <p:nvPr/>
+        </p:nvSpPr>
+        <p:spPr>
+          <a:xfrm>
+            <a:off x="558799" y="448734"/>
+            <a:ext cx="5469467" cy="923330"/>
+          </a:xfrm>
+          <a:prstGeom prst="rect">
+            <a:avLst/>
+          </a:prstGeom>
+          <a:noFill/>
+        </p:spPr>
+        <p:txBody>
+          <a:bodyPr wrap="square" rtlCol="0">
+            <a:spAutoFit/>
+          </a:bodyPr>
+          <a:lstStyle/>
+          <a:p>
+            <a:r>
+              <a:rPr lang="ko-KR" altLang="en-US" sz="5400" dirty="0">
+                <a:solidFill>
+                  <a:schemeClr val="bg1"/>
+                </a:solidFill>
+                <a:latin typeface="Noto Sans KR SemiBold" panose="020B0200000000000000" pitchFamily="50" charset="-127"/>
+                <a:ea typeface="Noto Sans KR SemiBold" panose="020B0200000000000000" pitchFamily="50" charset="-127"/>
+              </a:rPr>
+              <a:t>성장한 점</a:t>
+            </a:r>
+            <a:endParaRPr lang="ko-KR" altLang="en-US" sz="2800" dirty="0">
+              <a:solidFill>
+                <a:schemeClr val="bg1"/>
+              </a:solidFill>
+              <a:latin typeface="Noto Sans KR SemiBold" panose="020B0200000000000000" pitchFamily="50" charset="-127"/>
+              <a:ea typeface="Noto Sans KR SemiBold" panose="020B0200000000000000" pitchFamily="50" charset="-127"/>
+            </a:endParaRPr>
+          </a:p>
+        </p:txBody>
+      </p:sp>
+      <p:sp>
+        <p:nvSpPr>
+          <p:cNvPr id="2" name="TextBox 1">
+            <a:extLst>
+              <a:ext uri="{FF2B5EF4-FFF2-40B4-BE49-F238E27FC236}">
+                <a16:creationId xmlns:a16="http://schemas.microsoft.com/office/drawing/2014/main" id="{940EFDB0-F526-B1A4-10AC-CB563FBB7878}"/>
+              </a:ext>
+            </a:extLst>
+          </p:cNvPr>
+          <p:cNvSpPr txBox="1"/>
+          <p:nvPr/>
+        </p:nvSpPr>
+        <p:spPr>
+          <a:xfrm>
+            <a:off x="1703916" y="2451100"/>
+            <a:ext cx="8648700" cy="1754326"/>
+          </a:xfrm>
+          <a:prstGeom prst="rect">
+            <a:avLst/>
+          </a:prstGeom>
+          <a:noFill/>
+        </p:spPr>
+        <p:txBody>
+          <a:bodyPr wrap="square" rtlCol="0">
+            <a:spAutoFit/>
+          </a:bodyPr>
+          <a:lstStyle/>
+          <a:p>
+            <a:r>
+              <a:rPr lang="ko-KR" altLang="en-US" sz="3600" dirty="0">
+                <a:solidFill>
+                  <a:schemeClr val="bg1"/>
+                </a:solidFill>
+                <a:latin typeface="Noto Sans KR ExtraLight" panose="020B0200000000000000" pitchFamily="50" charset="-127"/>
+                <a:ea typeface="Noto Sans KR ExtraLight" panose="020B0200000000000000" pitchFamily="50" charset="-127"/>
+              </a:rPr>
+              <a:t>제네릭 함수</a:t>
+            </a:r>
+            <a:r>
+              <a:rPr lang="en-US" altLang="ko-KR" sz="3600" dirty="0">
+                <a:solidFill>
+                  <a:schemeClr val="bg1"/>
+                </a:solidFill>
+                <a:latin typeface="Noto Sans KR ExtraLight" panose="020B0200000000000000" pitchFamily="50" charset="-127"/>
+                <a:ea typeface="Noto Sans KR ExtraLight" panose="020B0200000000000000" pitchFamily="50" charset="-127"/>
+              </a:rPr>
+              <a:t>/</a:t>
+            </a:r>
+            <a:r>
+              <a:rPr lang="ko-KR" altLang="en-US" sz="3600" dirty="0">
+                <a:solidFill>
+                  <a:schemeClr val="bg1"/>
+                </a:solidFill>
+                <a:latin typeface="Noto Sans KR ExtraLight" panose="020B0200000000000000" pitchFamily="50" charset="-127"/>
+                <a:ea typeface="Noto Sans KR ExtraLight" panose="020B0200000000000000" pitchFamily="50" charset="-127"/>
+              </a:rPr>
+              <a:t>클래스를 사용할 수 있게 되었다</a:t>
+            </a:r>
+            <a:endParaRPr lang="en-US" altLang="ko-KR" sz="3600" dirty="0">
+              <a:solidFill>
+                <a:schemeClr val="bg1"/>
+              </a:solidFill>
+              <a:latin typeface="Noto Sans KR ExtraLight" panose="020B0200000000000000" pitchFamily="50" charset="-127"/>
+              <a:ea typeface="Noto Sans KR ExtraLight" panose="020B0200000000000000" pitchFamily="50" charset="-127"/>
+            </a:endParaRPr>
+          </a:p>
+          <a:p>
+            <a:endParaRPr lang="en-US" altLang="ko-KR" sz="3600" dirty="0">
+              <a:solidFill>
+                <a:schemeClr val="bg1"/>
+              </a:solidFill>
+              <a:latin typeface="Noto Sans KR ExtraLight" panose="020B0200000000000000" pitchFamily="50" charset="-127"/>
+              <a:ea typeface="Noto Sans KR ExtraLight" panose="020B0200000000000000" pitchFamily="50" charset="-127"/>
+            </a:endParaRPr>
+          </a:p>
+          <a:p>
+            <a:r>
+              <a:rPr lang="ko-KR" altLang="en-US" sz="3600" dirty="0" err="1">
+                <a:solidFill>
+                  <a:schemeClr val="bg1"/>
+                </a:solidFill>
+                <a:latin typeface="Noto Sans KR ExtraLight" panose="020B0200000000000000" pitchFamily="50" charset="-127"/>
+                <a:ea typeface="Noto Sans KR ExtraLight" panose="020B0200000000000000" pitchFamily="50" charset="-127"/>
+              </a:rPr>
+              <a:t>라데안</a:t>
+            </a:r>
+            <a:r>
+              <a:rPr lang="ko-KR" altLang="en-US" sz="3600" dirty="0">
+                <a:solidFill>
+                  <a:schemeClr val="bg1"/>
+                </a:solidFill>
+                <a:latin typeface="Noto Sans KR ExtraLight" panose="020B0200000000000000" pitchFamily="50" charset="-127"/>
+                <a:ea typeface="Noto Sans KR ExtraLight" panose="020B0200000000000000" pitchFamily="50" charset="-127"/>
+              </a:rPr>
+              <a:t> 각도에 대해 알게 되었다</a:t>
+            </a:r>
+            <a:endParaRPr lang="en-US" altLang="ko-KR" sz="3600" dirty="0">
+              <a:solidFill>
+                <a:schemeClr val="bg1"/>
+              </a:solidFill>
+              <a:latin typeface="Noto Sans KR ExtraLight" panose="020B0200000000000000" pitchFamily="50" charset="-127"/>
+              <a:ea typeface="Noto Sans KR ExtraLight" panose="020B0200000000000000" pitchFamily="50" charset="-127"/>
+            </a:endParaRPr>
+          </a:p>
+        </p:txBody>
+      </p:sp>
+    </p:spTree>
+    <p:extLst>
+      <p:ext uri="{BB962C8B-B14F-4D97-AF65-F5344CB8AC3E}">
+        <p14:creationId xmlns:p14="http://schemas.microsoft.com/office/powerpoint/2010/main" val="533582652"/>
+      </p:ext>
+    </p:extLst>
+  </p:cSld>
+  <p:clrMapOvr>
+    <a:masterClrMapping/>
+  </p:clrMapOvr>
+</p:sld>
+</file>
+
 <file path=ppt/slides/slide3.xml><?xml version="1.0" encoding="utf-8"?>
 <p:sld xmlns:a="http://schemas.openxmlformats.org/drawingml/2006/main" xmlns:r="http://schemas.openxmlformats.org/officeDocument/2006/relationships" xmlns:p="http://schemas.openxmlformats.org/presentationml/2006/main">
   <p:cSld>

--- a/데이크스트라.pptx
+++ b/데이크스트라.pptx
@@ -25,13 +25,15 @@
     <p:sldId id="278" r:id="rId19"/>
     <p:sldId id="280" r:id="rId20"/>
     <p:sldId id="275" r:id="rId21"/>
-    <p:sldId id="281" r:id="rId22"/>
-    <p:sldId id="282" r:id="rId23"/>
-    <p:sldId id="283" r:id="rId24"/>
-    <p:sldId id="284" r:id="rId25"/>
-    <p:sldId id="285" r:id="rId26"/>
+    <p:sldId id="282" r:id="rId22"/>
+    <p:sldId id="283" r:id="rId23"/>
+    <p:sldId id="284" r:id="rId24"/>
+    <p:sldId id="285" r:id="rId25"/>
+    <p:sldId id="288" r:id="rId26"/>
     <p:sldId id="286" r:id="rId27"/>
-    <p:sldId id="287" r:id="rId28"/>
+    <p:sldId id="289" r:id="rId28"/>
+    <p:sldId id="290" r:id="rId29"/>
+    <p:sldId id="287" r:id="rId30"/>
   </p:sldIdLst>
   <p:sldSz cx="12192000" cy="6858000"/>
   <p:notesSz cx="6858000" cy="9144000"/>
@@ -285,7 +287,7 @@
           <a:p>
             <a:fld id="{ED301597-F0B9-4853-A2E4-52B0E9FD8D94}" type="datetimeFigureOut">
               <a:rPr lang="ko-KR" altLang="en-US" smtClean="0"/>
-              <a:t>2024-08-22</a:t>
+              <a:t>2024-08-23</a:t>
             </a:fld>
             <a:endParaRPr lang="ko-KR" altLang="en-US"/>
           </a:p>
@@ -483,7 +485,7 @@
           <a:p>
             <a:fld id="{ED301597-F0B9-4853-A2E4-52B0E9FD8D94}" type="datetimeFigureOut">
               <a:rPr lang="ko-KR" altLang="en-US" smtClean="0"/>
-              <a:t>2024-08-22</a:t>
+              <a:t>2024-08-23</a:t>
             </a:fld>
             <a:endParaRPr lang="ko-KR" altLang="en-US"/>
           </a:p>
@@ -691,7 +693,7 @@
           <a:p>
             <a:fld id="{ED301597-F0B9-4853-A2E4-52B0E9FD8D94}" type="datetimeFigureOut">
               <a:rPr lang="ko-KR" altLang="en-US" smtClean="0"/>
-              <a:t>2024-08-22</a:t>
+              <a:t>2024-08-23</a:t>
             </a:fld>
             <a:endParaRPr lang="ko-KR" altLang="en-US"/>
           </a:p>
@@ -889,7 +891,7 @@
           <a:p>
             <a:fld id="{ED301597-F0B9-4853-A2E4-52B0E9FD8D94}" type="datetimeFigureOut">
               <a:rPr lang="ko-KR" altLang="en-US" smtClean="0"/>
-              <a:t>2024-08-22</a:t>
+              <a:t>2024-08-23</a:t>
             </a:fld>
             <a:endParaRPr lang="ko-KR" altLang="en-US"/>
           </a:p>
@@ -1164,7 +1166,7 @@
           <a:p>
             <a:fld id="{ED301597-F0B9-4853-A2E4-52B0E9FD8D94}" type="datetimeFigureOut">
               <a:rPr lang="ko-KR" altLang="en-US" smtClean="0"/>
-              <a:t>2024-08-22</a:t>
+              <a:t>2024-08-23</a:t>
             </a:fld>
             <a:endParaRPr lang="ko-KR" altLang="en-US"/>
           </a:p>
@@ -1429,7 +1431,7 @@
           <a:p>
             <a:fld id="{ED301597-F0B9-4853-A2E4-52B0E9FD8D94}" type="datetimeFigureOut">
               <a:rPr lang="ko-KR" altLang="en-US" smtClean="0"/>
-              <a:t>2024-08-22</a:t>
+              <a:t>2024-08-23</a:t>
             </a:fld>
             <a:endParaRPr lang="ko-KR" altLang="en-US"/>
           </a:p>
@@ -1841,7 +1843,7 @@
           <a:p>
             <a:fld id="{ED301597-F0B9-4853-A2E4-52B0E9FD8D94}" type="datetimeFigureOut">
               <a:rPr lang="ko-KR" altLang="en-US" smtClean="0"/>
-              <a:t>2024-08-22</a:t>
+              <a:t>2024-08-23</a:t>
             </a:fld>
             <a:endParaRPr lang="ko-KR" altLang="en-US"/>
           </a:p>
@@ -1982,7 +1984,7 @@
           <a:p>
             <a:fld id="{ED301597-F0B9-4853-A2E4-52B0E9FD8D94}" type="datetimeFigureOut">
               <a:rPr lang="ko-KR" altLang="en-US" smtClean="0"/>
-              <a:t>2024-08-22</a:t>
+              <a:t>2024-08-23</a:t>
             </a:fld>
             <a:endParaRPr lang="ko-KR" altLang="en-US"/>
           </a:p>
@@ -2095,7 +2097,7 @@
           <a:p>
             <a:fld id="{ED301597-F0B9-4853-A2E4-52B0E9FD8D94}" type="datetimeFigureOut">
               <a:rPr lang="ko-KR" altLang="en-US" smtClean="0"/>
-              <a:t>2024-08-22</a:t>
+              <a:t>2024-08-23</a:t>
             </a:fld>
             <a:endParaRPr lang="ko-KR" altLang="en-US"/>
           </a:p>
@@ -2406,7 +2408,7 @@
           <a:p>
             <a:fld id="{ED301597-F0B9-4853-A2E4-52B0E9FD8D94}" type="datetimeFigureOut">
               <a:rPr lang="ko-KR" altLang="en-US" smtClean="0"/>
-              <a:t>2024-08-22</a:t>
+              <a:t>2024-08-23</a:t>
             </a:fld>
             <a:endParaRPr lang="ko-KR" altLang="en-US"/>
           </a:p>
@@ -2694,7 +2696,7 @@
           <a:p>
             <a:fld id="{ED301597-F0B9-4853-A2E4-52B0E9FD8D94}" type="datetimeFigureOut">
               <a:rPr lang="ko-KR" altLang="en-US" smtClean="0"/>
-              <a:t>2024-08-22</a:t>
+              <a:t>2024-08-23</a:t>
             </a:fld>
             <a:endParaRPr lang="ko-KR" altLang="en-US"/>
           </a:p>
@@ -2935,7 +2937,7 @@
           <a:p>
             <a:fld id="{ED301597-F0B9-4853-A2E4-52B0E9FD8D94}" type="datetimeFigureOut">
               <a:rPr lang="ko-KR" altLang="en-US" smtClean="0"/>
-              <a:t>2024-08-22</a:t>
+              <a:t>2024-08-23</a:t>
             </a:fld>
             <a:endParaRPr lang="ko-KR" altLang="en-US"/>
           </a:p>
@@ -8728,162 +8730,6 @@
       </p:sp>
       <p:pic>
         <p:nvPicPr>
-          <p:cNvPr id="9" name="그림 8">
-            <a:extLst>
-              <a:ext uri="{FF2B5EF4-FFF2-40B4-BE49-F238E27FC236}">
-                <a16:creationId xmlns:a16="http://schemas.microsoft.com/office/drawing/2014/main" id="{BF5F0AAA-B47A-9D8C-C818-65E4A78667D2}"/>
-              </a:ext>
-            </a:extLst>
-          </p:cNvPr>
-          <p:cNvPicPr>
-            <a:picLocks noChangeAspect="1"/>
-          </p:cNvPicPr>
-          <p:nvPr/>
-        </p:nvPicPr>
-        <p:blipFill>
-          <a:blip r:embed="rId2"/>
-          <a:stretch>
-            <a:fillRect/>
-          </a:stretch>
-        </p:blipFill>
-        <p:spPr>
-          <a:xfrm>
-            <a:off x="719666" y="1547073"/>
-            <a:ext cx="3721291" cy="4330923"/>
-          </a:xfrm>
-          <a:prstGeom prst="rect">
-            <a:avLst/>
-          </a:prstGeom>
-          <a:ln>
-            <a:solidFill>
-              <a:srgbClr val="FF0000"/>
-            </a:solidFill>
-          </a:ln>
-        </p:spPr>
-      </p:pic>
-      <p:pic>
-        <p:nvPicPr>
-          <p:cNvPr id="11" name="그림 10">
-            <a:extLst>
-              <a:ext uri="{FF2B5EF4-FFF2-40B4-BE49-F238E27FC236}">
-                <a16:creationId xmlns:a16="http://schemas.microsoft.com/office/drawing/2014/main" id="{3DD2A63D-30C8-B381-BF45-63028C612A7F}"/>
-              </a:ext>
-            </a:extLst>
-          </p:cNvPr>
-          <p:cNvPicPr>
-            <a:picLocks noChangeAspect="1"/>
-          </p:cNvPicPr>
-          <p:nvPr/>
-        </p:nvPicPr>
-        <p:blipFill>
-          <a:blip r:embed="rId3"/>
-          <a:stretch>
-            <a:fillRect/>
-          </a:stretch>
-        </p:blipFill>
-        <p:spPr>
-          <a:xfrm>
-            <a:off x="4656053" y="1547073"/>
-            <a:ext cx="3740342" cy="3702240"/>
-          </a:xfrm>
-          <a:prstGeom prst="rect">
-            <a:avLst/>
-          </a:prstGeom>
-          <a:ln>
-            <a:solidFill>
-              <a:srgbClr val="FF0000"/>
-            </a:solidFill>
-          </a:ln>
-        </p:spPr>
-      </p:pic>
-    </p:spTree>
-    <p:extLst>
-      <p:ext uri="{BB962C8B-B14F-4D97-AF65-F5344CB8AC3E}">
-        <p14:creationId xmlns:p14="http://schemas.microsoft.com/office/powerpoint/2010/main" val="1208351207"/>
-      </p:ext>
-    </p:extLst>
-  </p:cSld>
-  <p:clrMapOvr>
-    <a:masterClrMapping/>
-  </p:clrMapOvr>
-</p:sld>
-</file>
-
-<file path=ppt/slides/slide22.xml><?xml version="1.0" encoding="utf-8"?>
-<p:sld xmlns:a="http://schemas.openxmlformats.org/drawingml/2006/main" xmlns:r="http://schemas.openxmlformats.org/officeDocument/2006/relationships" xmlns:p="http://schemas.openxmlformats.org/presentationml/2006/main">
-  <p:cSld>
-    <p:bg>
-      <p:bgPr>
-        <a:solidFill>
-          <a:schemeClr val="tx1"/>
-        </a:solidFill>
-        <a:effectLst/>
-      </p:bgPr>
-    </p:bg>
-    <p:spTree>
-      <p:nvGrpSpPr>
-        <p:cNvPr id="1" name=""/>
-        <p:cNvGrpSpPr/>
-        <p:nvPr/>
-      </p:nvGrpSpPr>
-      <p:grpSpPr>
-        <a:xfrm>
-          <a:off x="0" y="0"/>
-          <a:ext cx="0" cy="0"/>
-          <a:chOff x="0" y="0"/>
-          <a:chExt cx="0" cy="0"/>
-        </a:xfrm>
-      </p:grpSpPr>
-      <p:sp>
-        <p:nvSpPr>
-          <p:cNvPr id="4" name="TextBox 3">
-            <a:extLst>
-              <a:ext uri="{FF2B5EF4-FFF2-40B4-BE49-F238E27FC236}">
-                <a16:creationId xmlns:a16="http://schemas.microsoft.com/office/drawing/2014/main" id="{A6FC6109-3198-542F-E917-820271B70AFC}"/>
-              </a:ext>
-            </a:extLst>
-          </p:cNvPr>
-          <p:cNvSpPr txBox="1"/>
-          <p:nvPr/>
-        </p:nvSpPr>
-        <p:spPr>
-          <a:xfrm>
-            <a:off x="558799" y="448734"/>
-            <a:ext cx="5469467" cy="923330"/>
-          </a:xfrm>
-          <a:prstGeom prst="rect">
-            <a:avLst/>
-          </a:prstGeom>
-          <a:noFill/>
-        </p:spPr>
-        <p:txBody>
-          <a:bodyPr wrap="square" rtlCol="0">
-            <a:spAutoFit/>
-          </a:bodyPr>
-          <a:lstStyle/>
-          <a:p>
-            <a:r>
-              <a:rPr lang="ko-KR" altLang="en-US" sz="5400" dirty="0">
-                <a:solidFill>
-                  <a:schemeClr val="bg1"/>
-                </a:solidFill>
-                <a:latin typeface="Noto Sans KR SemiBold" panose="020B0200000000000000" pitchFamily="50" charset="-127"/>
-                <a:ea typeface="Noto Sans KR SemiBold" panose="020B0200000000000000" pitchFamily="50" charset="-127"/>
-              </a:rPr>
-              <a:t>문제 풀이</a:t>
-            </a:r>
-            <a:endParaRPr lang="ko-KR" altLang="en-US" sz="2800" dirty="0">
-              <a:solidFill>
-                <a:schemeClr val="bg1"/>
-              </a:solidFill>
-              <a:latin typeface="Noto Sans KR SemiBold" panose="020B0200000000000000" pitchFamily="50" charset="-127"/>
-              <a:ea typeface="Noto Sans KR SemiBold" panose="020B0200000000000000" pitchFamily="50" charset="-127"/>
-            </a:endParaRPr>
-          </a:p>
-        </p:txBody>
-      </p:sp>
-      <p:pic>
-        <p:nvPicPr>
           <p:cNvPr id="3" name="그림 2">
             <a:extLst>
               <a:ext uri="{FF2B5EF4-FFF2-40B4-BE49-F238E27FC236}">
@@ -9088,6 +8934,127 @@
 </p:sld>
 </file>
 
+<file path=ppt/slides/slide22.xml><?xml version="1.0" encoding="utf-8"?>
+<p:sld xmlns:a="http://schemas.openxmlformats.org/drawingml/2006/main" xmlns:r="http://schemas.openxmlformats.org/officeDocument/2006/relationships" xmlns:p="http://schemas.openxmlformats.org/presentationml/2006/main">
+  <p:cSld>
+    <p:bg>
+      <p:bgPr>
+        <a:solidFill>
+          <a:schemeClr val="tx1"/>
+        </a:solidFill>
+        <a:effectLst/>
+      </p:bgPr>
+    </p:bg>
+    <p:spTree>
+      <p:nvGrpSpPr>
+        <p:cNvPr id="1" name=""/>
+        <p:cNvGrpSpPr/>
+        <p:nvPr/>
+      </p:nvGrpSpPr>
+      <p:grpSpPr>
+        <a:xfrm>
+          <a:off x="0" y="0"/>
+          <a:ext cx="0" cy="0"/>
+          <a:chOff x="0" y="0"/>
+          <a:chExt cx="0" cy="0"/>
+        </a:xfrm>
+      </p:grpSpPr>
+      <p:sp>
+        <p:nvSpPr>
+          <p:cNvPr id="4" name="TextBox 3">
+            <a:extLst>
+              <a:ext uri="{FF2B5EF4-FFF2-40B4-BE49-F238E27FC236}">
+                <a16:creationId xmlns:a16="http://schemas.microsoft.com/office/drawing/2014/main" id="{A6FC6109-3198-542F-E917-820271B70AFC}"/>
+              </a:ext>
+            </a:extLst>
+          </p:cNvPr>
+          <p:cNvSpPr txBox="1"/>
+          <p:nvPr/>
+        </p:nvSpPr>
+        <p:spPr>
+          <a:xfrm>
+            <a:off x="558799" y="448734"/>
+            <a:ext cx="5469467" cy="923330"/>
+          </a:xfrm>
+          <a:prstGeom prst="rect">
+            <a:avLst/>
+          </a:prstGeom>
+          <a:noFill/>
+        </p:spPr>
+        <p:txBody>
+          <a:bodyPr wrap="square" rtlCol="0">
+            <a:spAutoFit/>
+          </a:bodyPr>
+          <a:lstStyle/>
+          <a:p>
+            <a:r>
+              <a:rPr lang="ko-KR" altLang="en-US" sz="5400" dirty="0">
+                <a:solidFill>
+                  <a:schemeClr val="bg1"/>
+                </a:solidFill>
+                <a:latin typeface="Noto Sans KR SemiBold" panose="020B0200000000000000" pitchFamily="50" charset="-127"/>
+                <a:ea typeface="Noto Sans KR SemiBold" panose="020B0200000000000000" pitchFamily="50" charset="-127"/>
+              </a:rPr>
+              <a:t>문제 풀이</a:t>
+            </a:r>
+            <a:endParaRPr lang="ko-KR" altLang="en-US" sz="2800" dirty="0">
+              <a:solidFill>
+                <a:schemeClr val="bg1"/>
+              </a:solidFill>
+              <a:latin typeface="Noto Sans KR SemiBold" panose="020B0200000000000000" pitchFamily="50" charset="-127"/>
+              <a:ea typeface="Noto Sans KR SemiBold" panose="020B0200000000000000" pitchFamily="50" charset="-127"/>
+            </a:endParaRPr>
+          </a:p>
+        </p:txBody>
+      </p:sp>
+      <p:pic>
+        <p:nvPicPr>
+          <p:cNvPr id="10" name="그림 9">
+            <a:extLst>
+              <a:ext uri="{FF2B5EF4-FFF2-40B4-BE49-F238E27FC236}">
+                <a16:creationId xmlns:a16="http://schemas.microsoft.com/office/drawing/2014/main" id="{84BE2093-1CB3-632C-C6D7-226AB0FE5ACD}"/>
+              </a:ext>
+            </a:extLst>
+          </p:cNvPr>
+          <p:cNvPicPr>
+            <a:picLocks noChangeAspect="1"/>
+          </p:cNvPicPr>
+          <p:nvPr/>
+        </p:nvPicPr>
+        <p:blipFill>
+          <a:blip r:embed="rId2"/>
+          <a:stretch>
+            <a:fillRect/>
+          </a:stretch>
+        </p:blipFill>
+        <p:spPr>
+          <a:xfrm>
+            <a:off x="1093544" y="2054203"/>
+            <a:ext cx="10004911" cy="2749594"/>
+          </a:xfrm>
+          <a:prstGeom prst="rect">
+            <a:avLst/>
+          </a:prstGeom>
+          <a:ln>
+            <a:solidFill>
+              <a:srgbClr val="FF0000"/>
+            </a:solidFill>
+          </a:ln>
+        </p:spPr>
+      </p:pic>
+    </p:spTree>
+    <p:extLst>
+      <p:ext uri="{BB962C8B-B14F-4D97-AF65-F5344CB8AC3E}">
+        <p14:creationId xmlns:p14="http://schemas.microsoft.com/office/powerpoint/2010/main" val="901416378"/>
+      </p:ext>
+    </p:extLst>
+  </p:cSld>
+  <p:clrMapOvr>
+    <a:masterClrMapping/>
+  </p:clrMapOvr>
+</p:sld>
+</file>
+
 <file path=ppt/slides/slide23.xml><?xml version="1.0" encoding="utf-8"?>
 <p:sld xmlns:a="http://schemas.openxmlformats.org/drawingml/2006/main" xmlns:r="http://schemas.openxmlformats.org/officeDocument/2006/relationships" xmlns:p="http://schemas.openxmlformats.org/presentationml/2006/main">
   <p:cSld>
@@ -9128,7 +9095,7 @@
         <p:spPr>
           <a:xfrm>
             <a:off x="558799" y="448734"/>
-            <a:ext cx="5469467" cy="923330"/>
+            <a:ext cx="5469467" cy="1754326"/>
           </a:xfrm>
           <a:prstGeom prst="rect">
             <a:avLst/>
@@ -9149,7 +9116,29 @@
                 <a:latin typeface="Noto Sans KR SemiBold" panose="020B0200000000000000" pitchFamily="50" charset="-127"/>
                 <a:ea typeface="Noto Sans KR SemiBold" panose="020B0200000000000000" pitchFamily="50" charset="-127"/>
               </a:rPr>
-              <a:t>문제 풀이</a:t>
+              <a:t>문제 풀이 </a:t>
+            </a:r>
+            <a:r>
+              <a:rPr lang="en-US" altLang="ko-KR" sz="5400" dirty="0">
+                <a:solidFill>
+                  <a:schemeClr val="bg1"/>
+                </a:solidFill>
+                <a:latin typeface="Noto Sans KR SemiBold" panose="020B0200000000000000" pitchFamily="50" charset="-127"/>
+                <a:ea typeface="Noto Sans KR SemiBold" panose="020B0200000000000000" pitchFamily="50" charset="-127"/>
+              </a:rPr>
+              <a:t>/</a:t>
+            </a:r>
+          </a:p>
+          <a:p>
+            <a:r>
+              <a:rPr lang="ko-KR" altLang="en-US" sz="5400" dirty="0">
+                <a:solidFill>
+                  <a:schemeClr val="bg1"/>
+                </a:solidFill>
+                <a:latin typeface="Noto Sans KR SemiBold" panose="020B0200000000000000" pitchFamily="50" charset="-127"/>
+                <a:ea typeface="Noto Sans KR SemiBold" panose="020B0200000000000000" pitchFamily="50" charset="-127"/>
+              </a:rPr>
+              <a:t>출력</a:t>
             </a:r>
             <a:endParaRPr lang="ko-KR" altLang="en-US" sz="2800" dirty="0">
               <a:solidFill>
@@ -9163,10 +9152,10 @@
       </p:sp>
       <p:pic>
         <p:nvPicPr>
-          <p:cNvPr id="10" name="그림 9">
-            <a:extLst>
-              <a:ext uri="{FF2B5EF4-FFF2-40B4-BE49-F238E27FC236}">
-                <a16:creationId xmlns:a16="http://schemas.microsoft.com/office/drawing/2014/main" id="{84BE2093-1CB3-632C-C6D7-226AB0FE5ACD}"/>
+          <p:cNvPr id="3" name="그림 2">
+            <a:extLst>
+              <a:ext uri="{FF2B5EF4-FFF2-40B4-BE49-F238E27FC236}">
+                <a16:creationId xmlns:a16="http://schemas.microsoft.com/office/drawing/2014/main" id="{AC8308E5-C450-901A-267B-AE85A9D60DCF}"/>
               </a:ext>
             </a:extLst>
           </p:cNvPr>
@@ -9183,8 +9172,8 @@
         </p:blipFill>
         <p:spPr>
           <a:xfrm>
-            <a:off x="1093544" y="2054203"/>
-            <a:ext cx="10004911" cy="2749594"/>
+            <a:off x="4714769" y="406244"/>
+            <a:ext cx="4083260" cy="6045511"/>
           </a:xfrm>
           <a:prstGeom prst="rect">
             <a:avLst/>
@@ -9199,7 +9188,7 @@
     </p:spTree>
     <p:extLst>
       <p:ext uri="{BB962C8B-B14F-4D97-AF65-F5344CB8AC3E}">
-        <p14:creationId xmlns:p14="http://schemas.microsoft.com/office/powerpoint/2010/main" val="901416378"/>
+        <p14:creationId xmlns:p14="http://schemas.microsoft.com/office/powerpoint/2010/main" val="1880107259"/>
       </p:ext>
     </p:extLst>
   </p:cSld>
@@ -9339,10 +9328,45 @@
           </a:ln>
         </p:spPr>
       </p:pic>
+      <p:pic>
+        <p:nvPicPr>
+          <p:cNvPr id="6" name="그림 5">
+            <a:extLst>
+              <a:ext uri="{FF2B5EF4-FFF2-40B4-BE49-F238E27FC236}">
+                <a16:creationId xmlns:a16="http://schemas.microsoft.com/office/drawing/2014/main" id="{5C2E22E9-CAEC-911C-094A-81C969289485}"/>
+              </a:ext>
+            </a:extLst>
+          </p:cNvPr>
+          <p:cNvPicPr>
+            <a:picLocks noChangeAspect="1"/>
+          </p:cNvPicPr>
+          <p:nvPr/>
+        </p:nvPicPr>
+        <p:blipFill>
+          <a:blip r:embed="rId3"/>
+          <a:stretch>
+            <a:fillRect/>
+          </a:stretch>
+        </p:blipFill>
+        <p:spPr>
+          <a:xfrm>
+            <a:off x="5639963" y="1538477"/>
+            <a:ext cx="6316131" cy="3781044"/>
+          </a:xfrm>
+          <a:prstGeom prst="rect">
+            <a:avLst/>
+          </a:prstGeom>
+          <a:ln>
+            <a:solidFill>
+              <a:srgbClr val="FF0000"/>
+            </a:solidFill>
+          </a:ln>
+        </p:spPr>
+      </p:pic>
     </p:spTree>
     <p:extLst>
       <p:ext uri="{BB962C8B-B14F-4D97-AF65-F5344CB8AC3E}">
-        <p14:creationId xmlns:p14="http://schemas.microsoft.com/office/powerpoint/2010/main" val="1880107259"/>
+        <p14:creationId xmlns:p14="http://schemas.microsoft.com/office/powerpoint/2010/main" val="873602385"/>
       </p:ext>
     </p:extLst>
   </p:cSld>
@@ -9382,7 +9406,7 @@
           <p:cNvPr id="4" name="TextBox 3">
             <a:extLst>
               <a:ext uri="{FF2B5EF4-FFF2-40B4-BE49-F238E27FC236}">
-                <a16:creationId xmlns:a16="http://schemas.microsoft.com/office/drawing/2014/main" id="{A6FC6109-3198-542F-E917-820271B70AFC}"/>
+                <a16:creationId xmlns:a16="http://schemas.microsoft.com/office/drawing/2014/main" id="{F1C6624A-1FB3-0450-23A3-446F4D7C965B}"/>
               </a:ext>
             </a:extLst>
           </p:cNvPr>
@@ -9392,7 +9416,7 @@
         <p:spPr>
           <a:xfrm>
             <a:off x="558799" y="448734"/>
-            <a:ext cx="5469467" cy="1754326"/>
+            <a:ext cx="5469467" cy="923330"/>
           </a:xfrm>
           <a:prstGeom prst="rect">
             <a:avLst/>
@@ -9413,7 +9437,7 @@
                 <a:latin typeface="Noto Sans KR SemiBold" panose="020B0200000000000000" pitchFamily="50" charset="-127"/>
                 <a:ea typeface="Noto Sans KR SemiBold" panose="020B0200000000000000" pitchFamily="50" charset="-127"/>
               </a:rPr>
-              <a:t>문제 풀이 </a:t>
+              <a:t>최종 로직</a:t>
             </a:r>
             <a:r>
               <a:rPr lang="en-US" altLang="ko-KR" sz="5400" dirty="0">
@@ -9423,19 +9447,7 @@
                 <a:latin typeface="Noto Sans KR SemiBold" panose="020B0200000000000000" pitchFamily="50" charset="-127"/>
                 <a:ea typeface="Noto Sans KR SemiBold" panose="020B0200000000000000" pitchFamily="50" charset="-127"/>
               </a:rPr>
-              <a:t>/</a:t>
-            </a:r>
-          </a:p>
-          <a:p>
-            <a:r>
-              <a:rPr lang="ko-KR" altLang="en-US" sz="5400" dirty="0">
-                <a:solidFill>
-                  <a:schemeClr val="bg1"/>
-                </a:solidFill>
-                <a:latin typeface="Noto Sans KR SemiBold" panose="020B0200000000000000" pitchFamily="50" charset="-127"/>
-                <a:ea typeface="Noto Sans KR SemiBold" panose="020B0200000000000000" pitchFamily="50" charset="-127"/>
-              </a:rPr>
-              <a:t>출력</a:t>
+              <a:t>..</a:t>
             </a:r>
             <a:endParaRPr lang="ko-KR" altLang="en-US" sz="2800" dirty="0">
               <a:solidFill>
@@ -9447,80 +9459,1153 @@
           </a:p>
         </p:txBody>
       </p:sp>
-      <p:pic>
-        <p:nvPicPr>
-          <p:cNvPr id="3" name="그림 2">
-            <a:extLst>
-              <a:ext uri="{FF2B5EF4-FFF2-40B4-BE49-F238E27FC236}">
-                <a16:creationId xmlns:a16="http://schemas.microsoft.com/office/drawing/2014/main" id="{AC8308E5-C450-901A-267B-AE85A9D60DCF}"/>
-              </a:ext>
-            </a:extLst>
-          </p:cNvPr>
-          <p:cNvPicPr>
-            <a:picLocks noChangeAspect="1"/>
-          </p:cNvPicPr>
-          <p:nvPr/>
-        </p:nvPicPr>
-        <p:blipFill>
-          <a:blip r:embed="rId2"/>
-          <a:stretch>
-            <a:fillRect/>
-          </a:stretch>
-        </p:blipFill>
-        <p:spPr>
-          <a:xfrm>
-            <a:off x="4714769" y="406244"/>
-            <a:ext cx="4083260" cy="6045511"/>
-          </a:xfrm>
-          <a:prstGeom prst="rect">
-            <a:avLst/>
-          </a:prstGeom>
-          <a:ln>
+      <p:grpSp>
+        <p:nvGrpSpPr>
+          <p:cNvPr id="33" name="그룹 32">
+            <a:extLst>
+              <a:ext uri="{FF2B5EF4-FFF2-40B4-BE49-F238E27FC236}">
+                <a16:creationId xmlns:a16="http://schemas.microsoft.com/office/drawing/2014/main" id="{98B2295B-16DA-650A-C769-B55B9D8554D6}"/>
+              </a:ext>
+            </a:extLst>
+          </p:cNvPr>
+          <p:cNvGrpSpPr/>
+          <p:nvPr/>
+        </p:nvGrpSpPr>
+        <p:grpSpPr>
+          <a:xfrm>
+            <a:off x="651890" y="1640764"/>
+            <a:ext cx="10888220" cy="3990759"/>
+            <a:chOff x="744278" y="1141231"/>
+            <a:chExt cx="10888220" cy="3990759"/>
+          </a:xfrm>
+        </p:grpSpPr>
+        <p:sp>
+          <p:nvSpPr>
+            <p:cNvPr id="5" name="TextBox 4">
+              <a:extLst>
+                <a:ext uri="{FF2B5EF4-FFF2-40B4-BE49-F238E27FC236}">
+                  <a16:creationId xmlns:a16="http://schemas.microsoft.com/office/drawing/2014/main" id="{7E02CA03-C02B-3448-D794-6CFDE249992E}"/>
+                </a:ext>
+              </a:extLst>
+            </p:cNvPr>
+            <p:cNvSpPr txBox="1"/>
+            <p:nvPr/>
+          </p:nvSpPr>
+          <p:spPr>
+            <a:xfrm>
+              <a:off x="744278" y="1993144"/>
+              <a:ext cx="2177199" cy="461665"/>
+            </a:xfrm>
+            <a:prstGeom prst="rect">
+              <a:avLst/>
+            </a:prstGeom>
+            <a:noFill/>
+          </p:spPr>
+          <p:txBody>
+            <a:bodyPr wrap="none" rtlCol="0">
+              <a:spAutoFit/>
+            </a:bodyPr>
+            <a:lstStyle/>
+            <a:p>
+              <a:r>
+                <a:rPr lang="en-US" altLang="ko-KR" sz="2400" dirty="0" err="1">
+                  <a:solidFill>
+                    <a:schemeClr val="bg1"/>
+                  </a:solidFill>
+                  <a:latin typeface="Noto Sans KR ExtraLight" panose="020B0200000000000000" pitchFamily="50" charset="-127"/>
+                  <a:ea typeface="Noto Sans KR ExtraLight" panose="020B0200000000000000" pitchFamily="50" charset="-127"/>
+                </a:rPr>
+                <a:t>Data_Manager</a:t>
+              </a:r>
+              <a:endParaRPr lang="ko-KR" altLang="en-US" sz="2400" dirty="0">
+                <a:solidFill>
+                  <a:schemeClr val="bg1"/>
+                </a:solidFill>
+                <a:latin typeface="Noto Sans KR ExtraLight" panose="020B0200000000000000" pitchFamily="50" charset="-127"/>
+                <a:ea typeface="Noto Sans KR ExtraLight" panose="020B0200000000000000" pitchFamily="50" charset="-127"/>
+              </a:endParaRPr>
+            </a:p>
+          </p:txBody>
+        </p:sp>
+        <p:sp>
+          <p:nvSpPr>
+            <p:cNvPr id="6" name="TextBox 5">
+              <a:extLst>
+                <a:ext uri="{FF2B5EF4-FFF2-40B4-BE49-F238E27FC236}">
+                  <a16:creationId xmlns:a16="http://schemas.microsoft.com/office/drawing/2014/main" id="{CA730DEE-E508-B5A0-DDDB-32CBB66422ED}"/>
+                </a:ext>
+              </a:extLst>
+            </p:cNvPr>
+            <p:cNvSpPr txBox="1"/>
+            <p:nvPr/>
+          </p:nvSpPr>
+          <p:spPr>
+            <a:xfrm>
+              <a:off x="797441" y="3198165"/>
+              <a:ext cx="896399" cy="461665"/>
+            </a:xfrm>
+            <a:prstGeom prst="rect">
+              <a:avLst/>
+            </a:prstGeom>
+            <a:noFill/>
+          </p:spPr>
+          <p:txBody>
+            <a:bodyPr wrap="none" rtlCol="0">
+              <a:spAutoFit/>
+            </a:bodyPr>
+            <a:lstStyle/>
+            <a:p>
+              <a:r>
+                <a:rPr lang="en-US" altLang="ko-KR" sz="2400" dirty="0">
+                  <a:solidFill>
+                    <a:schemeClr val="bg1"/>
+                  </a:solidFill>
+                  <a:latin typeface="Noto Sans KR ExtraLight" panose="020B0200000000000000" pitchFamily="50" charset="-127"/>
+                  <a:ea typeface="Noto Sans KR ExtraLight" panose="020B0200000000000000" pitchFamily="50" charset="-127"/>
+                </a:rPr>
+                <a:t>solve</a:t>
+              </a:r>
+              <a:endParaRPr lang="ko-KR" altLang="en-US" sz="2400" dirty="0">
+                <a:solidFill>
+                  <a:schemeClr val="bg1"/>
+                </a:solidFill>
+                <a:latin typeface="Noto Sans KR ExtraLight" panose="020B0200000000000000" pitchFamily="50" charset="-127"/>
+                <a:ea typeface="Noto Sans KR ExtraLight" panose="020B0200000000000000" pitchFamily="50" charset="-127"/>
+              </a:endParaRPr>
+            </a:p>
+          </p:txBody>
+        </p:sp>
+        <p:sp>
+          <p:nvSpPr>
+            <p:cNvPr id="7" name="TextBox 6">
+              <a:extLst>
+                <a:ext uri="{FF2B5EF4-FFF2-40B4-BE49-F238E27FC236}">
+                  <a16:creationId xmlns:a16="http://schemas.microsoft.com/office/drawing/2014/main" id="{0F2B152E-E3EB-9404-ABFC-8815404B318E}"/>
+                </a:ext>
+              </a:extLst>
+            </p:cNvPr>
+            <p:cNvSpPr txBox="1"/>
+            <p:nvPr/>
+          </p:nvSpPr>
+          <p:spPr>
+            <a:xfrm>
+              <a:off x="2913231" y="3198165"/>
+              <a:ext cx="2380780" cy="461665"/>
+            </a:xfrm>
+            <a:prstGeom prst="rect">
+              <a:avLst/>
+            </a:prstGeom>
+            <a:noFill/>
+          </p:spPr>
+          <p:txBody>
+            <a:bodyPr wrap="none" rtlCol="0">
+              <a:spAutoFit/>
+            </a:bodyPr>
+            <a:lstStyle/>
+            <a:p>
+              <a:r>
+                <a:rPr lang="en-US" altLang="ko-KR" sz="2400" dirty="0" err="1">
+                  <a:solidFill>
+                    <a:schemeClr val="bg1"/>
+                  </a:solidFill>
+                  <a:latin typeface="Noto Sans KR ExtraLight" panose="020B0200000000000000" pitchFamily="50" charset="-127"/>
+                  <a:ea typeface="Noto Sans KR ExtraLight" panose="020B0200000000000000" pitchFamily="50" charset="-127"/>
+                </a:rPr>
+                <a:t>Graph_Manager</a:t>
+              </a:r>
+              <a:endParaRPr lang="ko-KR" altLang="en-US" sz="2400" dirty="0">
+                <a:solidFill>
+                  <a:schemeClr val="bg1"/>
+                </a:solidFill>
+                <a:latin typeface="Noto Sans KR ExtraLight" panose="020B0200000000000000" pitchFamily="50" charset="-127"/>
+                <a:ea typeface="Noto Sans KR ExtraLight" panose="020B0200000000000000" pitchFamily="50" charset="-127"/>
+              </a:endParaRPr>
+            </a:p>
+          </p:txBody>
+        </p:sp>
+        <p:sp>
+          <p:nvSpPr>
+            <p:cNvPr id="8" name="TextBox 7">
+              <a:extLst>
+                <a:ext uri="{FF2B5EF4-FFF2-40B4-BE49-F238E27FC236}">
+                  <a16:creationId xmlns:a16="http://schemas.microsoft.com/office/drawing/2014/main" id="{8BEED477-E0EB-EE0F-093B-A631DF4E974E}"/>
+                </a:ext>
+              </a:extLst>
+            </p:cNvPr>
+            <p:cNvSpPr txBox="1"/>
+            <p:nvPr/>
+          </p:nvSpPr>
+          <p:spPr>
+            <a:xfrm>
+              <a:off x="5561148" y="1935714"/>
+              <a:ext cx="3621504" cy="830997"/>
+            </a:xfrm>
+            <a:prstGeom prst="rect">
+              <a:avLst/>
+            </a:prstGeom>
+            <a:noFill/>
+          </p:spPr>
+          <p:txBody>
+            <a:bodyPr wrap="none" rtlCol="0">
+              <a:spAutoFit/>
+            </a:bodyPr>
+            <a:lstStyle/>
+            <a:p>
+              <a:r>
+                <a:rPr lang="en-US" altLang="ko-KR" sz="2400" dirty="0" err="1">
+                  <a:solidFill>
+                    <a:schemeClr val="bg1"/>
+                  </a:solidFill>
+                  <a:latin typeface="Noto Sans KR ExtraLight" panose="020B0200000000000000" pitchFamily="50" charset="-127"/>
+                  <a:ea typeface="Noto Sans KR ExtraLight" panose="020B0200000000000000" pitchFamily="50" charset="-127"/>
+                </a:rPr>
+                <a:t>Edge_Controller</a:t>
+              </a:r>
+              <a:endParaRPr lang="en-US" altLang="ko-KR" sz="2400" dirty="0">
+                <a:solidFill>
+                  <a:schemeClr val="bg1"/>
+                </a:solidFill>
+                <a:latin typeface="Noto Sans KR ExtraLight" panose="020B0200000000000000" pitchFamily="50" charset="-127"/>
+                <a:ea typeface="Noto Sans KR ExtraLight" panose="020B0200000000000000" pitchFamily="50" charset="-127"/>
+              </a:endParaRPr>
+            </a:p>
+            <a:p>
+              <a:r>
+                <a:rPr lang="en-US" altLang="ko-KR" sz="2400" dirty="0" err="1">
+                  <a:solidFill>
+                    <a:schemeClr val="bg1"/>
+                  </a:solidFill>
+                  <a:latin typeface="Noto Sans KR ExtraLight" panose="020B0200000000000000" pitchFamily="50" charset="-127"/>
+                  <a:ea typeface="Noto Sans KR ExtraLight" panose="020B0200000000000000" pitchFamily="50" charset="-127"/>
+                </a:rPr>
+                <a:t>DynamicEdge_Controller</a:t>
+              </a:r>
+              <a:endParaRPr lang="ko-KR" altLang="en-US" sz="2400" dirty="0">
+                <a:solidFill>
+                  <a:schemeClr val="bg1"/>
+                </a:solidFill>
+                <a:latin typeface="Noto Sans KR ExtraLight" panose="020B0200000000000000" pitchFamily="50" charset="-127"/>
+                <a:ea typeface="Noto Sans KR ExtraLight" panose="020B0200000000000000" pitchFamily="50" charset="-127"/>
+              </a:endParaRPr>
+            </a:p>
+          </p:txBody>
+        </p:sp>
+        <p:sp>
+          <p:nvSpPr>
+            <p:cNvPr id="9" name="화살표: 아래쪽 8">
+              <a:extLst>
+                <a:ext uri="{FF2B5EF4-FFF2-40B4-BE49-F238E27FC236}">
+                  <a16:creationId xmlns:a16="http://schemas.microsoft.com/office/drawing/2014/main" id="{8C0FECE4-9214-CF80-F4A7-DAC0415429F3}"/>
+                </a:ext>
+              </a:extLst>
+            </p:cNvPr>
+            <p:cNvSpPr/>
+            <p:nvPr/>
+          </p:nvSpPr>
+          <p:spPr>
+            <a:xfrm>
+              <a:off x="914681" y="2558050"/>
+              <a:ext cx="425303" cy="575467"/>
+            </a:xfrm>
+            <a:prstGeom prst="downArrow">
+              <a:avLst/>
+            </a:prstGeom>
             <a:solidFill>
-              <a:srgbClr val="FF0000"/>
+              <a:schemeClr val="bg1"/>
             </a:solidFill>
-          </a:ln>
-        </p:spPr>
-      </p:pic>
-      <p:pic>
-        <p:nvPicPr>
-          <p:cNvPr id="6" name="그림 5">
-            <a:extLst>
-              <a:ext uri="{FF2B5EF4-FFF2-40B4-BE49-F238E27FC236}">
-                <a16:creationId xmlns:a16="http://schemas.microsoft.com/office/drawing/2014/main" id="{5C2E22E9-CAEC-911C-094A-81C969289485}"/>
-              </a:ext>
-            </a:extLst>
-          </p:cNvPr>
-          <p:cNvPicPr>
-            <a:picLocks noChangeAspect="1"/>
-          </p:cNvPicPr>
-          <p:nvPr/>
-        </p:nvPicPr>
-        <p:blipFill>
-          <a:blip r:embed="rId3"/>
-          <a:stretch>
-            <a:fillRect/>
-          </a:stretch>
-        </p:blipFill>
-        <p:spPr>
-          <a:xfrm>
-            <a:off x="5639963" y="1538477"/>
-            <a:ext cx="6316131" cy="3781044"/>
-          </a:xfrm>
-          <a:prstGeom prst="rect">
-            <a:avLst/>
-          </a:prstGeom>
-          <a:ln>
+            <a:ln>
+              <a:noFill/>
+            </a:ln>
+          </p:spPr>
+          <p:style>
+            <a:lnRef idx="2">
+              <a:schemeClr val="accent1">
+                <a:shade val="15000"/>
+              </a:schemeClr>
+            </a:lnRef>
+            <a:fillRef idx="1">
+              <a:schemeClr val="accent1"/>
+            </a:fillRef>
+            <a:effectRef idx="0">
+              <a:schemeClr val="accent1"/>
+            </a:effectRef>
+            <a:fontRef idx="minor">
+              <a:schemeClr val="lt1"/>
+            </a:fontRef>
+          </p:style>
+          <p:txBody>
+            <a:bodyPr rtlCol="0" anchor="ctr"/>
+            <a:lstStyle/>
+            <a:p>
+              <a:pPr algn="ctr"/>
+              <a:endParaRPr lang="ko-KR" altLang="en-US"/>
+            </a:p>
+          </p:txBody>
+        </p:sp>
+        <p:sp>
+          <p:nvSpPr>
+            <p:cNvPr id="10" name="화살표: 아래쪽 9">
+              <a:extLst>
+                <a:ext uri="{FF2B5EF4-FFF2-40B4-BE49-F238E27FC236}">
+                  <a16:creationId xmlns:a16="http://schemas.microsoft.com/office/drawing/2014/main" id="{52F02DAE-7780-894A-BCAB-2837D8B5BD3E}"/>
+                </a:ext>
+              </a:extLst>
+            </p:cNvPr>
+            <p:cNvSpPr/>
+            <p:nvPr/>
+          </p:nvSpPr>
+          <p:spPr>
+            <a:xfrm rot="16200000">
+              <a:off x="2090884" y="3060213"/>
+              <a:ext cx="425303" cy="737566"/>
+            </a:xfrm>
+            <a:prstGeom prst="downArrow">
+              <a:avLst/>
+            </a:prstGeom>
             <a:solidFill>
-              <a:srgbClr val="FF0000"/>
+              <a:schemeClr val="bg1"/>
             </a:solidFill>
-          </a:ln>
-        </p:spPr>
-      </p:pic>
+            <a:ln>
+              <a:noFill/>
+            </a:ln>
+          </p:spPr>
+          <p:style>
+            <a:lnRef idx="2">
+              <a:schemeClr val="accent1">
+                <a:shade val="15000"/>
+              </a:schemeClr>
+            </a:lnRef>
+            <a:fillRef idx="1">
+              <a:schemeClr val="accent1"/>
+            </a:fillRef>
+            <a:effectRef idx="0">
+              <a:schemeClr val="accent1"/>
+            </a:effectRef>
+            <a:fontRef idx="minor">
+              <a:schemeClr val="lt1"/>
+            </a:fontRef>
+          </p:style>
+          <p:txBody>
+            <a:bodyPr rtlCol="0" anchor="ctr"/>
+            <a:lstStyle/>
+            <a:p>
+              <a:pPr algn="ctr"/>
+              <a:endParaRPr lang="ko-KR" altLang="en-US"/>
+            </a:p>
+          </p:txBody>
+        </p:sp>
+        <p:sp>
+          <p:nvSpPr>
+            <p:cNvPr id="11" name="TextBox 10">
+              <a:extLst>
+                <a:ext uri="{FF2B5EF4-FFF2-40B4-BE49-F238E27FC236}">
+                  <a16:creationId xmlns:a16="http://schemas.microsoft.com/office/drawing/2014/main" id="{D2816684-0F93-0071-52FF-A982DC9749EB}"/>
+                </a:ext>
+              </a:extLst>
+            </p:cNvPr>
+            <p:cNvSpPr txBox="1"/>
+            <p:nvPr/>
+          </p:nvSpPr>
+          <p:spPr>
+            <a:xfrm>
+              <a:off x="5933031" y="3198165"/>
+              <a:ext cx="2571538" cy="461665"/>
+            </a:xfrm>
+            <a:prstGeom prst="rect">
+              <a:avLst/>
+            </a:prstGeom>
+            <a:noFill/>
+          </p:spPr>
+          <p:txBody>
+            <a:bodyPr wrap="none" rtlCol="0">
+              <a:spAutoFit/>
+            </a:bodyPr>
+            <a:lstStyle/>
+            <a:p>
+              <a:r>
+                <a:rPr lang="en-US" altLang="ko-KR" sz="2400" dirty="0" err="1">
+                  <a:solidFill>
+                    <a:schemeClr val="bg1"/>
+                  </a:solidFill>
+                  <a:latin typeface="Noto Sans KR ExtraLight" panose="020B0200000000000000" pitchFamily="50" charset="-127"/>
+                  <a:ea typeface="Noto Sans KR ExtraLight" panose="020B0200000000000000" pitchFamily="50" charset="-127"/>
+                </a:rPr>
+                <a:t>Vertex_Controller</a:t>
+              </a:r>
+              <a:endParaRPr lang="ko-KR" altLang="en-US" sz="2400" dirty="0">
+                <a:solidFill>
+                  <a:schemeClr val="bg1"/>
+                </a:solidFill>
+                <a:latin typeface="Noto Sans KR ExtraLight" panose="020B0200000000000000" pitchFamily="50" charset="-127"/>
+                <a:ea typeface="Noto Sans KR ExtraLight" panose="020B0200000000000000" pitchFamily="50" charset="-127"/>
+              </a:endParaRPr>
+            </a:p>
+          </p:txBody>
+        </p:sp>
+        <p:sp>
+          <p:nvSpPr>
+            <p:cNvPr id="13" name="화살표: 아래쪽 12">
+              <a:extLst>
+                <a:ext uri="{FF2B5EF4-FFF2-40B4-BE49-F238E27FC236}">
+                  <a16:creationId xmlns:a16="http://schemas.microsoft.com/office/drawing/2014/main" id="{B9656414-3B94-0BCE-942F-7AC09EB78462}"/>
+                </a:ext>
+              </a:extLst>
+            </p:cNvPr>
+            <p:cNvSpPr/>
+            <p:nvPr/>
+          </p:nvSpPr>
+          <p:spPr>
+            <a:xfrm rot="13005671">
+              <a:off x="5107808" y="2628972"/>
+              <a:ext cx="425303" cy="566684"/>
+            </a:xfrm>
+            <a:prstGeom prst="downArrow">
+              <a:avLst/>
+            </a:prstGeom>
+            <a:solidFill>
+              <a:schemeClr val="bg1"/>
+            </a:solidFill>
+            <a:ln>
+              <a:noFill/>
+            </a:ln>
+          </p:spPr>
+          <p:style>
+            <a:lnRef idx="2">
+              <a:schemeClr val="accent1">
+                <a:shade val="15000"/>
+              </a:schemeClr>
+            </a:lnRef>
+            <a:fillRef idx="1">
+              <a:schemeClr val="accent1"/>
+            </a:fillRef>
+            <a:effectRef idx="0">
+              <a:schemeClr val="accent1"/>
+            </a:effectRef>
+            <a:fontRef idx="minor">
+              <a:schemeClr val="lt1"/>
+            </a:fontRef>
+          </p:style>
+          <p:txBody>
+            <a:bodyPr rtlCol="0" anchor="ctr"/>
+            <a:lstStyle/>
+            <a:p>
+              <a:pPr algn="ctr"/>
+              <a:endParaRPr lang="ko-KR" altLang="en-US"/>
+            </a:p>
+          </p:txBody>
+        </p:sp>
+        <p:sp>
+          <p:nvSpPr>
+            <p:cNvPr id="14" name="화살표: 아래쪽 13">
+              <a:extLst>
+                <a:ext uri="{FF2B5EF4-FFF2-40B4-BE49-F238E27FC236}">
+                  <a16:creationId xmlns:a16="http://schemas.microsoft.com/office/drawing/2014/main" id="{3FA3EF13-E2B4-FCFB-DB32-2FEE4AF71B15}"/>
+                </a:ext>
+              </a:extLst>
+            </p:cNvPr>
+            <p:cNvSpPr/>
+            <p:nvPr/>
+          </p:nvSpPr>
+          <p:spPr>
+            <a:xfrm rot="16200000">
+              <a:off x="5400869" y="3184234"/>
+              <a:ext cx="425303" cy="500853"/>
+            </a:xfrm>
+            <a:prstGeom prst="downArrow">
+              <a:avLst/>
+            </a:prstGeom>
+            <a:solidFill>
+              <a:schemeClr val="bg1"/>
+            </a:solidFill>
+            <a:ln>
+              <a:noFill/>
+            </a:ln>
+          </p:spPr>
+          <p:style>
+            <a:lnRef idx="2">
+              <a:schemeClr val="accent1">
+                <a:shade val="15000"/>
+              </a:schemeClr>
+            </a:lnRef>
+            <a:fillRef idx="1">
+              <a:schemeClr val="accent1"/>
+            </a:fillRef>
+            <a:effectRef idx="0">
+              <a:schemeClr val="accent1"/>
+            </a:effectRef>
+            <a:fontRef idx="minor">
+              <a:schemeClr val="lt1"/>
+            </a:fontRef>
+          </p:style>
+          <p:txBody>
+            <a:bodyPr rtlCol="0" anchor="ctr"/>
+            <a:lstStyle/>
+            <a:p>
+              <a:pPr algn="ctr"/>
+              <a:endParaRPr lang="ko-KR" altLang="en-US"/>
+            </a:p>
+          </p:txBody>
+        </p:sp>
+        <p:sp>
+          <p:nvSpPr>
+            <p:cNvPr id="15" name="TextBox 14">
+              <a:extLst>
+                <a:ext uri="{FF2B5EF4-FFF2-40B4-BE49-F238E27FC236}">
+                  <a16:creationId xmlns:a16="http://schemas.microsoft.com/office/drawing/2014/main" id="{64FC6F2D-8A74-4AD6-6B4B-09F1F4F31B2F}"/>
+                </a:ext>
+              </a:extLst>
+            </p:cNvPr>
+            <p:cNvSpPr txBox="1"/>
+            <p:nvPr/>
+          </p:nvSpPr>
+          <p:spPr>
+            <a:xfrm>
+              <a:off x="8504569" y="1141231"/>
+              <a:ext cx="2226892" cy="461665"/>
+            </a:xfrm>
+            <a:prstGeom prst="rect">
+              <a:avLst/>
+            </a:prstGeom>
+            <a:noFill/>
+          </p:spPr>
+          <p:txBody>
+            <a:bodyPr wrap="none" rtlCol="0">
+              <a:spAutoFit/>
+            </a:bodyPr>
+            <a:lstStyle/>
+            <a:p>
+              <a:r>
+                <a:rPr lang="en-US" altLang="ko-KR" sz="2400" dirty="0" err="1">
+                  <a:solidFill>
+                    <a:schemeClr val="bg1"/>
+                  </a:solidFill>
+                  <a:latin typeface="Noto Sans KR ExtraLight" panose="020B0200000000000000" pitchFamily="50" charset="-127"/>
+                  <a:ea typeface="Noto Sans KR ExtraLight" panose="020B0200000000000000" pitchFamily="50" charset="-127"/>
+                </a:rPr>
+                <a:t>Edge_Manager</a:t>
+              </a:r>
+              <a:endParaRPr lang="ko-KR" altLang="en-US" sz="2400" dirty="0">
+                <a:solidFill>
+                  <a:schemeClr val="bg1"/>
+                </a:solidFill>
+                <a:latin typeface="Noto Sans KR ExtraLight" panose="020B0200000000000000" pitchFamily="50" charset="-127"/>
+                <a:ea typeface="Noto Sans KR ExtraLight" panose="020B0200000000000000" pitchFamily="50" charset="-127"/>
+              </a:endParaRPr>
+            </a:p>
+          </p:txBody>
+        </p:sp>
+        <p:sp>
+          <p:nvSpPr>
+            <p:cNvPr id="18" name="화살표: 오른쪽 17">
+              <a:extLst>
+                <a:ext uri="{FF2B5EF4-FFF2-40B4-BE49-F238E27FC236}">
+                  <a16:creationId xmlns:a16="http://schemas.microsoft.com/office/drawing/2014/main" id="{CA44D3F5-F28E-3129-9ADB-29CF171596DF}"/>
+                </a:ext>
+              </a:extLst>
+            </p:cNvPr>
+            <p:cNvSpPr/>
+            <p:nvPr/>
+          </p:nvSpPr>
+          <p:spPr>
+            <a:xfrm rot="19808960">
+              <a:off x="7744935" y="1372063"/>
+              <a:ext cx="574158" cy="461665"/>
+            </a:xfrm>
+            <a:prstGeom prst="rightArrow">
+              <a:avLst/>
+            </a:prstGeom>
+            <a:solidFill>
+              <a:schemeClr val="bg1"/>
+            </a:solidFill>
+            <a:ln>
+              <a:noFill/>
+            </a:ln>
+          </p:spPr>
+          <p:style>
+            <a:lnRef idx="2">
+              <a:schemeClr val="accent1">
+                <a:shade val="15000"/>
+              </a:schemeClr>
+            </a:lnRef>
+            <a:fillRef idx="1">
+              <a:schemeClr val="accent1"/>
+            </a:fillRef>
+            <a:effectRef idx="0">
+              <a:schemeClr val="accent1"/>
+            </a:effectRef>
+            <a:fontRef idx="minor">
+              <a:schemeClr val="lt1"/>
+            </a:fontRef>
+          </p:style>
+          <p:txBody>
+            <a:bodyPr rtlCol="0" anchor="ctr"/>
+            <a:lstStyle/>
+            <a:p>
+              <a:pPr algn="ctr"/>
+              <a:endParaRPr lang="ko-KR" altLang="en-US"/>
+            </a:p>
+          </p:txBody>
+        </p:sp>
+        <p:sp>
+          <p:nvSpPr>
+            <p:cNvPr id="19" name="화살표: 오른쪽 18">
+              <a:extLst>
+                <a:ext uri="{FF2B5EF4-FFF2-40B4-BE49-F238E27FC236}">
+                  <a16:creationId xmlns:a16="http://schemas.microsoft.com/office/drawing/2014/main" id="{CAD0352B-1B8F-7D01-09E0-2CE1B3AD6AEF}"/>
+                </a:ext>
+              </a:extLst>
+            </p:cNvPr>
+            <p:cNvSpPr/>
+            <p:nvPr/>
+          </p:nvSpPr>
+          <p:spPr>
+            <a:xfrm rot="16921725">
+              <a:off x="8796323" y="1700944"/>
+              <a:ext cx="574158" cy="461665"/>
+            </a:xfrm>
+            <a:prstGeom prst="rightArrow">
+              <a:avLst/>
+            </a:prstGeom>
+            <a:solidFill>
+              <a:schemeClr val="bg1"/>
+            </a:solidFill>
+            <a:ln>
+              <a:noFill/>
+            </a:ln>
+          </p:spPr>
+          <p:style>
+            <a:lnRef idx="2">
+              <a:schemeClr val="accent1">
+                <a:shade val="15000"/>
+              </a:schemeClr>
+            </a:lnRef>
+            <a:fillRef idx="1">
+              <a:schemeClr val="accent1"/>
+            </a:fillRef>
+            <a:effectRef idx="0">
+              <a:schemeClr val="accent1"/>
+            </a:effectRef>
+            <a:fontRef idx="minor">
+              <a:schemeClr val="lt1"/>
+            </a:fontRef>
+          </p:style>
+          <p:txBody>
+            <a:bodyPr rtlCol="0" anchor="ctr"/>
+            <a:lstStyle/>
+            <a:p>
+              <a:pPr algn="ctr"/>
+              <a:endParaRPr lang="ko-KR" altLang="en-US"/>
+            </a:p>
+          </p:txBody>
+        </p:sp>
+        <p:sp>
+          <p:nvSpPr>
+            <p:cNvPr id="20" name="TextBox 19">
+              <a:extLst>
+                <a:ext uri="{FF2B5EF4-FFF2-40B4-BE49-F238E27FC236}">
+                  <a16:creationId xmlns:a16="http://schemas.microsoft.com/office/drawing/2014/main" id="{F332284E-248A-732D-6617-AAE9BF561F4D}"/>
+                </a:ext>
+              </a:extLst>
+            </p:cNvPr>
+            <p:cNvSpPr txBox="1"/>
+            <p:nvPr/>
+          </p:nvSpPr>
+          <p:spPr>
+            <a:xfrm>
+              <a:off x="9083402" y="3179983"/>
+              <a:ext cx="2549096" cy="461665"/>
+            </a:xfrm>
+            <a:prstGeom prst="rect">
+              <a:avLst/>
+            </a:prstGeom>
+            <a:noFill/>
+          </p:spPr>
+          <p:txBody>
+            <a:bodyPr wrap="none" rtlCol="0">
+              <a:spAutoFit/>
+            </a:bodyPr>
+            <a:lstStyle/>
+            <a:p>
+              <a:r>
+                <a:rPr lang="en-US" altLang="ko-KR" sz="2400" dirty="0" err="1">
+                  <a:solidFill>
+                    <a:schemeClr val="bg1"/>
+                  </a:solidFill>
+                  <a:latin typeface="Noto Sans KR ExtraLight" panose="020B0200000000000000" pitchFamily="50" charset="-127"/>
+                  <a:ea typeface="Noto Sans KR ExtraLight" panose="020B0200000000000000" pitchFamily="50" charset="-127"/>
+                </a:rPr>
+                <a:t>Vertex_Generater</a:t>
+              </a:r>
+              <a:endParaRPr lang="ko-KR" altLang="en-US" sz="2400" dirty="0">
+                <a:solidFill>
+                  <a:schemeClr val="bg1"/>
+                </a:solidFill>
+                <a:latin typeface="Noto Sans KR ExtraLight" panose="020B0200000000000000" pitchFamily="50" charset="-127"/>
+                <a:ea typeface="Noto Sans KR ExtraLight" panose="020B0200000000000000" pitchFamily="50" charset="-127"/>
+              </a:endParaRPr>
+            </a:p>
+          </p:txBody>
+        </p:sp>
+        <p:sp>
+          <p:nvSpPr>
+            <p:cNvPr id="22" name="화살표: 아래쪽 21">
+              <a:extLst>
+                <a:ext uri="{FF2B5EF4-FFF2-40B4-BE49-F238E27FC236}">
+                  <a16:creationId xmlns:a16="http://schemas.microsoft.com/office/drawing/2014/main" id="{AC89CD41-49FB-3A3A-1E80-88F192FE06E6}"/>
+                </a:ext>
+              </a:extLst>
+            </p:cNvPr>
+            <p:cNvSpPr/>
+            <p:nvPr/>
+          </p:nvSpPr>
+          <p:spPr>
+            <a:xfrm rot="16200000">
+              <a:off x="8611428" y="3187282"/>
+              <a:ext cx="425303" cy="500853"/>
+            </a:xfrm>
+            <a:prstGeom prst="downArrow">
+              <a:avLst/>
+            </a:prstGeom>
+            <a:solidFill>
+              <a:schemeClr val="bg1"/>
+            </a:solidFill>
+            <a:ln>
+              <a:noFill/>
+            </a:ln>
+          </p:spPr>
+          <p:style>
+            <a:lnRef idx="2">
+              <a:schemeClr val="accent1">
+                <a:shade val="15000"/>
+              </a:schemeClr>
+            </a:lnRef>
+            <a:fillRef idx="1">
+              <a:schemeClr val="accent1"/>
+            </a:fillRef>
+            <a:effectRef idx="0">
+              <a:schemeClr val="accent1"/>
+            </a:effectRef>
+            <a:fontRef idx="minor">
+              <a:schemeClr val="lt1"/>
+            </a:fontRef>
+          </p:style>
+          <p:txBody>
+            <a:bodyPr rtlCol="0" anchor="ctr"/>
+            <a:lstStyle/>
+            <a:p>
+              <a:pPr algn="ctr"/>
+              <a:endParaRPr lang="ko-KR" altLang="en-US"/>
+            </a:p>
+          </p:txBody>
+        </p:sp>
+        <p:sp>
+          <p:nvSpPr>
+            <p:cNvPr id="24" name="TextBox 23">
+              <a:extLst>
+                <a:ext uri="{FF2B5EF4-FFF2-40B4-BE49-F238E27FC236}">
+                  <a16:creationId xmlns:a16="http://schemas.microsoft.com/office/drawing/2014/main" id="{0E909DF2-30CD-C0BB-E5D2-08AD362388CB}"/>
+                </a:ext>
+              </a:extLst>
+            </p:cNvPr>
+            <p:cNvSpPr txBox="1"/>
+            <p:nvPr/>
+          </p:nvSpPr>
+          <p:spPr>
+            <a:xfrm>
+              <a:off x="9166758" y="4046867"/>
+              <a:ext cx="2382383" cy="461665"/>
+            </a:xfrm>
+            <a:prstGeom prst="rect">
+              <a:avLst/>
+            </a:prstGeom>
+            <a:noFill/>
+          </p:spPr>
+          <p:txBody>
+            <a:bodyPr wrap="none" rtlCol="0">
+              <a:spAutoFit/>
+            </a:bodyPr>
+            <a:lstStyle/>
+            <a:p>
+              <a:r>
+                <a:rPr lang="en-US" altLang="ko-KR" sz="2400" dirty="0" err="1">
+                  <a:solidFill>
+                    <a:schemeClr val="bg1"/>
+                  </a:solidFill>
+                  <a:latin typeface="Noto Sans KR ExtraLight" panose="020B0200000000000000" pitchFamily="50" charset="-127"/>
+                  <a:ea typeface="Noto Sans KR ExtraLight" panose="020B0200000000000000" pitchFamily="50" charset="-127"/>
+                </a:rPr>
+                <a:t>Vertex_Manager</a:t>
+              </a:r>
+              <a:endParaRPr lang="ko-KR" altLang="en-US" sz="2400" dirty="0">
+                <a:solidFill>
+                  <a:schemeClr val="bg1"/>
+                </a:solidFill>
+                <a:latin typeface="Noto Sans KR ExtraLight" panose="020B0200000000000000" pitchFamily="50" charset="-127"/>
+                <a:ea typeface="Noto Sans KR ExtraLight" panose="020B0200000000000000" pitchFamily="50" charset="-127"/>
+              </a:endParaRPr>
+            </a:p>
+          </p:txBody>
+        </p:sp>
+        <p:sp>
+          <p:nvSpPr>
+            <p:cNvPr id="25" name="TextBox 24">
+              <a:extLst>
+                <a:ext uri="{FF2B5EF4-FFF2-40B4-BE49-F238E27FC236}">
+                  <a16:creationId xmlns:a16="http://schemas.microsoft.com/office/drawing/2014/main" id="{FEF0BB1B-3FB7-E6B9-B673-92DBCC522F0A}"/>
+                </a:ext>
+              </a:extLst>
+            </p:cNvPr>
+            <p:cNvSpPr txBox="1"/>
+            <p:nvPr/>
+          </p:nvSpPr>
+          <p:spPr>
+            <a:xfrm>
+              <a:off x="4827343" y="4277699"/>
+              <a:ext cx="3163045" cy="461665"/>
+            </a:xfrm>
+            <a:prstGeom prst="rect">
+              <a:avLst/>
+            </a:prstGeom>
+            <a:noFill/>
+          </p:spPr>
+          <p:txBody>
+            <a:bodyPr wrap="none" rtlCol="0">
+              <a:spAutoFit/>
+            </a:bodyPr>
+            <a:lstStyle/>
+            <a:p>
+              <a:r>
+                <a:rPr lang="en-US" altLang="ko-KR" sz="2400" dirty="0" err="1">
+                  <a:solidFill>
+                    <a:schemeClr val="bg1"/>
+                  </a:solidFill>
+                  <a:latin typeface="Noto Sans KR ExtraLight" panose="020B0200000000000000" pitchFamily="50" charset="-127"/>
+                  <a:ea typeface="Noto Sans KR ExtraLight" panose="020B0200000000000000" pitchFamily="50" charset="-127"/>
+                </a:rPr>
+                <a:t>Vertex_Cost_Manager</a:t>
+              </a:r>
+              <a:endParaRPr lang="ko-KR" altLang="en-US" sz="2400" dirty="0">
+                <a:solidFill>
+                  <a:schemeClr val="bg1"/>
+                </a:solidFill>
+                <a:latin typeface="Noto Sans KR ExtraLight" panose="020B0200000000000000" pitchFamily="50" charset="-127"/>
+                <a:ea typeface="Noto Sans KR ExtraLight" panose="020B0200000000000000" pitchFamily="50" charset="-127"/>
+              </a:endParaRPr>
+            </a:p>
+          </p:txBody>
+        </p:sp>
+        <p:sp>
+          <p:nvSpPr>
+            <p:cNvPr id="27" name="화살표: 아래쪽 26">
+              <a:extLst>
+                <a:ext uri="{FF2B5EF4-FFF2-40B4-BE49-F238E27FC236}">
+                  <a16:creationId xmlns:a16="http://schemas.microsoft.com/office/drawing/2014/main" id="{FED131CD-457D-15BC-008A-0A13AB3B102F}"/>
+                </a:ext>
+              </a:extLst>
+            </p:cNvPr>
+            <p:cNvSpPr/>
+            <p:nvPr/>
+          </p:nvSpPr>
+          <p:spPr>
+            <a:xfrm rot="19850665">
+              <a:off x="4922404" y="3759507"/>
+              <a:ext cx="425303" cy="500853"/>
+            </a:xfrm>
+            <a:prstGeom prst="downArrow">
+              <a:avLst/>
+            </a:prstGeom>
+            <a:solidFill>
+              <a:schemeClr val="bg1"/>
+            </a:solidFill>
+            <a:ln>
+              <a:noFill/>
+            </a:ln>
+          </p:spPr>
+          <p:style>
+            <a:lnRef idx="2">
+              <a:schemeClr val="accent1">
+                <a:shade val="15000"/>
+              </a:schemeClr>
+            </a:lnRef>
+            <a:fillRef idx="1">
+              <a:schemeClr val="accent1"/>
+            </a:fillRef>
+            <a:effectRef idx="0">
+              <a:schemeClr val="accent1"/>
+            </a:effectRef>
+            <a:fontRef idx="minor">
+              <a:schemeClr val="lt1"/>
+            </a:fontRef>
+          </p:style>
+          <p:txBody>
+            <a:bodyPr rtlCol="0" anchor="ctr"/>
+            <a:lstStyle/>
+            <a:p>
+              <a:pPr algn="ctr"/>
+              <a:endParaRPr lang="ko-KR" altLang="en-US"/>
+            </a:p>
+          </p:txBody>
+        </p:sp>
+        <p:sp>
+          <p:nvSpPr>
+            <p:cNvPr id="28" name="화살표: 아래쪽 27">
+              <a:extLst>
+                <a:ext uri="{FF2B5EF4-FFF2-40B4-BE49-F238E27FC236}">
+                  <a16:creationId xmlns:a16="http://schemas.microsoft.com/office/drawing/2014/main" id="{433F976E-77E2-C9A5-F0A5-12DDDA19E7DD}"/>
+                </a:ext>
+              </a:extLst>
+            </p:cNvPr>
+            <p:cNvSpPr/>
+            <p:nvPr/>
+          </p:nvSpPr>
+          <p:spPr>
+            <a:xfrm>
+              <a:off x="10145297" y="3620165"/>
+              <a:ext cx="425303" cy="500853"/>
+            </a:xfrm>
+            <a:prstGeom prst="downArrow">
+              <a:avLst/>
+            </a:prstGeom>
+            <a:solidFill>
+              <a:schemeClr val="bg1"/>
+            </a:solidFill>
+            <a:ln>
+              <a:noFill/>
+            </a:ln>
+          </p:spPr>
+          <p:style>
+            <a:lnRef idx="2">
+              <a:schemeClr val="accent1">
+                <a:shade val="15000"/>
+              </a:schemeClr>
+            </a:lnRef>
+            <a:fillRef idx="1">
+              <a:schemeClr val="accent1"/>
+            </a:fillRef>
+            <a:effectRef idx="0">
+              <a:schemeClr val="accent1"/>
+            </a:effectRef>
+            <a:fontRef idx="minor">
+              <a:schemeClr val="lt1"/>
+            </a:fontRef>
+          </p:style>
+          <p:txBody>
+            <a:bodyPr rtlCol="0" anchor="ctr"/>
+            <a:lstStyle/>
+            <a:p>
+              <a:pPr algn="ctr"/>
+              <a:endParaRPr lang="ko-KR" altLang="en-US"/>
+            </a:p>
+          </p:txBody>
+        </p:sp>
+        <p:sp>
+          <p:nvSpPr>
+            <p:cNvPr id="29" name="화살표: 아래쪽 28">
+              <a:extLst>
+                <a:ext uri="{FF2B5EF4-FFF2-40B4-BE49-F238E27FC236}">
+                  <a16:creationId xmlns:a16="http://schemas.microsoft.com/office/drawing/2014/main" id="{60D8032D-FE8A-2DD8-4AD6-D16A370B59B8}"/>
+                </a:ext>
+              </a:extLst>
+            </p:cNvPr>
+            <p:cNvSpPr/>
+            <p:nvPr/>
+          </p:nvSpPr>
+          <p:spPr>
+            <a:xfrm rot="12081235">
+              <a:off x="4435996" y="1783234"/>
+              <a:ext cx="425303" cy="1343149"/>
+            </a:xfrm>
+            <a:prstGeom prst="downArrow">
+              <a:avLst>
+                <a:gd name="adj1" fmla="val 50000"/>
+                <a:gd name="adj2" fmla="val 45017"/>
+              </a:avLst>
+            </a:prstGeom>
+            <a:solidFill>
+              <a:schemeClr val="bg1"/>
+            </a:solidFill>
+            <a:ln>
+              <a:noFill/>
+            </a:ln>
+          </p:spPr>
+          <p:style>
+            <a:lnRef idx="2">
+              <a:schemeClr val="accent1">
+                <a:shade val="15000"/>
+              </a:schemeClr>
+            </a:lnRef>
+            <a:fillRef idx="1">
+              <a:schemeClr val="accent1"/>
+            </a:fillRef>
+            <a:effectRef idx="0">
+              <a:schemeClr val="accent1"/>
+            </a:effectRef>
+            <a:fontRef idx="minor">
+              <a:schemeClr val="lt1"/>
+            </a:fontRef>
+          </p:style>
+          <p:txBody>
+            <a:bodyPr rtlCol="0" anchor="ctr"/>
+            <a:lstStyle/>
+            <a:p>
+              <a:pPr algn="ctr"/>
+              <a:endParaRPr lang="ko-KR" altLang="en-US"/>
+            </a:p>
+          </p:txBody>
+        </p:sp>
+        <p:sp>
+          <p:nvSpPr>
+            <p:cNvPr id="30" name="TextBox 29">
+              <a:extLst>
+                <a:ext uri="{FF2B5EF4-FFF2-40B4-BE49-F238E27FC236}">
+                  <a16:creationId xmlns:a16="http://schemas.microsoft.com/office/drawing/2014/main" id="{3A1B83A8-37D9-D01A-BDC1-C4C133349E11}"/>
+                </a:ext>
+              </a:extLst>
+            </p:cNvPr>
+            <p:cNvSpPr txBox="1"/>
+            <p:nvPr/>
+          </p:nvSpPr>
+          <p:spPr>
+            <a:xfrm>
+              <a:off x="3674715" y="1344773"/>
+              <a:ext cx="2611612" cy="461665"/>
+            </a:xfrm>
+            <a:prstGeom prst="rect">
+              <a:avLst/>
+            </a:prstGeom>
+            <a:noFill/>
+          </p:spPr>
+          <p:txBody>
+            <a:bodyPr wrap="none" rtlCol="0">
+              <a:spAutoFit/>
+            </a:bodyPr>
+            <a:lstStyle/>
+            <a:p>
+              <a:r>
+                <a:rPr lang="en-US" altLang="ko-KR" sz="2400" dirty="0" err="1">
+                  <a:solidFill>
+                    <a:schemeClr val="bg1"/>
+                  </a:solidFill>
+                  <a:latin typeface="Noto Sans KR ExtraLight" panose="020B0200000000000000" pitchFamily="50" charset="-127"/>
+                  <a:ea typeface="Noto Sans KR ExtraLight" panose="020B0200000000000000" pitchFamily="50" charset="-127"/>
+                </a:rPr>
+                <a:t>Camera_Manager</a:t>
+              </a:r>
+              <a:endParaRPr lang="ko-KR" altLang="en-US" sz="2400" dirty="0">
+                <a:solidFill>
+                  <a:schemeClr val="bg1"/>
+                </a:solidFill>
+                <a:latin typeface="Noto Sans KR ExtraLight" panose="020B0200000000000000" pitchFamily="50" charset="-127"/>
+                <a:ea typeface="Noto Sans KR ExtraLight" panose="020B0200000000000000" pitchFamily="50" charset="-127"/>
+              </a:endParaRPr>
+            </a:p>
+          </p:txBody>
+        </p:sp>
+        <p:sp>
+          <p:nvSpPr>
+            <p:cNvPr id="31" name="화살표: 아래쪽 30">
+              <a:extLst>
+                <a:ext uri="{FF2B5EF4-FFF2-40B4-BE49-F238E27FC236}">
+                  <a16:creationId xmlns:a16="http://schemas.microsoft.com/office/drawing/2014/main" id="{EC632926-188D-86FB-2F11-65B2568CB3E4}"/>
+                </a:ext>
+              </a:extLst>
+            </p:cNvPr>
+            <p:cNvSpPr/>
+            <p:nvPr/>
+          </p:nvSpPr>
+          <p:spPr>
+            <a:xfrm>
+              <a:off x="934109" y="3816906"/>
+              <a:ext cx="425303" cy="737566"/>
+            </a:xfrm>
+            <a:prstGeom prst="downArrow">
+              <a:avLst/>
+            </a:prstGeom>
+            <a:solidFill>
+              <a:schemeClr val="bg1"/>
+            </a:solidFill>
+            <a:ln>
+              <a:noFill/>
+            </a:ln>
+          </p:spPr>
+          <p:style>
+            <a:lnRef idx="2">
+              <a:schemeClr val="accent1">
+                <a:shade val="15000"/>
+              </a:schemeClr>
+            </a:lnRef>
+            <a:fillRef idx="1">
+              <a:schemeClr val="accent1"/>
+            </a:fillRef>
+            <a:effectRef idx="0">
+              <a:schemeClr val="accent1"/>
+            </a:effectRef>
+            <a:fontRef idx="minor">
+              <a:schemeClr val="lt1"/>
+            </a:fontRef>
+          </p:style>
+          <p:txBody>
+            <a:bodyPr rtlCol="0" anchor="ctr"/>
+            <a:lstStyle/>
+            <a:p>
+              <a:pPr algn="ctr"/>
+              <a:endParaRPr lang="ko-KR" altLang="en-US"/>
+            </a:p>
+          </p:txBody>
+        </p:sp>
+        <p:sp>
+          <p:nvSpPr>
+            <p:cNvPr id="32" name="TextBox 31">
+              <a:extLst>
+                <a:ext uri="{FF2B5EF4-FFF2-40B4-BE49-F238E27FC236}">
+                  <a16:creationId xmlns:a16="http://schemas.microsoft.com/office/drawing/2014/main" id="{3AC2E195-3BEE-BEEB-2143-A6A55B70E2AB}"/>
+                </a:ext>
+              </a:extLst>
+            </p:cNvPr>
+            <p:cNvSpPr txBox="1"/>
+            <p:nvPr/>
+          </p:nvSpPr>
+          <p:spPr>
+            <a:xfrm>
+              <a:off x="847222" y="4670325"/>
+              <a:ext cx="2393604" cy="461665"/>
+            </a:xfrm>
+            <a:prstGeom prst="rect">
+              <a:avLst/>
+            </a:prstGeom>
+            <a:noFill/>
+          </p:spPr>
+          <p:txBody>
+            <a:bodyPr wrap="none" rtlCol="0">
+              <a:spAutoFit/>
+            </a:bodyPr>
+            <a:lstStyle/>
+            <a:p>
+              <a:r>
+                <a:rPr lang="en-US" altLang="ko-KR" sz="2400" dirty="0" err="1">
+                  <a:solidFill>
+                    <a:schemeClr val="bg1"/>
+                  </a:solidFill>
+                  <a:latin typeface="Noto Sans KR ExtraLight" panose="020B0200000000000000" pitchFamily="50" charset="-127"/>
+                  <a:ea typeface="Noto Sans KR ExtraLight" panose="020B0200000000000000" pitchFamily="50" charset="-127"/>
+                </a:rPr>
+                <a:t>Result_Manager</a:t>
+              </a:r>
+              <a:endParaRPr lang="ko-KR" altLang="en-US" sz="2400" dirty="0">
+                <a:solidFill>
+                  <a:schemeClr val="bg1"/>
+                </a:solidFill>
+                <a:latin typeface="Noto Sans KR ExtraLight" panose="020B0200000000000000" pitchFamily="50" charset="-127"/>
+                <a:ea typeface="Noto Sans KR ExtraLight" panose="020B0200000000000000" pitchFamily="50" charset="-127"/>
+              </a:endParaRPr>
+            </a:p>
+          </p:txBody>
+        </p:sp>
+      </p:grpSp>
     </p:spTree>
     <p:extLst>
       <p:ext uri="{BB962C8B-B14F-4D97-AF65-F5344CB8AC3E}">
-        <p14:creationId xmlns:p14="http://schemas.microsoft.com/office/powerpoint/2010/main" val="873602385"/>
+        <p14:creationId xmlns:p14="http://schemas.microsoft.com/office/powerpoint/2010/main" val="3154958828"/>
       </p:ext>
     </p:extLst>
   </p:cSld>
@@ -9703,6 +10788,2257 @@
 </file>
 
 <file path=ppt/slides/slide27.xml><?xml version="1.0" encoding="utf-8"?>
+<p:sld xmlns:a="http://schemas.openxmlformats.org/drawingml/2006/main" xmlns:r="http://schemas.openxmlformats.org/officeDocument/2006/relationships" xmlns:p="http://schemas.openxmlformats.org/presentationml/2006/main">
+  <p:cSld>
+    <p:bg>
+      <p:bgPr>
+        <a:solidFill>
+          <a:schemeClr val="tx1"/>
+        </a:solidFill>
+        <a:effectLst/>
+      </p:bgPr>
+    </p:bg>
+    <p:spTree>
+      <p:nvGrpSpPr>
+        <p:cNvPr id="1" name=""/>
+        <p:cNvGrpSpPr/>
+        <p:nvPr/>
+      </p:nvGrpSpPr>
+      <p:grpSpPr>
+        <a:xfrm>
+          <a:off x="0" y="0"/>
+          <a:ext cx="0" cy="0"/>
+          <a:chOff x="0" y="0"/>
+          <a:chExt cx="0" cy="0"/>
+        </a:xfrm>
+      </p:grpSpPr>
+      <p:sp>
+        <p:nvSpPr>
+          <p:cNvPr id="4" name="TextBox 3">
+            <a:extLst>
+              <a:ext uri="{FF2B5EF4-FFF2-40B4-BE49-F238E27FC236}">
+                <a16:creationId xmlns:a16="http://schemas.microsoft.com/office/drawing/2014/main" id="{A6FC6109-3198-542F-E917-820271B70AFC}"/>
+              </a:ext>
+            </a:extLst>
+          </p:cNvPr>
+          <p:cNvSpPr txBox="1"/>
+          <p:nvPr/>
+        </p:nvSpPr>
+        <p:spPr>
+          <a:xfrm>
+            <a:off x="558799" y="448734"/>
+            <a:ext cx="5469467" cy="923330"/>
+          </a:xfrm>
+          <a:prstGeom prst="rect">
+            <a:avLst/>
+          </a:prstGeom>
+          <a:noFill/>
+        </p:spPr>
+        <p:txBody>
+          <a:bodyPr wrap="square" rtlCol="0">
+            <a:spAutoFit/>
+          </a:bodyPr>
+          <a:lstStyle/>
+          <a:p>
+            <a:r>
+              <a:rPr lang="ko-KR" altLang="en-US" sz="5400" dirty="0">
+                <a:solidFill>
+                  <a:schemeClr val="bg1"/>
+                </a:solidFill>
+                <a:latin typeface="Noto Sans KR SemiBold" panose="020B0200000000000000" pitchFamily="50" charset="-127"/>
+                <a:ea typeface="Noto Sans KR SemiBold" panose="020B0200000000000000" pitchFamily="50" charset="-127"/>
+              </a:rPr>
+              <a:t>힘들었던 점</a:t>
+            </a:r>
+            <a:endParaRPr lang="ko-KR" altLang="en-US" sz="2800" dirty="0">
+              <a:solidFill>
+                <a:schemeClr val="bg1"/>
+              </a:solidFill>
+              <a:latin typeface="Noto Sans KR SemiBold" panose="020B0200000000000000" pitchFamily="50" charset="-127"/>
+              <a:ea typeface="Noto Sans KR SemiBold" panose="020B0200000000000000" pitchFamily="50" charset="-127"/>
+            </a:endParaRPr>
+          </a:p>
+        </p:txBody>
+      </p:sp>
+      <p:sp>
+        <p:nvSpPr>
+          <p:cNvPr id="3" name="타원 2">
+            <a:extLst>
+              <a:ext uri="{FF2B5EF4-FFF2-40B4-BE49-F238E27FC236}">
+                <a16:creationId xmlns:a16="http://schemas.microsoft.com/office/drawing/2014/main" id="{EA8815FD-3BEF-751C-1D64-BC5D91990184}"/>
+              </a:ext>
+            </a:extLst>
+          </p:cNvPr>
+          <p:cNvSpPr/>
+          <p:nvPr/>
+        </p:nvSpPr>
+        <p:spPr>
+          <a:xfrm>
+            <a:off x="3149600" y="3429000"/>
+            <a:ext cx="465666" cy="465666"/>
+          </a:xfrm>
+          <a:prstGeom prst="ellipse">
+            <a:avLst/>
+          </a:prstGeom>
+          <a:solidFill>
+            <a:schemeClr val="bg1"/>
+          </a:solidFill>
+        </p:spPr>
+        <p:style>
+          <a:lnRef idx="2">
+            <a:schemeClr val="accent1">
+              <a:shade val="15000"/>
+            </a:schemeClr>
+          </a:lnRef>
+          <a:fillRef idx="1">
+            <a:schemeClr val="accent1"/>
+          </a:fillRef>
+          <a:effectRef idx="0">
+            <a:schemeClr val="accent1"/>
+          </a:effectRef>
+          <a:fontRef idx="minor">
+            <a:schemeClr val="lt1"/>
+          </a:fontRef>
+        </p:style>
+        <p:txBody>
+          <a:bodyPr rtlCol="0" anchor="ctr"/>
+          <a:lstStyle/>
+          <a:p>
+            <a:pPr algn="ctr"/>
+            <a:endParaRPr lang="ko-KR" altLang="en-US"/>
+          </a:p>
+        </p:txBody>
+      </p:sp>
+      <p:sp>
+        <p:nvSpPr>
+          <p:cNvPr id="6" name="타원 5">
+            <a:extLst>
+              <a:ext uri="{FF2B5EF4-FFF2-40B4-BE49-F238E27FC236}">
+                <a16:creationId xmlns:a16="http://schemas.microsoft.com/office/drawing/2014/main" id="{D2F946A2-2148-4F48-944C-086E74165491}"/>
+              </a:ext>
+            </a:extLst>
+          </p:cNvPr>
+          <p:cNvSpPr/>
+          <p:nvPr/>
+        </p:nvSpPr>
+        <p:spPr>
+          <a:xfrm>
+            <a:off x="2783206" y="4481865"/>
+            <a:ext cx="465666" cy="465666"/>
+          </a:xfrm>
+          <a:prstGeom prst="ellipse">
+            <a:avLst/>
+          </a:prstGeom>
+          <a:solidFill>
+            <a:schemeClr val="bg1"/>
+          </a:solidFill>
+        </p:spPr>
+        <p:style>
+          <a:lnRef idx="2">
+            <a:schemeClr val="accent1">
+              <a:shade val="15000"/>
+            </a:schemeClr>
+          </a:lnRef>
+          <a:fillRef idx="1">
+            <a:schemeClr val="accent1"/>
+          </a:fillRef>
+          <a:effectRef idx="0">
+            <a:schemeClr val="accent1"/>
+          </a:effectRef>
+          <a:fontRef idx="minor">
+            <a:schemeClr val="lt1"/>
+          </a:fontRef>
+        </p:style>
+        <p:txBody>
+          <a:bodyPr rtlCol="0" anchor="ctr"/>
+          <a:lstStyle/>
+          <a:p>
+            <a:pPr algn="ctr"/>
+            <a:endParaRPr lang="ko-KR" altLang="en-US"/>
+          </a:p>
+        </p:txBody>
+      </p:sp>
+      <p:sp>
+        <p:nvSpPr>
+          <p:cNvPr id="7" name="타원 6">
+            <a:extLst>
+              <a:ext uri="{FF2B5EF4-FFF2-40B4-BE49-F238E27FC236}">
+                <a16:creationId xmlns:a16="http://schemas.microsoft.com/office/drawing/2014/main" id="{52199B6C-6E90-8467-F113-0C56133E500D}"/>
+              </a:ext>
+            </a:extLst>
+          </p:cNvPr>
+          <p:cNvSpPr/>
+          <p:nvPr/>
+        </p:nvSpPr>
+        <p:spPr>
+          <a:xfrm>
+            <a:off x="2078954" y="3959015"/>
+            <a:ext cx="465666" cy="465666"/>
+          </a:xfrm>
+          <a:prstGeom prst="ellipse">
+            <a:avLst/>
+          </a:prstGeom>
+          <a:solidFill>
+            <a:schemeClr val="bg1"/>
+          </a:solidFill>
+        </p:spPr>
+        <p:style>
+          <a:lnRef idx="2">
+            <a:schemeClr val="accent1">
+              <a:shade val="15000"/>
+            </a:schemeClr>
+          </a:lnRef>
+          <a:fillRef idx="1">
+            <a:schemeClr val="accent1"/>
+          </a:fillRef>
+          <a:effectRef idx="0">
+            <a:schemeClr val="accent1"/>
+          </a:effectRef>
+          <a:fontRef idx="minor">
+            <a:schemeClr val="lt1"/>
+          </a:fontRef>
+        </p:style>
+        <p:txBody>
+          <a:bodyPr rtlCol="0" anchor="ctr"/>
+          <a:lstStyle/>
+          <a:p>
+            <a:pPr algn="ctr"/>
+            <a:endParaRPr lang="ko-KR" altLang="en-US"/>
+          </a:p>
+        </p:txBody>
+      </p:sp>
+      <p:sp>
+        <p:nvSpPr>
+          <p:cNvPr id="8" name="타원 7">
+            <a:extLst>
+              <a:ext uri="{FF2B5EF4-FFF2-40B4-BE49-F238E27FC236}">
+                <a16:creationId xmlns:a16="http://schemas.microsoft.com/office/drawing/2014/main" id="{E962243B-83CD-61DA-6FE0-A54E3E7A3B46}"/>
+              </a:ext>
+            </a:extLst>
+          </p:cNvPr>
+          <p:cNvSpPr/>
+          <p:nvPr/>
+        </p:nvSpPr>
+        <p:spPr>
+          <a:xfrm>
+            <a:off x="1962019" y="3166922"/>
+            <a:ext cx="465666" cy="465666"/>
+          </a:xfrm>
+          <a:prstGeom prst="ellipse">
+            <a:avLst/>
+          </a:prstGeom>
+          <a:solidFill>
+            <a:schemeClr val="bg1"/>
+          </a:solidFill>
+        </p:spPr>
+        <p:style>
+          <a:lnRef idx="2">
+            <a:schemeClr val="accent1">
+              <a:shade val="15000"/>
+            </a:schemeClr>
+          </a:lnRef>
+          <a:fillRef idx="1">
+            <a:schemeClr val="accent1"/>
+          </a:fillRef>
+          <a:effectRef idx="0">
+            <a:schemeClr val="accent1"/>
+          </a:effectRef>
+          <a:fontRef idx="minor">
+            <a:schemeClr val="lt1"/>
+          </a:fontRef>
+        </p:style>
+        <p:txBody>
+          <a:bodyPr rtlCol="0" anchor="ctr"/>
+          <a:lstStyle/>
+          <a:p>
+            <a:pPr algn="ctr"/>
+            <a:endParaRPr lang="ko-KR" altLang="en-US"/>
+          </a:p>
+        </p:txBody>
+      </p:sp>
+      <p:sp>
+        <p:nvSpPr>
+          <p:cNvPr id="9" name="타원 8">
+            <a:extLst>
+              <a:ext uri="{FF2B5EF4-FFF2-40B4-BE49-F238E27FC236}">
+                <a16:creationId xmlns:a16="http://schemas.microsoft.com/office/drawing/2014/main" id="{85A81054-BD5A-A081-6D9F-F09276FE743B}"/>
+              </a:ext>
+            </a:extLst>
+          </p:cNvPr>
+          <p:cNvSpPr/>
+          <p:nvPr/>
+        </p:nvSpPr>
+        <p:spPr>
+          <a:xfrm>
+            <a:off x="2229452" y="2549123"/>
+            <a:ext cx="465666" cy="465666"/>
+          </a:xfrm>
+          <a:prstGeom prst="ellipse">
+            <a:avLst/>
+          </a:prstGeom>
+          <a:solidFill>
+            <a:schemeClr val="bg1"/>
+          </a:solidFill>
+        </p:spPr>
+        <p:style>
+          <a:lnRef idx="2">
+            <a:schemeClr val="accent1">
+              <a:shade val="15000"/>
+            </a:schemeClr>
+          </a:lnRef>
+          <a:fillRef idx="1">
+            <a:schemeClr val="accent1"/>
+          </a:fillRef>
+          <a:effectRef idx="0">
+            <a:schemeClr val="accent1"/>
+          </a:effectRef>
+          <a:fontRef idx="minor">
+            <a:schemeClr val="lt1"/>
+          </a:fontRef>
+        </p:style>
+        <p:txBody>
+          <a:bodyPr rtlCol="0" anchor="ctr"/>
+          <a:lstStyle/>
+          <a:p>
+            <a:pPr algn="ctr"/>
+            <a:endParaRPr lang="ko-KR" altLang="en-US"/>
+          </a:p>
+        </p:txBody>
+      </p:sp>
+      <p:sp>
+        <p:nvSpPr>
+          <p:cNvPr id="10" name="타원 9">
+            <a:extLst>
+              <a:ext uri="{FF2B5EF4-FFF2-40B4-BE49-F238E27FC236}">
+                <a16:creationId xmlns:a16="http://schemas.microsoft.com/office/drawing/2014/main" id="{03F0E1AE-E4F3-91EF-381F-44A044D74DAE}"/>
+              </a:ext>
+            </a:extLst>
+          </p:cNvPr>
+          <p:cNvSpPr/>
+          <p:nvPr/>
+        </p:nvSpPr>
+        <p:spPr>
+          <a:xfrm>
+            <a:off x="2713822" y="2264123"/>
+            <a:ext cx="465666" cy="465666"/>
+          </a:xfrm>
+          <a:prstGeom prst="ellipse">
+            <a:avLst/>
+          </a:prstGeom>
+          <a:solidFill>
+            <a:schemeClr val="bg1"/>
+          </a:solidFill>
+        </p:spPr>
+        <p:style>
+          <a:lnRef idx="2">
+            <a:schemeClr val="accent1">
+              <a:shade val="15000"/>
+            </a:schemeClr>
+          </a:lnRef>
+          <a:fillRef idx="1">
+            <a:schemeClr val="accent1"/>
+          </a:fillRef>
+          <a:effectRef idx="0">
+            <a:schemeClr val="accent1"/>
+          </a:effectRef>
+          <a:fontRef idx="minor">
+            <a:schemeClr val="lt1"/>
+          </a:fontRef>
+        </p:style>
+        <p:txBody>
+          <a:bodyPr rtlCol="0" anchor="ctr"/>
+          <a:lstStyle/>
+          <a:p>
+            <a:pPr algn="ctr"/>
+            <a:endParaRPr lang="ko-KR" altLang="en-US"/>
+          </a:p>
+        </p:txBody>
+      </p:sp>
+      <p:sp>
+        <p:nvSpPr>
+          <p:cNvPr id="11" name="타원 10">
+            <a:extLst>
+              <a:ext uri="{FF2B5EF4-FFF2-40B4-BE49-F238E27FC236}">
+                <a16:creationId xmlns:a16="http://schemas.microsoft.com/office/drawing/2014/main" id="{5A9D7FE1-1BA5-64F4-4E1E-720D7824309A}"/>
+              </a:ext>
+            </a:extLst>
+          </p:cNvPr>
+          <p:cNvSpPr/>
+          <p:nvPr/>
+        </p:nvSpPr>
+        <p:spPr>
+          <a:xfrm>
+            <a:off x="3126341" y="2143302"/>
+            <a:ext cx="465666" cy="465666"/>
+          </a:xfrm>
+          <a:prstGeom prst="ellipse">
+            <a:avLst/>
+          </a:prstGeom>
+          <a:solidFill>
+            <a:schemeClr val="bg1"/>
+          </a:solidFill>
+        </p:spPr>
+        <p:style>
+          <a:lnRef idx="2">
+            <a:schemeClr val="accent1">
+              <a:shade val="15000"/>
+            </a:schemeClr>
+          </a:lnRef>
+          <a:fillRef idx="1">
+            <a:schemeClr val="accent1"/>
+          </a:fillRef>
+          <a:effectRef idx="0">
+            <a:schemeClr val="accent1"/>
+          </a:effectRef>
+          <a:fontRef idx="minor">
+            <a:schemeClr val="lt1"/>
+          </a:fontRef>
+        </p:style>
+        <p:txBody>
+          <a:bodyPr rtlCol="0" anchor="ctr"/>
+          <a:lstStyle/>
+          <a:p>
+            <a:pPr algn="ctr"/>
+            <a:endParaRPr lang="ko-KR" altLang="en-US"/>
+          </a:p>
+        </p:txBody>
+      </p:sp>
+      <p:sp>
+        <p:nvSpPr>
+          <p:cNvPr id="12" name="타원 11">
+            <a:extLst>
+              <a:ext uri="{FF2B5EF4-FFF2-40B4-BE49-F238E27FC236}">
+                <a16:creationId xmlns:a16="http://schemas.microsoft.com/office/drawing/2014/main" id="{79465AB9-1183-A62B-A2CC-BDE39D4BC4FA}"/>
+              </a:ext>
+            </a:extLst>
+          </p:cNvPr>
+          <p:cNvSpPr/>
+          <p:nvPr/>
+        </p:nvSpPr>
+        <p:spPr>
+          <a:xfrm>
+            <a:off x="3577034" y="2103003"/>
+            <a:ext cx="465666" cy="465666"/>
+          </a:xfrm>
+          <a:prstGeom prst="ellipse">
+            <a:avLst/>
+          </a:prstGeom>
+          <a:solidFill>
+            <a:schemeClr val="bg1"/>
+          </a:solidFill>
+        </p:spPr>
+        <p:style>
+          <a:lnRef idx="2">
+            <a:schemeClr val="accent1">
+              <a:shade val="15000"/>
+            </a:schemeClr>
+          </a:lnRef>
+          <a:fillRef idx="1">
+            <a:schemeClr val="accent1"/>
+          </a:fillRef>
+          <a:effectRef idx="0">
+            <a:schemeClr val="accent1"/>
+          </a:effectRef>
+          <a:fontRef idx="minor">
+            <a:schemeClr val="lt1"/>
+          </a:fontRef>
+        </p:style>
+        <p:txBody>
+          <a:bodyPr rtlCol="0" anchor="ctr"/>
+          <a:lstStyle/>
+          <a:p>
+            <a:pPr algn="ctr"/>
+            <a:endParaRPr lang="ko-KR" altLang="en-US"/>
+          </a:p>
+        </p:txBody>
+      </p:sp>
+      <p:sp>
+        <p:nvSpPr>
+          <p:cNvPr id="13" name="타원 12">
+            <a:extLst>
+              <a:ext uri="{FF2B5EF4-FFF2-40B4-BE49-F238E27FC236}">
+                <a16:creationId xmlns:a16="http://schemas.microsoft.com/office/drawing/2014/main" id="{26124E5A-3A2A-58D0-08D0-E3EFE45B7568}"/>
+              </a:ext>
+            </a:extLst>
+          </p:cNvPr>
+          <p:cNvSpPr/>
+          <p:nvPr/>
+        </p:nvSpPr>
+        <p:spPr>
+          <a:xfrm>
+            <a:off x="3901720" y="2287689"/>
+            <a:ext cx="465666" cy="465666"/>
+          </a:xfrm>
+          <a:prstGeom prst="ellipse">
+            <a:avLst/>
+          </a:prstGeom>
+          <a:solidFill>
+            <a:schemeClr val="bg1"/>
+          </a:solidFill>
+        </p:spPr>
+        <p:style>
+          <a:lnRef idx="2">
+            <a:schemeClr val="accent1">
+              <a:shade val="15000"/>
+            </a:schemeClr>
+          </a:lnRef>
+          <a:fillRef idx="1">
+            <a:schemeClr val="accent1"/>
+          </a:fillRef>
+          <a:effectRef idx="0">
+            <a:schemeClr val="accent1"/>
+          </a:effectRef>
+          <a:fontRef idx="minor">
+            <a:schemeClr val="lt1"/>
+          </a:fontRef>
+        </p:style>
+        <p:txBody>
+          <a:bodyPr rtlCol="0" anchor="ctr"/>
+          <a:lstStyle/>
+          <a:p>
+            <a:pPr algn="ctr"/>
+            <a:endParaRPr lang="ko-KR" altLang="en-US"/>
+          </a:p>
+        </p:txBody>
+      </p:sp>
+      <p:sp>
+        <p:nvSpPr>
+          <p:cNvPr id="14" name="타원 13">
+            <a:extLst>
+              <a:ext uri="{FF2B5EF4-FFF2-40B4-BE49-F238E27FC236}">
+                <a16:creationId xmlns:a16="http://schemas.microsoft.com/office/drawing/2014/main" id="{2DE3B50C-AB8D-57C2-B8E0-243DA3E73971}"/>
+              </a:ext>
+            </a:extLst>
+          </p:cNvPr>
+          <p:cNvSpPr/>
+          <p:nvPr/>
+        </p:nvSpPr>
+        <p:spPr>
+          <a:xfrm>
+            <a:off x="4113458" y="2472375"/>
+            <a:ext cx="465666" cy="465666"/>
+          </a:xfrm>
+          <a:prstGeom prst="ellipse">
+            <a:avLst/>
+          </a:prstGeom>
+          <a:solidFill>
+            <a:schemeClr val="bg1"/>
+          </a:solidFill>
+        </p:spPr>
+        <p:style>
+          <a:lnRef idx="2">
+            <a:schemeClr val="accent1">
+              <a:shade val="15000"/>
+            </a:schemeClr>
+          </a:lnRef>
+          <a:fillRef idx="1">
+            <a:schemeClr val="accent1"/>
+          </a:fillRef>
+          <a:effectRef idx="0">
+            <a:schemeClr val="accent1"/>
+          </a:effectRef>
+          <a:fontRef idx="minor">
+            <a:schemeClr val="lt1"/>
+          </a:fontRef>
+        </p:style>
+        <p:txBody>
+          <a:bodyPr rtlCol="0" anchor="ctr"/>
+          <a:lstStyle/>
+          <a:p>
+            <a:pPr algn="ctr"/>
+            <a:endParaRPr lang="ko-KR" altLang="en-US"/>
+          </a:p>
+        </p:txBody>
+      </p:sp>
+      <p:sp>
+        <p:nvSpPr>
+          <p:cNvPr id="15" name="타원 14">
+            <a:extLst>
+              <a:ext uri="{FF2B5EF4-FFF2-40B4-BE49-F238E27FC236}">
+                <a16:creationId xmlns:a16="http://schemas.microsoft.com/office/drawing/2014/main" id="{B3B61F33-C6F6-B397-2A2D-CC311954FEA5}"/>
+              </a:ext>
+            </a:extLst>
+          </p:cNvPr>
+          <p:cNvSpPr/>
+          <p:nvPr/>
+        </p:nvSpPr>
+        <p:spPr>
+          <a:xfrm>
+            <a:off x="4294888" y="2705208"/>
+            <a:ext cx="465666" cy="465666"/>
+          </a:xfrm>
+          <a:prstGeom prst="ellipse">
+            <a:avLst/>
+          </a:prstGeom>
+          <a:solidFill>
+            <a:schemeClr val="bg1"/>
+          </a:solidFill>
+        </p:spPr>
+        <p:style>
+          <a:lnRef idx="2">
+            <a:schemeClr val="accent1">
+              <a:shade val="15000"/>
+            </a:schemeClr>
+          </a:lnRef>
+          <a:fillRef idx="1">
+            <a:schemeClr val="accent1"/>
+          </a:fillRef>
+          <a:effectRef idx="0">
+            <a:schemeClr val="accent1"/>
+          </a:effectRef>
+          <a:fontRef idx="minor">
+            <a:schemeClr val="lt1"/>
+          </a:fontRef>
+        </p:style>
+        <p:txBody>
+          <a:bodyPr rtlCol="0" anchor="ctr"/>
+          <a:lstStyle/>
+          <a:p>
+            <a:pPr algn="ctr"/>
+            <a:endParaRPr lang="ko-KR" altLang="en-US"/>
+          </a:p>
+        </p:txBody>
+      </p:sp>
+      <p:sp>
+        <p:nvSpPr>
+          <p:cNvPr id="16" name="타원 15">
+            <a:extLst>
+              <a:ext uri="{FF2B5EF4-FFF2-40B4-BE49-F238E27FC236}">
+                <a16:creationId xmlns:a16="http://schemas.microsoft.com/office/drawing/2014/main" id="{AB048E3C-D0A7-60E1-EE63-DDFF8C1E1069}"/>
+              </a:ext>
+            </a:extLst>
+          </p:cNvPr>
+          <p:cNvSpPr/>
+          <p:nvPr/>
+        </p:nvSpPr>
+        <p:spPr>
+          <a:xfrm>
+            <a:off x="4372226" y="2938041"/>
+            <a:ext cx="465666" cy="465666"/>
+          </a:xfrm>
+          <a:prstGeom prst="ellipse">
+            <a:avLst/>
+          </a:prstGeom>
+          <a:solidFill>
+            <a:schemeClr val="bg1"/>
+          </a:solidFill>
+        </p:spPr>
+        <p:style>
+          <a:lnRef idx="2">
+            <a:schemeClr val="accent1">
+              <a:shade val="15000"/>
+            </a:schemeClr>
+          </a:lnRef>
+          <a:fillRef idx="1">
+            <a:schemeClr val="accent1"/>
+          </a:fillRef>
+          <a:effectRef idx="0">
+            <a:schemeClr val="accent1"/>
+          </a:effectRef>
+          <a:fontRef idx="minor">
+            <a:schemeClr val="lt1"/>
+          </a:fontRef>
+        </p:style>
+        <p:txBody>
+          <a:bodyPr rtlCol="0" anchor="ctr"/>
+          <a:lstStyle/>
+          <a:p>
+            <a:pPr algn="ctr"/>
+            <a:endParaRPr lang="ko-KR" altLang="en-US"/>
+          </a:p>
+        </p:txBody>
+      </p:sp>
+      <p:sp>
+        <p:nvSpPr>
+          <p:cNvPr id="17" name="타원 16">
+            <a:extLst>
+              <a:ext uri="{FF2B5EF4-FFF2-40B4-BE49-F238E27FC236}">
+                <a16:creationId xmlns:a16="http://schemas.microsoft.com/office/drawing/2014/main" id="{99463799-7901-65BC-834F-A8C34F6C4881}"/>
+              </a:ext>
+            </a:extLst>
+          </p:cNvPr>
+          <p:cNvSpPr/>
+          <p:nvPr/>
+        </p:nvSpPr>
+        <p:spPr>
+          <a:xfrm>
+            <a:off x="4476066" y="3256228"/>
+            <a:ext cx="465666" cy="465666"/>
+          </a:xfrm>
+          <a:prstGeom prst="ellipse">
+            <a:avLst/>
+          </a:prstGeom>
+          <a:solidFill>
+            <a:schemeClr val="bg1"/>
+          </a:solidFill>
+        </p:spPr>
+        <p:style>
+          <a:lnRef idx="2">
+            <a:schemeClr val="accent1">
+              <a:shade val="15000"/>
+            </a:schemeClr>
+          </a:lnRef>
+          <a:fillRef idx="1">
+            <a:schemeClr val="accent1"/>
+          </a:fillRef>
+          <a:effectRef idx="0">
+            <a:schemeClr val="accent1"/>
+          </a:effectRef>
+          <a:fontRef idx="minor">
+            <a:schemeClr val="lt1"/>
+          </a:fontRef>
+        </p:style>
+        <p:txBody>
+          <a:bodyPr rtlCol="0" anchor="ctr"/>
+          <a:lstStyle/>
+          <a:p>
+            <a:pPr algn="ctr"/>
+            <a:endParaRPr lang="ko-KR" altLang="en-US"/>
+          </a:p>
+        </p:txBody>
+      </p:sp>
+      <p:sp>
+        <p:nvSpPr>
+          <p:cNvPr id="18" name="타원 17">
+            <a:extLst>
+              <a:ext uri="{FF2B5EF4-FFF2-40B4-BE49-F238E27FC236}">
+                <a16:creationId xmlns:a16="http://schemas.microsoft.com/office/drawing/2014/main" id="{A31E6899-69E1-B0B6-FD06-158475873A90}"/>
+              </a:ext>
+            </a:extLst>
+          </p:cNvPr>
+          <p:cNvSpPr/>
+          <p:nvPr/>
+        </p:nvSpPr>
+        <p:spPr>
+          <a:xfrm>
+            <a:off x="4497516" y="3528047"/>
+            <a:ext cx="465666" cy="465666"/>
+          </a:xfrm>
+          <a:prstGeom prst="ellipse">
+            <a:avLst/>
+          </a:prstGeom>
+          <a:solidFill>
+            <a:schemeClr val="bg1"/>
+          </a:solidFill>
+        </p:spPr>
+        <p:style>
+          <a:lnRef idx="2">
+            <a:schemeClr val="accent1">
+              <a:shade val="15000"/>
+            </a:schemeClr>
+          </a:lnRef>
+          <a:fillRef idx="1">
+            <a:schemeClr val="accent1"/>
+          </a:fillRef>
+          <a:effectRef idx="0">
+            <a:schemeClr val="accent1"/>
+          </a:effectRef>
+          <a:fontRef idx="minor">
+            <a:schemeClr val="lt1"/>
+          </a:fontRef>
+        </p:style>
+        <p:txBody>
+          <a:bodyPr rtlCol="0" anchor="ctr"/>
+          <a:lstStyle/>
+          <a:p>
+            <a:pPr algn="ctr"/>
+            <a:endParaRPr lang="ko-KR" altLang="en-US"/>
+          </a:p>
+        </p:txBody>
+      </p:sp>
+      <p:sp>
+        <p:nvSpPr>
+          <p:cNvPr id="19" name="타원 18">
+            <a:extLst>
+              <a:ext uri="{FF2B5EF4-FFF2-40B4-BE49-F238E27FC236}">
+                <a16:creationId xmlns:a16="http://schemas.microsoft.com/office/drawing/2014/main" id="{9B2716CA-3C38-5607-969B-0024FB272CC1}"/>
+              </a:ext>
+            </a:extLst>
+          </p:cNvPr>
+          <p:cNvSpPr/>
+          <p:nvPr/>
+        </p:nvSpPr>
+        <p:spPr>
+          <a:xfrm>
+            <a:off x="4497516" y="3751139"/>
+            <a:ext cx="465666" cy="465666"/>
+          </a:xfrm>
+          <a:prstGeom prst="ellipse">
+            <a:avLst/>
+          </a:prstGeom>
+          <a:solidFill>
+            <a:schemeClr val="bg1"/>
+          </a:solidFill>
+        </p:spPr>
+        <p:style>
+          <a:lnRef idx="2">
+            <a:schemeClr val="accent1">
+              <a:shade val="15000"/>
+            </a:schemeClr>
+          </a:lnRef>
+          <a:fillRef idx="1">
+            <a:schemeClr val="accent1"/>
+          </a:fillRef>
+          <a:effectRef idx="0">
+            <a:schemeClr val="accent1"/>
+          </a:effectRef>
+          <a:fontRef idx="minor">
+            <a:schemeClr val="lt1"/>
+          </a:fontRef>
+        </p:style>
+        <p:txBody>
+          <a:bodyPr rtlCol="0" anchor="ctr"/>
+          <a:lstStyle/>
+          <a:p>
+            <a:pPr algn="ctr"/>
+            <a:endParaRPr lang="ko-KR" altLang="en-US"/>
+          </a:p>
+        </p:txBody>
+      </p:sp>
+      <p:sp>
+        <p:nvSpPr>
+          <p:cNvPr id="20" name="타원 19">
+            <a:extLst>
+              <a:ext uri="{FF2B5EF4-FFF2-40B4-BE49-F238E27FC236}">
+                <a16:creationId xmlns:a16="http://schemas.microsoft.com/office/drawing/2014/main" id="{3D636845-1723-D251-DBBF-682B6348E173}"/>
+              </a:ext>
+            </a:extLst>
+          </p:cNvPr>
+          <p:cNvSpPr/>
+          <p:nvPr/>
+        </p:nvSpPr>
+        <p:spPr>
+          <a:xfrm>
+            <a:off x="4439567" y="3974231"/>
+            <a:ext cx="465666" cy="465666"/>
+          </a:xfrm>
+          <a:prstGeom prst="ellipse">
+            <a:avLst/>
+          </a:prstGeom>
+          <a:solidFill>
+            <a:schemeClr val="bg1"/>
+          </a:solidFill>
+        </p:spPr>
+        <p:style>
+          <a:lnRef idx="2">
+            <a:schemeClr val="accent1">
+              <a:shade val="15000"/>
+            </a:schemeClr>
+          </a:lnRef>
+          <a:fillRef idx="1">
+            <a:schemeClr val="accent1"/>
+          </a:fillRef>
+          <a:effectRef idx="0">
+            <a:schemeClr val="accent1"/>
+          </a:effectRef>
+          <a:fontRef idx="minor">
+            <a:schemeClr val="lt1"/>
+          </a:fontRef>
+        </p:style>
+        <p:txBody>
+          <a:bodyPr rtlCol="0" anchor="ctr"/>
+          <a:lstStyle/>
+          <a:p>
+            <a:pPr algn="ctr"/>
+            <a:endParaRPr lang="ko-KR" altLang="en-US"/>
+          </a:p>
+        </p:txBody>
+      </p:sp>
+      <p:sp>
+        <p:nvSpPr>
+          <p:cNvPr id="21" name="타원 20">
+            <a:extLst>
+              <a:ext uri="{FF2B5EF4-FFF2-40B4-BE49-F238E27FC236}">
+                <a16:creationId xmlns:a16="http://schemas.microsoft.com/office/drawing/2014/main" id="{7850BFAE-252F-8CF3-D0A3-58789B620E5D}"/>
+              </a:ext>
+            </a:extLst>
+          </p:cNvPr>
+          <p:cNvSpPr/>
+          <p:nvPr/>
+        </p:nvSpPr>
+        <p:spPr>
+          <a:xfrm>
+            <a:off x="4338168" y="4178406"/>
+            <a:ext cx="465666" cy="465666"/>
+          </a:xfrm>
+          <a:prstGeom prst="ellipse">
+            <a:avLst/>
+          </a:prstGeom>
+          <a:solidFill>
+            <a:schemeClr val="bg1"/>
+          </a:solidFill>
+        </p:spPr>
+        <p:style>
+          <a:lnRef idx="2">
+            <a:schemeClr val="accent1">
+              <a:shade val="15000"/>
+            </a:schemeClr>
+          </a:lnRef>
+          <a:fillRef idx="1">
+            <a:schemeClr val="accent1"/>
+          </a:fillRef>
+          <a:effectRef idx="0">
+            <a:schemeClr val="accent1"/>
+          </a:effectRef>
+          <a:fontRef idx="minor">
+            <a:schemeClr val="lt1"/>
+          </a:fontRef>
+        </p:style>
+        <p:txBody>
+          <a:bodyPr rtlCol="0" anchor="ctr"/>
+          <a:lstStyle/>
+          <a:p>
+            <a:pPr algn="ctr"/>
+            <a:endParaRPr lang="ko-KR" altLang="en-US"/>
+          </a:p>
+        </p:txBody>
+      </p:sp>
+      <p:sp>
+        <p:nvSpPr>
+          <p:cNvPr id="22" name="타원 21">
+            <a:extLst>
+              <a:ext uri="{FF2B5EF4-FFF2-40B4-BE49-F238E27FC236}">
+                <a16:creationId xmlns:a16="http://schemas.microsoft.com/office/drawing/2014/main" id="{08539FAF-A5D5-DE36-6C3E-DEDEEB7FE9E5}"/>
+              </a:ext>
+            </a:extLst>
+          </p:cNvPr>
+          <p:cNvSpPr/>
+          <p:nvPr/>
+        </p:nvSpPr>
+        <p:spPr>
+          <a:xfrm>
+            <a:off x="7910623" y="3260651"/>
+            <a:ext cx="465666" cy="465666"/>
+          </a:xfrm>
+          <a:prstGeom prst="ellipse">
+            <a:avLst/>
+          </a:prstGeom>
+          <a:solidFill>
+            <a:schemeClr val="bg1"/>
+          </a:solidFill>
+        </p:spPr>
+        <p:style>
+          <a:lnRef idx="2">
+            <a:schemeClr val="accent1">
+              <a:shade val="15000"/>
+            </a:schemeClr>
+          </a:lnRef>
+          <a:fillRef idx="1">
+            <a:schemeClr val="accent1"/>
+          </a:fillRef>
+          <a:effectRef idx="0">
+            <a:schemeClr val="accent1"/>
+          </a:effectRef>
+          <a:fontRef idx="minor">
+            <a:schemeClr val="lt1"/>
+          </a:fontRef>
+        </p:style>
+        <p:txBody>
+          <a:bodyPr rtlCol="0" anchor="ctr"/>
+          <a:lstStyle/>
+          <a:p>
+            <a:pPr algn="ctr"/>
+            <a:endParaRPr lang="ko-KR" altLang="en-US"/>
+          </a:p>
+        </p:txBody>
+      </p:sp>
+      <p:sp>
+        <p:nvSpPr>
+          <p:cNvPr id="23" name="타원 22">
+            <a:extLst>
+              <a:ext uri="{FF2B5EF4-FFF2-40B4-BE49-F238E27FC236}">
+                <a16:creationId xmlns:a16="http://schemas.microsoft.com/office/drawing/2014/main" id="{1F75BE19-9421-0D3B-7E1C-1BBB7153B3C7}"/>
+              </a:ext>
+            </a:extLst>
+          </p:cNvPr>
+          <p:cNvSpPr/>
+          <p:nvPr/>
+        </p:nvSpPr>
+        <p:spPr>
+          <a:xfrm>
+            <a:off x="8295856" y="2718785"/>
+            <a:ext cx="465666" cy="465666"/>
+          </a:xfrm>
+          <a:prstGeom prst="ellipse">
+            <a:avLst/>
+          </a:prstGeom>
+          <a:solidFill>
+            <a:schemeClr val="bg1"/>
+          </a:solidFill>
+        </p:spPr>
+        <p:style>
+          <a:lnRef idx="2">
+            <a:schemeClr val="accent1">
+              <a:shade val="15000"/>
+            </a:schemeClr>
+          </a:lnRef>
+          <a:fillRef idx="1">
+            <a:schemeClr val="accent1"/>
+          </a:fillRef>
+          <a:effectRef idx="0">
+            <a:schemeClr val="accent1"/>
+          </a:effectRef>
+          <a:fontRef idx="minor">
+            <a:schemeClr val="lt1"/>
+          </a:fontRef>
+        </p:style>
+        <p:txBody>
+          <a:bodyPr rtlCol="0" anchor="ctr"/>
+          <a:lstStyle/>
+          <a:p>
+            <a:pPr algn="ctr"/>
+            <a:endParaRPr lang="ko-KR" altLang="en-US"/>
+          </a:p>
+        </p:txBody>
+      </p:sp>
+      <p:sp>
+        <p:nvSpPr>
+          <p:cNvPr id="24" name="타원 23">
+            <a:extLst>
+              <a:ext uri="{FF2B5EF4-FFF2-40B4-BE49-F238E27FC236}">
+                <a16:creationId xmlns:a16="http://schemas.microsoft.com/office/drawing/2014/main" id="{F97E6F02-072A-40AA-998A-2C91889FF26F}"/>
+              </a:ext>
+            </a:extLst>
+          </p:cNvPr>
+          <p:cNvSpPr/>
+          <p:nvPr/>
+        </p:nvSpPr>
+        <p:spPr>
+          <a:xfrm>
+            <a:off x="8761522" y="3081568"/>
+            <a:ext cx="465666" cy="465666"/>
+          </a:xfrm>
+          <a:prstGeom prst="ellipse">
+            <a:avLst/>
+          </a:prstGeom>
+          <a:solidFill>
+            <a:schemeClr val="bg1"/>
+          </a:solidFill>
+        </p:spPr>
+        <p:style>
+          <a:lnRef idx="2">
+            <a:schemeClr val="accent1">
+              <a:shade val="15000"/>
+            </a:schemeClr>
+          </a:lnRef>
+          <a:fillRef idx="1">
+            <a:schemeClr val="accent1"/>
+          </a:fillRef>
+          <a:effectRef idx="0">
+            <a:schemeClr val="accent1"/>
+          </a:effectRef>
+          <a:fontRef idx="minor">
+            <a:schemeClr val="lt1"/>
+          </a:fontRef>
+        </p:style>
+        <p:txBody>
+          <a:bodyPr rtlCol="0" anchor="ctr"/>
+          <a:lstStyle/>
+          <a:p>
+            <a:pPr algn="ctr"/>
+            <a:endParaRPr lang="ko-KR" altLang="en-US"/>
+          </a:p>
+        </p:txBody>
+      </p:sp>
+      <p:sp>
+        <p:nvSpPr>
+          <p:cNvPr id="25" name="타원 24">
+            <a:extLst>
+              <a:ext uri="{FF2B5EF4-FFF2-40B4-BE49-F238E27FC236}">
+                <a16:creationId xmlns:a16="http://schemas.microsoft.com/office/drawing/2014/main" id="{6DE1A654-052D-C4B5-A39C-DE13783F2F77}"/>
+              </a:ext>
+            </a:extLst>
+          </p:cNvPr>
+          <p:cNvSpPr/>
+          <p:nvPr/>
+        </p:nvSpPr>
+        <p:spPr>
+          <a:xfrm>
+            <a:off x="8814685" y="3547234"/>
+            <a:ext cx="465666" cy="465666"/>
+          </a:xfrm>
+          <a:prstGeom prst="ellipse">
+            <a:avLst/>
+          </a:prstGeom>
+          <a:solidFill>
+            <a:schemeClr val="bg1"/>
+          </a:solidFill>
+        </p:spPr>
+        <p:style>
+          <a:lnRef idx="2">
+            <a:schemeClr val="accent1">
+              <a:shade val="15000"/>
+            </a:schemeClr>
+          </a:lnRef>
+          <a:fillRef idx="1">
+            <a:schemeClr val="accent1"/>
+          </a:fillRef>
+          <a:effectRef idx="0">
+            <a:schemeClr val="accent1"/>
+          </a:effectRef>
+          <a:fontRef idx="minor">
+            <a:schemeClr val="lt1"/>
+          </a:fontRef>
+        </p:style>
+        <p:txBody>
+          <a:bodyPr rtlCol="0" anchor="ctr"/>
+          <a:lstStyle/>
+          <a:p>
+            <a:pPr algn="ctr"/>
+            <a:endParaRPr lang="ko-KR" altLang="en-US"/>
+          </a:p>
+        </p:txBody>
+      </p:sp>
+      <p:sp>
+        <p:nvSpPr>
+          <p:cNvPr id="26" name="타원 25">
+            <a:extLst>
+              <a:ext uri="{FF2B5EF4-FFF2-40B4-BE49-F238E27FC236}">
+                <a16:creationId xmlns:a16="http://schemas.microsoft.com/office/drawing/2014/main" id="{C88D04F2-0ABA-6D24-6E94-1A2D1A5B5371}"/>
+              </a:ext>
+            </a:extLst>
+          </p:cNvPr>
+          <p:cNvSpPr/>
+          <p:nvPr/>
+        </p:nvSpPr>
+        <p:spPr>
+          <a:xfrm>
+            <a:off x="8528689" y="4012900"/>
+            <a:ext cx="465666" cy="465666"/>
+          </a:xfrm>
+          <a:prstGeom prst="ellipse">
+            <a:avLst/>
+          </a:prstGeom>
+          <a:solidFill>
+            <a:schemeClr val="bg1"/>
+          </a:solidFill>
+        </p:spPr>
+        <p:style>
+          <a:lnRef idx="2">
+            <a:schemeClr val="accent1">
+              <a:shade val="15000"/>
+            </a:schemeClr>
+          </a:lnRef>
+          <a:fillRef idx="1">
+            <a:schemeClr val="accent1"/>
+          </a:fillRef>
+          <a:effectRef idx="0">
+            <a:schemeClr val="accent1"/>
+          </a:effectRef>
+          <a:fontRef idx="minor">
+            <a:schemeClr val="lt1"/>
+          </a:fontRef>
+        </p:style>
+        <p:txBody>
+          <a:bodyPr rtlCol="0" anchor="ctr"/>
+          <a:lstStyle/>
+          <a:p>
+            <a:pPr algn="ctr"/>
+            <a:endParaRPr lang="ko-KR" altLang="en-US"/>
+          </a:p>
+        </p:txBody>
+      </p:sp>
+      <p:sp>
+        <p:nvSpPr>
+          <p:cNvPr id="27" name="타원 26">
+            <a:extLst>
+              <a:ext uri="{FF2B5EF4-FFF2-40B4-BE49-F238E27FC236}">
+                <a16:creationId xmlns:a16="http://schemas.microsoft.com/office/drawing/2014/main" id="{B2642428-12C3-C06B-B425-6E3C4C70F44A}"/>
+              </a:ext>
+            </a:extLst>
+          </p:cNvPr>
+          <p:cNvSpPr/>
+          <p:nvPr/>
+        </p:nvSpPr>
+        <p:spPr>
+          <a:xfrm>
+            <a:off x="8000606" y="4321933"/>
+            <a:ext cx="465666" cy="465666"/>
+          </a:xfrm>
+          <a:prstGeom prst="ellipse">
+            <a:avLst/>
+          </a:prstGeom>
+          <a:solidFill>
+            <a:schemeClr val="bg1"/>
+          </a:solidFill>
+        </p:spPr>
+        <p:style>
+          <a:lnRef idx="2">
+            <a:schemeClr val="accent1">
+              <a:shade val="15000"/>
+            </a:schemeClr>
+          </a:lnRef>
+          <a:fillRef idx="1">
+            <a:schemeClr val="accent1"/>
+          </a:fillRef>
+          <a:effectRef idx="0">
+            <a:schemeClr val="accent1"/>
+          </a:effectRef>
+          <a:fontRef idx="minor">
+            <a:schemeClr val="lt1"/>
+          </a:fontRef>
+        </p:style>
+        <p:txBody>
+          <a:bodyPr rtlCol="0" anchor="ctr"/>
+          <a:lstStyle/>
+          <a:p>
+            <a:pPr algn="ctr"/>
+            <a:endParaRPr lang="ko-KR" altLang="en-US"/>
+          </a:p>
+        </p:txBody>
+      </p:sp>
+      <p:sp>
+        <p:nvSpPr>
+          <p:cNvPr id="28" name="타원 27">
+            <a:extLst>
+              <a:ext uri="{FF2B5EF4-FFF2-40B4-BE49-F238E27FC236}">
+                <a16:creationId xmlns:a16="http://schemas.microsoft.com/office/drawing/2014/main" id="{0D34B307-30BA-D0F6-A62D-459496975CAD}"/>
+              </a:ext>
+            </a:extLst>
+          </p:cNvPr>
+          <p:cNvSpPr/>
+          <p:nvPr/>
+        </p:nvSpPr>
+        <p:spPr>
+          <a:xfrm>
+            <a:off x="7446630" y="4214521"/>
+            <a:ext cx="465666" cy="465666"/>
+          </a:xfrm>
+          <a:prstGeom prst="ellipse">
+            <a:avLst/>
+          </a:prstGeom>
+          <a:solidFill>
+            <a:schemeClr val="bg1"/>
+          </a:solidFill>
+        </p:spPr>
+        <p:style>
+          <a:lnRef idx="2">
+            <a:schemeClr val="accent1">
+              <a:shade val="15000"/>
+            </a:schemeClr>
+          </a:lnRef>
+          <a:fillRef idx="1">
+            <a:schemeClr val="accent1"/>
+          </a:fillRef>
+          <a:effectRef idx="0">
+            <a:schemeClr val="accent1"/>
+          </a:effectRef>
+          <a:fontRef idx="minor">
+            <a:schemeClr val="lt1"/>
+          </a:fontRef>
+        </p:style>
+        <p:txBody>
+          <a:bodyPr rtlCol="0" anchor="ctr"/>
+          <a:lstStyle/>
+          <a:p>
+            <a:pPr algn="ctr"/>
+            <a:endParaRPr lang="ko-KR" altLang="en-US"/>
+          </a:p>
+        </p:txBody>
+      </p:sp>
+      <p:sp>
+        <p:nvSpPr>
+          <p:cNvPr id="29" name="타원 28">
+            <a:extLst>
+              <a:ext uri="{FF2B5EF4-FFF2-40B4-BE49-F238E27FC236}">
+                <a16:creationId xmlns:a16="http://schemas.microsoft.com/office/drawing/2014/main" id="{D4F9706C-2895-16AA-26F3-7A7A552CEE96}"/>
+              </a:ext>
+            </a:extLst>
+          </p:cNvPr>
+          <p:cNvSpPr/>
+          <p:nvPr/>
+        </p:nvSpPr>
+        <p:spPr>
+          <a:xfrm>
+            <a:off x="7010213" y="3748855"/>
+            <a:ext cx="465666" cy="465666"/>
+          </a:xfrm>
+          <a:prstGeom prst="ellipse">
+            <a:avLst/>
+          </a:prstGeom>
+          <a:solidFill>
+            <a:schemeClr val="bg1"/>
+          </a:solidFill>
+        </p:spPr>
+        <p:style>
+          <a:lnRef idx="2">
+            <a:schemeClr val="accent1">
+              <a:shade val="15000"/>
+            </a:schemeClr>
+          </a:lnRef>
+          <a:fillRef idx="1">
+            <a:schemeClr val="accent1"/>
+          </a:fillRef>
+          <a:effectRef idx="0">
+            <a:schemeClr val="accent1"/>
+          </a:effectRef>
+          <a:fontRef idx="minor">
+            <a:schemeClr val="lt1"/>
+          </a:fontRef>
+        </p:style>
+        <p:txBody>
+          <a:bodyPr rtlCol="0" anchor="ctr"/>
+          <a:lstStyle/>
+          <a:p>
+            <a:pPr algn="ctr"/>
+            <a:endParaRPr lang="ko-KR" altLang="en-US"/>
+          </a:p>
+        </p:txBody>
+      </p:sp>
+      <p:sp>
+        <p:nvSpPr>
+          <p:cNvPr id="30" name="타원 29">
+            <a:extLst>
+              <a:ext uri="{FF2B5EF4-FFF2-40B4-BE49-F238E27FC236}">
+                <a16:creationId xmlns:a16="http://schemas.microsoft.com/office/drawing/2014/main" id="{CF06D497-78C0-8D64-4E5F-2B3E8BDE8166}"/>
+              </a:ext>
+            </a:extLst>
+          </p:cNvPr>
+          <p:cNvSpPr/>
+          <p:nvPr/>
+        </p:nvSpPr>
+        <p:spPr>
+          <a:xfrm>
+            <a:off x="6970332" y="3205908"/>
+            <a:ext cx="465666" cy="465666"/>
+          </a:xfrm>
+          <a:prstGeom prst="ellipse">
+            <a:avLst/>
+          </a:prstGeom>
+          <a:solidFill>
+            <a:schemeClr val="bg1"/>
+          </a:solidFill>
+        </p:spPr>
+        <p:style>
+          <a:lnRef idx="2">
+            <a:schemeClr val="accent1">
+              <a:shade val="15000"/>
+            </a:schemeClr>
+          </a:lnRef>
+          <a:fillRef idx="1">
+            <a:schemeClr val="accent1"/>
+          </a:fillRef>
+          <a:effectRef idx="0">
+            <a:schemeClr val="accent1"/>
+          </a:effectRef>
+          <a:fontRef idx="minor">
+            <a:schemeClr val="lt1"/>
+          </a:fontRef>
+        </p:style>
+        <p:txBody>
+          <a:bodyPr rtlCol="0" anchor="ctr"/>
+          <a:lstStyle/>
+          <a:p>
+            <a:pPr algn="ctr"/>
+            <a:endParaRPr lang="ko-KR" altLang="en-US"/>
+          </a:p>
+        </p:txBody>
+      </p:sp>
+      <p:sp>
+        <p:nvSpPr>
+          <p:cNvPr id="31" name="타원 30">
+            <a:extLst>
+              <a:ext uri="{FF2B5EF4-FFF2-40B4-BE49-F238E27FC236}">
+                <a16:creationId xmlns:a16="http://schemas.microsoft.com/office/drawing/2014/main" id="{867B6533-E6AD-CA3E-94B2-5CF2BF1296E4}"/>
+              </a:ext>
+            </a:extLst>
+          </p:cNvPr>
+          <p:cNvSpPr/>
+          <p:nvPr/>
+        </p:nvSpPr>
+        <p:spPr>
+          <a:xfrm>
+            <a:off x="7126117" y="2718785"/>
+            <a:ext cx="465666" cy="465666"/>
+          </a:xfrm>
+          <a:prstGeom prst="ellipse">
+            <a:avLst/>
+          </a:prstGeom>
+          <a:solidFill>
+            <a:schemeClr val="bg1"/>
+          </a:solidFill>
+        </p:spPr>
+        <p:style>
+          <a:lnRef idx="2">
+            <a:schemeClr val="accent1">
+              <a:shade val="15000"/>
+            </a:schemeClr>
+          </a:lnRef>
+          <a:fillRef idx="1">
+            <a:schemeClr val="accent1"/>
+          </a:fillRef>
+          <a:effectRef idx="0">
+            <a:schemeClr val="accent1"/>
+          </a:effectRef>
+          <a:fontRef idx="minor">
+            <a:schemeClr val="lt1"/>
+          </a:fontRef>
+        </p:style>
+        <p:txBody>
+          <a:bodyPr rtlCol="0" anchor="ctr"/>
+          <a:lstStyle/>
+          <a:p>
+            <a:pPr algn="ctr"/>
+            <a:endParaRPr lang="ko-KR" altLang="en-US"/>
+          </a:p>
+        </p:txBody>
+      </p:sp>
+      <p:sp>
+        <p:nvSpPr>
+          <p:cNvPr id="32" name="타원 31">
+            <a:extLst>
+              <a:ext uri="{FF2B5EF4-FFF2-40B4-BE49-F238E27FC236}">
+                <a16:creationId xmlns:a16="http://schemas.microsoft.com/office/drawing/2014/main" id="{291B8386-4EF0-A383-6382-850F99A413FB}"/>
+              </a:ext>
+            </a:extLst>
+          </p:cNvPr>
+          <p:cNvSpPr/>
+          <p:nvPr/>
+        </p:nvSpPr>
+        <p:spPr>
+          <a:xfrm>
+            <a:off x="7429588" y="2214479"/>
+            <a:ext cx="465666" cy="465666"/>
+          </a:xfrm>
+          <a:prstGeom prst="ellipse">
+            <a:avLst/>
+          </a:prstGeom>
+          <a:solidFill>
+            <a:schemeClr val="bg1"/>
+          </a:solidFill>
+        </p:spPr>
+        <p:style>
+          <a:lnRef idx="2">
+            <a:schemeClr val="accent1">
+              <a:shade val="15000"/>
+            </a:schemeClr>
+          </a:lnRef>
+          <a:fillRef idx="1">
+            <a:schemeClr val="accent1"/>
+          </a:fillRef>
+          <a:effectRef idx="0">
+            <a:schemeClr val="accent1"/>
+          </a:effectRef>
+          <a:fontRef idx="minor">
+            <a:schemeClr val="lt1"/>
+          </a:fontRef>
+        </p:style>
+        <p:txBody>
+          <a:bodyPr rtlCol="0" anchor="ctr"/>
+          <a:lstStyle/>
+          <a:p>
+            <a:pPr algn="ctr"/>
+            <a:endParaRPr lang="ko-KR" altLang="en-US"/>
+          </a:p>
+        </p:txBody>
+      </p:sp>
+      <p:sp>
+        <p:nvSpPr>
+          <p:cNvPr id="33" name="타원 32">
+            <a:extLst>
+              <a:ext uri="{FF2B5EF4-FFF2-40B4-BE49-F238E27FC236}">
+                <a16:creationId xmlns:a16="http://schemas.microsoft.com/office/drawing/2014/main" id="{293FAD45-B925-145A-B983-AC95CDC0DB8E}"/>
+              </a:ext>
+            </a:extLst>
+          </p:cNvPr>
+          <p:cNvSpPr/>
+          <p:nvPr/>
+        </p:nvSpPr>
+        <p:spPr>
+          <a:xfrm>
+            <a:off x="7830190" y="1905446"/>
+            <a:ext cx="465666" cy="465666"/>
+          </a:xfrm>
+          <a:prstGeom prst="ellipse">
+            <a:avLst/>
+          </a:prstGeom>
+          <a:solidFill>
+            <a:schemeClr val="bg1"/>
+          </a:solidFill>
+        </p:spPr>
+        <p:style>
+          <a:lnRef idx="2">
+            <a:schemeClr val="accent1">
+              <a:shade val="15000"/>
+            </a:schemeClr>
+          </a:lnRef>
+          <a:fillRef idx="1">
+            <a:schemeClr val="accent1"/>
+          </a:fillRef>
+          <a:effectRef idx="0">
+            <a:schemeClr val="accent1"/>
+          </a:effectRef>
+          <a:fontRef idx="minor">
+            <a:schemeClr val="lt1"/>
+          </a:fontRef>
+        </p:style>
+        <p:txBody>
+          <a:bodyPr rtlCol="0" anchor="ctr"/>
+          <a:lstStyle/>
+          <a:p>
+            <a:pPr algn="ctr"/>
+            <a:endParaRPr lang="ko-KR" altLang="en-US"/>
+          </a:p>
+        </p:txBody>
+      </p:sp>
+      <p:sp>
+        <p:nvSpPr>
+          <p:cNvPr id="34" name="타원 33">
+            <a:extLst>
+              <a:ext uri="{FF2B5EF4-FFF2-40B4-BE49-F238E27FC236}">
+                <a16:creationId xmlns:a16="http://schemas.microsoft.com/office/drawing/2014/main" id="{757480A1-327A-9E04-AED2-4B313147114E}"/>
+              </a:ext>
+            </a:extLst>
+          </p:cNvPr>
+          <p:cNvSpPr/>
+          <p:nvPr/>
+        </p:nvSpPr>
+        <p:spPr>
+          <a:xfrm>
+            <a:off x="8233439" y="1710713"/>
+            <a:ext cx="465666" cy="465666"/>
+          </a:xfrm>
+          <a:prstGeom prst="ellipse">
+            <a:avLst/>
+          </a:prstGeom>
+          <a:solidFill>
+            <a:schemeClr val="bg1"/>
+          </a:solidFill>
+        </p:spPr>
+        <p:style>
+          <a:lnRef idx="2">
+            <a:schemeClr val="accent1">
+              <a:shade val="15000"/>
+            </a:schemeClr>
+          </a:lnRef>
+          <a:fillRef idx="1">
+            <a:schemeClr val="accent1"/>
+          </a:fillRef>
+          <a:effectRef idx="0">
+            <a:schemeClr val="accent1"/>
+          </a:effectRef>
+          <a:fontRef idx="minor">
+            <a:schemeClr val="lt1"/>
+          </a:fontRef>
+        </p:style>
+        <p:txBody>
+          <a:bodyPr rtlCol="0" anchor="ctr"/>
+          <a:lstStyle/>
+          <a:p>
+            <a:pPr algn="ctr"/>
+            <a:endParaRPr lang="ko-KR" altLang="en-US"/>
+          </a:p>
+        </p:txBody>
+      </p:sp>
+      <p:sp>
+        <p:nvSpPr>
+          <p:cNvPr id="35" name="타원 34">
+            <a:extLst>
+              <a:ext uri="{FF2B5EF4-FFF2-40B4-BE49-F238E27FC236}">
+                <a16:creationId xmlns:a16="http://schemas.microsoft.com/office/drawing/2014/main" id="{E73636E4-A61D-6810-781F-92C3ED06182D}"/>
+              </a:ext>
+            </a:extLst>
+          </p:cNvPr>
+          <p:cNvSpPr/>
+          <p:nvPr/>
+        </p:nvSpPr>
+        <p:spPr>
+          <a:xfrm>
+            <a:off x="8685332" y="1634513"/>
+            <a:ext cx="465666" cy="465666"/>
+          </a:xfrm>
+          <a:prstGeom prst="ellipse">
+            <a:avLst/>
+          </a:prstGeom>
+          <a:solidFill>
+            <a:schemeClr val="bg1"/>
+          </a:solidFill>
+        </p:spPr>
+        <p:style>
+          <a:lnRef idx="2">
+            <a:schemeClr val="accent1">
+              <a:shade val="15000"/>
+            </a:schemeClr>
+          </a:lnRef>
+          <a:fillRef idx="1">
+            <a:schemeClr val="accent1"/>
+          </a:fillRef>
+          <a:effectRef idx="0">
+            <a:schemeClr val="accent1"/>
+          </a:effectRef>
+          <a:fontRef idx="minor">
+            <a:schemeClr val="lt1"/>
+          </a:fontRef>
+        </p:style>
+        <p:txBody>
+          <a:bodyPr rtlCol="0" anchor="ctr"/>
+          <a:lstStyle/>
+          <a:p>
+            <a:pPr algn="ctr"/>
+            <a:endParaRPr lang="ko-KR" altLang="en-US"/>
+          </a:p>
+        </p:txBody>
+      </p:sp>
+      <p:sp>
+        <p:nvSpPr>
+          <p:cNvPr id="36" name="타원 35">
+            <a:extLst>
+              <a:ext uri="{FF2B5EF4-FFF2-40B4-BE49-F238E27FC236}">
+                <a16:creationId xmlns:a16="http://schemas.microsoft.com/office/drawing/2014/main" id="{BFCEA58B-186E-B18B-F916-25AD35EA9730}"/>
+              </a:ext>
+            </a:extLst>
+          </p:cNvPr>
+          <p:cNvSpPr/>
+          <p:nvPr/>
+        </p:nvSpPr>
+        <p:spPr>
+          <a:xfrm>
+            <a:off x="9052734" y="1688811"/>
+            <a:ext cx="465666" cy="465666"/>
+          </a:xfrm>
+          <a:prstGeom prst="ellipse">
+            <a:avLst/>
+          </a:prstGeom>
+          <a:solidFill>
+            <a:schemeClr val="bg1"/>
+          </a:solidFill>
+        </p:spPr>
+        <p:style>
+          <a:lnRef idx="2">
+            <a:schemeClr val="accent1">
+              <a:shade val="15000"/>
+            </a:schemeClr>
+          </a:lnRef>
+          <a:fillRef idx="1">
+            <a:schemeClr val="accent1"/>
+          </a:fillRef>
+          <a:effectRef idx="0">
+            <a:schemeClr val="accent1"/>
+          </a:effectRef>
+          <a:fontRef idx="minor">
+            <a:schemeClr val="lt1"/>
+          </a:fontRef>
+        </p:style>
+        <p:txBody>
+          <a:bodyPr rtlCol="0" anchor="ctr"/>
+          <a:lstStyle/>
+          <a:p>
+            <a:pPr algn="ctr"/>
+            <a:endParaRPr lang="ko-KR" altLang="en-US"/>
+          </a:p>
+        </p:txBody>
+      </p:sp>
+      <p:sp>
+        <p:nvSpPr>
+          <p:cNvPr id="37" name="타원 36">
+            <a:extLst>
+              <a:ext uri="{FF2B5EF4-FFF2-40B4-BE49-F238E27FC236}">
+                <a16:creationId xmlns:a16="http://schemas.microsoft.com/office/drawing/2014/main" id="{D5B7F420-1000-A7E4-3283-D0D0C3DBBFDF}"/>
+              </a:ext>
+            </a:extLst>
+          </p:cNvPr>
+          <p:cNvSpPr/>
+          <p:nvPr/>
+        </p:nvSpPr>
+        <p:spPr>
+          <a:xfrm>
+            <a:off x="9472114" y="1870170"/>
+            <a:ext cx="465666" cy="465666"/>
+          </a:xfrm>
+          <a:prstGeom prst="ellipse">
+            <a:avLst/>
+          </a:prstGeom>
+          <a:solidFill>
+            <a:schemeClr val="bg1"/>
+          </a:solidFill>
+        </p:spPr>
+        <p:style>
+          <a:lnRef idx="2">
+            <a:schemeClr val="accent1">
+              <a:shade val="15000"/>
+            </a:schemeClr>
+          </a:lnRef>
+          <a:fillRef idx="1">
+            <a:schemeClr val="accent1"/>
+          </a:fillRef>
+          <a:effectRef idx="0">
+            <a:schemeClr val="accent1"/>
+          </a:effectRef>
+          <a:fontRef idx="minor">
+            <a:schemeClr val="lt1"/>
+          </a:fontRef>
+        </p:style>
+        <p:txBody>
+          <a:bodyPr rtlCol="0" anchor="ctr"/>
+          <a:lstStyle/>
+          <a:p>
+            <a:pPr algn="ctr"/>
+            <a:endParaRPr lang="ko-KR" altLang="en-US"/>
+          </a:p>
+        </p:txBody>
+      </p:sp>
+      <p:sp>
+        <p:nvSpPr>
+          <p:cNvPr id="38" name="타원 37">
+            <a:extLst>
+              <a:ext uri="{FF2B5EF4-FFF2-40B4-BE49-F238E27FC236}">
+                <a16:creationId xmlns:a16="http://schemas.microsoft.com/office/drawing/2014/main" id="{186D1E02-9B8A-01AE-6B7B-A0B75BDA8BFC}"/>
+              </a:ext>
+            </a:extLst>
+          </p:cNvPr>
+          <p:cNvSpPr/>
+          <p:nvPr/>
+        </p:nvSpPr>
+        <p:spPr>
+          <a:xfrm>
+            <a:off x="9875363" y="2165964"/>
+            <a:ext cx="465666" cy="465666"/>
+          </a:xfrm>
+          <a:prstGeom prst="ellipse">
+            <a:avLst/>
+          </a:prstGeom>
+          <a:solidFill>
+            <a:schemeClr val="bg1"/>
+          </a:solidFill>
+        </p:spPr>
+        <p:style>
+          <a:lnRef idx="2">
+            <a:schemeClr val="accent1">
+              <a:shade val="15000"/>
+            </a:schemeClr>
+          </a:lnRef>
+          <a:fillRef idx="1">
+            <a:schemeClr val="accent1"/>
+          </a:fillRef>
+          <a:effectRef idx="0">
+            <a:schemeClr val="accent1"/>
+          </a:effectRef>
+          <a:fontRef idx="minor">
+            <a:schemeClr val="lt1"/>
+          </a:fontRef>
+        </p:style>
+        <p:txBody>
+          <a:bodyPr rtlCol="0" anchor="ctr"/>
+          <a:lstStyle/>
+          <a:p>
+            <a:pPr algn="ctr"/>
+            <a:endParaRPr lang="ko-KR" altLang="en-US"/>
+          </a:p>
+        </p:txBody>
+      </p:sp>
+      <p:sp>
+        <p:nvSpPr>
+          <p:cNvPr id="39" name="타원 38">
+            <a:extLst>
+              <a:ext uri="{FF2B5EF4-FFF2-40B4-BE49-F238E27FC236}">
+                <a16:creationId xmlns:a16="http://schemas.microsoft.com/office/drawing/2014/main" id="{8C5A549D-D25C-2DC8-F703-CCBEBD3645FA}"/>
+              </a:ext>
+            </a:extLst>
+          </p:cNvPr>
+          <p:cNvSpPr/>
+          <p:nvPr/>
+        </p:nvSpPr>
+        <p:spPr>
+          <a:xfrm>
+            <a:off x="10193233" y="2549123"/>
+            <a:ext cx="465666" cy="465666"/>
+          </a:xfrm>
+          <a:prstGeom prst="ellipse">
+            <a:avLst/>
+          </a:prstGeom>
+          <a:solidFill>
+            <a:schemeClr val="bg1"/>
+          </a:solidFill>
+        </p:spPr>
+        <p:style>
+          <a:lnRef idx="2">
+            <a:schemeClr val="accent1">
+              <a:shade val="15000"/>
+            </a:schemeClr>
+          </a:lnRef>
+          <a:fillRef idx="1">
+            <a:schemeClr val="accent1"/>
+          </a:fillRef>
+          <a:effectRef idx="0">
+            <a:schemeClr val="accent1"/>
+          </a:effectRef>
+          <a:fontRef idx="minor">
+            <a:schemeClr val="lt1"/>
+          </a:fontRef>
+        </p:style>
+        <p:txBody>
+          <a:bodyPr rtlCol="0" anchor="ctr"/>
+          <a:lstStyle/>
+          <a:p>
+            <a:pPr algn="ctr"/>
+            <a:endParaRPr lang="ko-KR" altLang="en-US"/>
+          </a:p>
+        </p:txBody>
+      </p:sp>
+      <p:sp>
+        <p:nvSpPr>
+          <p:cNvPr id="40" name="타원 39">
+            <a:extLst>
+              <a:ext uri="{FF2B5EF4-FFF2-40B4-BE49-F238E27FC236}">
+                <a16:creationId xmlns:a16="http://schemas.microsoft.com/office/drawing/2014/main" id="{02BF5ACB-AFA8-BB22-01F1-880056144481}"/>
+              </a:ext>
+            </a:extLst>
+          </p:cNvPr>
+          <p:cNvSpPr/>
+          <p:nvPr/>
+        </p:nvSpPr>
+        <p:spPr>
+          <a:xfrm>
+            <a:off x="10430495" y="2996838"/>
+            <a:ext cx="465666" cy="465666"/>
+          </a:xfrm>
+          <a:prstGeom prst="ellipse">
+            <a:avLst/>
+          </a:prstGeom>
+          <a:solidFill>
+            <a:schemeClr val="bg1"/>
+          </a:solidFill>
+        </p:spPr>
+        <p:style>
+          <a:lnRef idx="2">
+            <a:schemeClr val="accent1">
+              <a:shade val="15000"/>
+            </a:schemeClr>
+          </a:lnRef>
+          <a:fillRef idx="1">
+            <a:schemeClr val="accent1"/>
+          </a:fillRef>
+          <a:effectRef idx="0">
+            <a:schemeClr val="accent1"/>
+          </a:effectRef>
+          <a:fontRef idx="minor">
+            <a:schemeClr val="lt1"/>
+          </a:fontRef>
+        </p:style>
+        <p:txBody>
+          <a:bodyPr rtlCol="0" anchor="ctr"/>
+          <a:lstStyle/>
+          <a:p>
+            <a:pPr algn="ctr"/>
+            <a:endParaRPr lang="ko-KR" altLang="en-US"/>
+          </a:p>
+        </p:txBody>
+      </p:sp>
+      <p:sp>
+        <p:nvSpPr>
+          <p:cNvPr id="41" name="타원 40">
+            <a:extLst>
+              <a:ext uri="{FF2B5EF4-FFF2-40B4-BE49-F238E27FC236}">
+                <a16:creationId xmlns:a16="http://schemas.microsoft.com/office/drawing/2014/main" id="{F7229C2C-F90C-EF5E-0BE5-31080AC95133}"/>
+              </a:ext>
+            </a:extLst>
+          </p:cNvPr>
+          <p:cNvSpPr/>
+          <p:nvPr/>
+        </p:nvSpPr>
+        <p:spPr>
+          <a:xfrm>
+            <a:off x="10430495" y="3443177"/>
+            <a:ext cx="465666" cy="465666"/>
+          </a:xfrm>
+          <a:prstGeom prst="ellipse">
+            <a:avLst/>
+          </a:prstGeom>
+          <a:solidFill>
+            <a:schemeClr val="bg1"/>
+          </a:solidFill>
+        </p:spPr>
+        <p:style>
+          <a:lnRef idx="2">
+            <a:schemeClr val="accent1">
+              <a:shade val="15000"/>
+            </a:schemeClr>
+          </a:lnRef>
+          <a:fillRef idx="1">
+            <a:schemeClr val="accent1"/>
+          </a:fillRef>
+          <a:effectRef idx="0">
+            <a:schemeClr val="accent1"/>
+          </a:effectRef>
+          <a:fontRef idx="minor">
+            <a:schemeClr val="lt1"/>
+          </a:fontRef>
+        </p:style>
+        <p:txBody>
+          <a:bodyPr rtlCol="0" anchor="ctr"/>
+          <a:lstStyle/>
+          <a:p>
+            <a:pPr algn="ctr"/>
+            <a:endParaRPr lang="ko-KR" altLang="en-US"/>
+          </a:p>
+        </p:txBody>
+      </p:sp>
+      <p:sp>
+        <p:nvSpPr>
+          <p:cNvPr id="42" name="타원 41">
+            <a:extLst>
+              <a:ext uri="{FF2B5EF4-FFF2-40B4-BE49-F238E27FC236}">
+                <a16:creationId xmlns:a16="http://schemas.microsoft.com/office/drawing/2014/main" id="{E64130EF-4E49-1652-6954-DD8095F8410C}"/>
+              </a:ext>
+            </a:extLst>
+          </p:cNvPr>
+          <p:cNvSpPr/>
+          <p:nvPr/>
+        </p:nvSpPr>
+        <p:spPr>
+          <a:xfrm>
+            <a:off x="10527521" y="3884925"/>
+            <a:ext cx="465666" cy="465666"/>
+          </a:xfrm>
+          <a:prstGeom prst="ellipse">
+            <a:avLst/>
+          </a:prstGeom>
+          <a:solidFill>
+            <a:schemeClr val="bg1"/>
+          </a:solidFill>
+        </p:spPr>
+        <p:style>
+          <a:lnRef idx="2">
+            <a:schemeClr val="accent1">
+              <a:shade val="15000"/>
+            </a:schemeClr>
+          </a:lnRef>
+          <a:fillRef idx="1">
+            <a:schemeClr val="accent1"/>
+          </a:fillRef>
+          <a:effectRef idx="0">
+            <a:schemeClr val="accent1"/>
+          </a:effectRef>
+          <a:fontRef idx="minor">
+            <a:schemeClr val="lt1"/>
+          </a:fontRef>
+        </p:style>
+        <p:txBody>
+          <a:bodyPr rtlCol="0" anchor="ctr"/>
+          <a:lstStyle/>
+          <a:p>
+            <a:pPr algn="ctr"/>
+            <a:endParaRPr lang="ko-KR" altLang="en-US"/>
+          </a:p>
+        </p:txBody>
+      </p:sp>
+      <p:sp>
+        <p:nvSpPr>
+          <p:cNvPr id="43" name="타원 42">
+            <a:extLst>
+              <a:ext uri="{FF2B5EF4-FFF2-40B4-BE49-F238E27FC236}">
+                <a16:creationId xmlns:a16="http://schemas.microsoft.com/office/drawing/2014/main" id="{380BDAC8-9343-A4D2-440F-2E801FA1E3BE}"/>
+              </a:ext>
+            </a:extLst>
+          </p:cNvPr>
+          <p:cNvSpPr/>
+          <p:nvPr/>
+        </p:nvSpPr>
+        <p:spPr>
+          <a:xfrm>
+            <a:off x="10507589" y="4389037"/>
+            <a:ext cx="465666" cy="465666"/>
+          </a:xfrm>
+          <a:prstGeom prst="ellipse">
+            <a:avLst/>
+          </a:prstGeom>
+          <a:solidFill>
+            <a:schemeClr val="bg1"/>
+          </a:solidFill>
+        </p:spPr>
+        <p:style>
+          <a:lnRef idx="2">
+            <a:schemeClr val="accent1">
+              <a:shade val="15000"/>
+            </a:schemeClr>
+          </a:lnRef>
+          <a:fillRef idx="1">
+            <a:schemeClr val="accent1"/>
+          </a:fillRef>
+          <a:effectRef idx="0">
+            <a:schemeClr val="accent1"/>
+          </a:effectRef>
+          <a:fontRef idx="minor">
+            <a:schemeClr val="lt1"/>
+          </a:fontRef>
+        </p:style>
+        <p:txBody>
+          <a:bodyPr rtlCol="0" anchor="ctr"/>
+          <a:lstStyle/>
+          <a:p>
+            <a:pPr algn="ctr"/>
+            <a:endParaRPr lang="ko-KR" altLang="en-US"/>
+          </a:p>
+        </p:txBody>
+      </p:sp>
+      <p:sp>
+        <p:nvSpPr>
+          <p:cNvPr id="44" name="타원 43">
+            <a:extLst>
+              <a:ext uri="{FF2B5EF4-FFF2-40B4-BE49-F238E27FC236}">
+                <a16:creationId xmlns:a16="http://schemas.microsoft.com/office/drawing/2014/main" id="{DBF99F31-D6BA-D564-E783-AA3A20684265}"/>
+              </a:ext>
+            </a:extLst>
+          </p:cNvPr>
+          <p:cNvSpPr/>
+          <p:nvPr/>
+        </p:nvSpPr>
+        <p:spPr>
+          <a:xfrm>
+            <a:off x="10426066" y="4879923"/>
+            <a:ext cx="465666" cy="465666"/>
+          </a:xfrm>
+          <a:prstGeom prst="ellipse">
+            <a:avLst/>
+          </a:prstGeom>
+          <a:solidFill>
+            <a:schemeClr val="bg1"/>
+          </a:solidFill>
+        </p:spPr>
+        <p:style>
+          <a:lnRef idx="2">
+            <a:schemeClr val="accent1">
+              <a:shade val="15000"/>
+            </a:schemeClr>
+          </a:lnRef>
+          <a:fillRef idx="1">
+            <a:schemeClr val="accent1"/>
+          </a:fillRef>
+          <a:effectRef idx="0">
+            <a:schemeClr val="accent1"/>
+          </a:effectRef>
+          <a:fontRef idx="minor">
+            <a:schemeClr val="lt1"/>
+          </a:fontRef>
+        </p:style>
+        <p:txBody>
+          <a:bodyPr rtlCol="0" anchor="ctr"/>
+          <a:lstStyle/>
+          <a:p>
+            <a:pPr algn="ctr"/>
+            <a:endParaRPr lang="ko-KR" altLang="en-US"/>
+          </a:p>
+        </p:txBody>
+      </p:sp>
+      <p:sp>
+        <p:nvSpPr>
+          <p:cNvPr id="45" name="타원 44">
+            <a:extLst>
+              <a:ext uri="{FF2B5EF4-FFF2-40B4-BE49-F238E27FC236}">
+                <a16:creationId xmlns:a16="http://schemas.microsoft.com/office/drawing/2014/main" id="{0526CB8F-6947-A00E-F377-15502F53F0C4}"/>
+              </a:ext>
+            </a:extLst>
+          </p:cNvPr>
+          <p:cNvSpPr/>
+          <p:nvPr/>
+        </p:nvSpPr>
+        <p:spPr>
+          <a:xfrm>
+            <a:off x="10252363" y="5345589"/>
+            <a:ext cx="465666" cy="465666"/>
+          </a:xfrm>
+          <a:prstGeom prst="ellipse">
+            <a:avLst/>
+          </a:prstGeom>
+          <a:solidFill>
+            <a:schemeClr val="bg1"/>
+          </a:solidFill>
+        </p:spPr>
+        <p:style>
+          <a:lnRef idx="2">
+            <a:schemeClr val="accent1">
+              <a:shade val="15000"/>
+            </a:schemeClr>
+          </a:lnRef>
+          <a:fillRef idx="1">
+            <a:schemeClr val="accent1"/>
+          </a:fillRef>
+          <a:effectRef idx="0">
+            <a:schemeClr val="accent1"/>
+          </a:effectRef>
+          <a:fontRef idx="minor">
+            <a:schemeClr val="lt1"/>
+          </a:fontRef>
+        </p:style>
+        <p:txBody>
+          <a:bodyPr rtlCol="0" anchor="ctr"/>
+          <a:lstStyle/>
+          <a:p>
+            <a:pPr algn="ctr"/>
+            <a:endParaRPr lang="ko-KR" altLang="en-US"/>
+          </a:p>
+        </p:txBody>
+      </p:sp>
+    </p:spTree>
+    <p:extLst>
+      <p:ext uri="{BB962C8B-B14F-4D97-AF65-F5344CB8AC3E}">
+        <p14:creationId xmlns:p14="http://schemas.microsoft.com/office/powerpoint/2010/main" val="382253822"/>
+      </p:ext>
+    </p:extLst>
+  </p:cSld>
+  <p:clrMapOvr>
+    <a:masterClrMapping/>
+  </p:clrMapOvr>
+</p:sld>
+</file>
+
+<file path=ppt/slides/slide28.xml><?xml version="1.0" encoding="utf-8"?>
+<p:sld xmlns:a="http://schemas.openxmlformats.org/drawingml/2006/main" xmlns:r="http://schemas.openxmlformats.org/officeDocument/2006/relationships" xmlns:p="http://schemas.openxmlformats.org/presentationml/2006/main">
+  <p:cSld>
+    <p:bg>
+      <p:bgPr>
+        <a:solidFill>
+          <a:schemeClr val="tx1"/>
+        </a:solidFill>
+        <a:effectLst/>
+      </p:bgPr>
+    </p:bg>
+    <p:spTree>
+      <p:nvGrpSpPr>
+        <p:cNvPr id="1" name=""/>
+        <p:cNvGrpSpPr/>
+        <p:nvPr/>
+      </p:nvGrpSpPr>
+      <p:grpSpPr>
+        <a:xfrm>
+          <a:off x="0" y="0"/>
+          <a:ext cx="0" cy="0"/>
+          <a:chOff x="0" y="0"/>
+          <a:chExt cx="0" cy="0"/>
+        </a:xfrm>
+      </p:grpSpPr>
+      <p:sp>
+        <p:nvSpPr>
+          <p:cNvPr id="4" name="TextBox 3">
+            <a:extLst>
+              <a:ext uri="{FF2B5EF4-FFF2-40B4-BE49-F238E27FC236}">
+                <a16:creationId xmlns:a16="http://schemas.microsoft.com/office/drawing/2014/main" id="{A6FC6109-3198-542F-E917-820271B70AFC}"/>
+              </a:ext>
+            </a:extLst>
+          </p:cNvPr>
+          <p:cNvSpPr txBox="1"/>
+          <p:nvPr/>
+        </p:nvSpPr>
+        <p:spPr>
+          <a:xfrm>
+            <a:off x="558799" y="448734"/>
+            <a:ext cx="5469467" cy="923330"/>
+          </a:xfrm>
+          <a:prstGeom prst="rect">
+            <a:avLst/>
+          </a:prstGeom>
+          <a:noFill/>
+        </p:spPr>
+        <p:txBody>
+          <a:bodyPr wrap="square" rtlCol="0">
+            <a:spAutoFit/>
+          </a:bodyPr>
+          <a:lstStyle/>
+          <a:p>
+            <a:r>
+              <a:rPr lang="ko-KR" altLang="en-US" sz="5400" dirty="0">
+                <a:solidFill>
+                  <a:schemeClr val="bg1"/>
+                </a:solidFill>
+                <a:latin typeface="Noto Sans KR SemiBold" panose="020B0200000000000000" pitchFamily="50" charset="-127"/>
+                <a:ea typeface="Noto Sans KR SemiBold" panose="020B0200000000000000" pitchFamily="50" charset="-127"/>
+              </a:rPr>
+              <a:t>힘들었던 점</a:t>
+            </a:r>
+            <a:endParaRPr lang="ko-KR" altLang="en-US" sz="2800" dirty="0">
+              <a:solidFill>
+                <a:schemeClr val="bg1"/>
+              </a:solidFill>
+              <a:latin typeface="Noto Sans KR SemiBold" panose="020B0200000000000000" pitchFamily="50" charset="-127"/>
+              <a:ea typeface="Noto Sans KR SemiBold" panose="020B0200000000000000" pitchFamily="50" charset="-127"/>
+            </a:endParaRPr>
+          </a:p>
+        </p:txBody>
+      </p:sp>
+      <p:pic>
+        <p:nvPicPr>
+          <p:cNvPr id="5" name="그림 4">
+            <a:extLst>
+              <a:ext uri="{FF2B5EF4-FFF2-40B4-BE49-F238E27FC236}">
+                <a16:creationId xmlns:a16="http://schemas.microsoft.com/office/drawing/2014/main" id="{F824BF58-638A-D505-56BF-25712FE7DA5F}"/>
+              </a:ext>
+            </a:extLst>
+          </p:cNvPr>
+          <p:cNvPicPr>
+            <a:picLocks noChangeAspect="1"/>
+          </p:cNvPicPr>
+          <p:nvPr/>
+        </p:nvPicPr>
+        <p:blipFill>
+          <a:blip r:embed="rId2"/>
+          <a:stretch>
+            <a:fillRect/>
+          </a:stretch>
+        </p:blipFill>
+        <p:spPr>
+          <a:xfrm>
+            <a:off x="780864" y="1536656"/>
+            <a:ext cx="4349974" cy="4578585"/>
+          </a:xfrm>
+          <a:prstGeom prst="rect">
+            <a:avLst/>
+          </a:prstGeom>
+          <a:ln>
+            <a:solidFill>
+              <a:srgbClr val="FF0000"/>
+            </a:solidFill>
+          </a:ln>
+        </p:spPr>
+      </p:pic>
+      <p:pic>
+        <p:nvPicPr>
+          <p:cNvPr id="7" name="그림 6">
+            <a:extLst>
+              <a:ext uri="{FF2B5EF4-FFF2-40B4-BE49-F238E27FC236}">
+                <a16:creationId xmlns:a16="http://schemas.microsoft.com/office/drawing/2014/main" id="{B122A40C-6C86-4F95-9AFC-E7B769ACFAA5}"/>
+              </a:ext>
+            </a:extLst>
+          </p:cNvPr>
+          <p:cNvPicPr>
+            <a:picLocks noChangeAspect="1"/>
+          </p:cNvPicPr>
+          <p:nvPr/>
+        </p:nvPicPr>
+        <p:blipFill>
+          <a:blip r:embed="rId3"/>
+          <a:stretch>
+            <a:fillRect/>
+          </a:stretch>
+        </p:blipFill>
+        <p:spPr>
+          <a:xfrm>
+            <a:off x="5813401" y="1372064"/>
+            <a:ext cx="3797495" cy="4864350"/>
+          </a:xfrm>
+          <a:prstGeom prst="rect">
+            <a:avLst/>
+          </a:prstGeom>
+          <a:ln>
+            <a:solidFill>
+              <a:srgbClr val="FF0000"/>
+            </a:solidFill>
+          </a:ln>
+        </p:spPr>
+      </p:pic>
+    </p:spTree>
+    <p:extLst>
+      <p:ext uri="{BB962C8B-B14F-4D97-AF65-F5344CB8AC3E}">
+        <p14:creationId xmlns:p14="http://schemas.microsoft.com/office/powerpoint/2010/main" val="1370099576"/>
+      </p:ext>
+    </p:extLst>
+  </p:cSld>
+  <p:clrMapOvr>
+    <a:masterClrMapping/>
+  </p:clrMapOvr>
+</p:sld>
+</file>
+
+<file path=ppt/slides/slide29.xml><?xml version="1.0" encoding="utf-8"?>
 <p:sld xmlns:a="http://schemas.openxmlformats.org/drawingml/2006/main" xmlns:r="http://schemas.openxmlformats.org/officeDocument/2006/relationships" xmlns:p="http://schemas.openxmlformats.org/presentationml/2006/main">
   <p:cSld>
     <p:bg>

--- a/데이크스트라.pptx
+++ b/데이크스트라.pptx
@@ -4,6 +4,9 @@
   <p:sldMasterIdLst>
     <p:sldMasterId id="2147483648" r:id="rId1"/>
   </p:sldMasterIdLst>
+  <p:notesMasterIdLst>
+    <p:notesMasterId r:id="rId31"/>
+  </p:notesMasterIdLst>
   <p:sldIdLst>
     <p:sldId id="256" r:id="rId2"/>
     <p:sldId id="257" r:id="rId3"/>
@@ -138,6 +141,523 @@
     </p:ext>
   </p:extLst>
 </p:presentation>
+</file>
+
+<file path=ppt/notesMasters/notesMaster1.xml><?xml version="1.0" encoding="utf-8"?>
+<p:notesMaster xmlns:a="http://schemas.openxmlformats.org/drawingml/2006/main" xmlns:r="http://schemas.openxmlformats.org/officeDocument/2006/relationships" xmlns:p="http://schemas.openxmlformats.org/presentationml/2006/main">
+  <p:cSld>
+    <p:bg>
+      <p:bgRef idx="1001">
+        <a:schemeClr val="bg1"/>
+      </p:bgRef>
+    </p:bg>
+    <p:spTree>
+      <p:nvGrpSpPr>
+        <p:cNvPr id="1" name=""/>
+        <p:cNvGrpSpPr/>
+        <p:nvPr/>
+      </p:nvGrpSpPr>
+      <p:grpSpPr>
+        <a:xfrm>
+          <a:off x="0" y="0"/>
+          <a:ext cx="0" cy="0"/>
+          <a:chOff x="0" y="0"/>
+          <a:chExt cx="0" cy="0"/>
+        </a:xfrm>
+      </p:grpSpPr>
+      <p:sp>
+        <p:nvSpPr>
+          <p:cNvPr id="2" name="머리글 개체 틀 1"/>
+          <p:cNvSpPr>
+            <a:spLocks noGrp="1"/>
+          </p:cNvSpPr>
+          <p:nvPr>
+            <p:ph type="hdr" sz="quarter"/>
+          </p:nvPr>
+        </p:nvSpPr>
+        <p:spPr>
+          <a:xfrm>
+            <a:off x="0" y="0"/>
+            <a:ext cx="2971800" cy="458788"/>
+          </a:xfrm>
+          <a:prstGeom prst="rect">
+            <a:avLst/>
+          </a:prstGeom>
+        </p:spPr>
+        <p:txBody>
+          <a:bodyPr vert="horz" lIns="91440" tIns="45720" rIns="91440" bIns="45720" rtlCol="0"/>
+          <a:lstStyle>
+            <a:lvl1pPr algn="l">
+              <a:defRPr sz="1200"/>
+            </a:lvl1pPr>
+          </a:lstStyle>
+          <a:p>
+            <a:endParaRPr lang="ko-KR" altLang="en-US"/>
+          </a:p>
+        </p:txBody>
+      </p:sp>
+      <p:sp>
+        <p:nvSpPr>
+          <p:cNvPr id="3" name="날짜 개체 틀 2"/>
+          <p:cNvSpPr>
+            <a:spLocks noGrp="1"/>
+          </p:cNvSpPr>
+          <p:nvPr>
+            <p:ph type="dt" idx="1"/>
+          </p:nvPr>
+        </p:nvSpPr>
+        <p:spPr>
+          <a:xfrm>
+            <a:off x="3884613" y="0"/>
+            <a:ext cx="2971800" cy="458788"/>
+          </a:xfrm>
+          <a:prstGeom prst="rect">
+            <a:avLst/>
+          </a:prstGeom>
+        </p:spPr>
+        <p:txBody>
+          <a:bodyPr vert="horz" lIns="91440" tIns="45720" rIns="91440" bIns="45720" rtlCol="0"/>
+          <a:lstStyle>
+            <a:lvl1pPr algn="r">
+              <a:defRPr sz="1200"/>
+            </a:lvl1pPr>
+          </a:lstStyle>
+          <a:p>
+            <a:fld id="{E51D2B87-210E-4089-A586-32351EF99632}" type="datetimeFigureOut">
+              <a:rPr lang="ko-KR" altLang="en-US" smtClean="0"/>
+              <a:t>2024-08-23</a:t>
+            </a:fld>
+            <a:endParaRPr lang="ko-KR" altLang="en-US"/>
+          </a:p>
+        </p:txBody>
+      </p:sp>
+      <p:sp>
+        <p:nvSpPr>
+          <p:cNvPr id="4" name="슬라이드 이미지 개체 틀 3"/>
+          <p:cNvSpPr>
+            <a:spLocks noGrp="1" noRot="1" noChangeAspect="1"/>
+          </p:cNvSpPr>
+          <p:nvPr>
+            <p:ph type="sldImg" idx="2"/>
+          </p:nvPr>
+        </p:nvSpPr>
+        <p:spPr>
+          <a:xfrm>
+            <a:off x="685800" y="1143000"/>
+            <a:ext cx="5486400" cy="3086100"/>
+          </a:xfrm>
+          <a:prstGeom prst="rect">
+            <a:avLst/>
+          </a:prstGeom>
+          <a:noFill/>
+          <a:ln w="12700">
+            <a:solidFill>
+              <a:prstClr val="black"/>
+            </a:solidFill>
+          </a:ln>
+        </p:spPr>
+        <p:txBody>
+          <a:bodyPr vert="horz" lIns="91440" tIns="45720" rIns="91440" bIns="45720" rtlCol="0" anchor="ctr"/>
+          <a:lstStyle/>
+          <a:p>
+            <a:endParaRPr lang="ko-KR" altLang="en-US"/>
+          </a:p>
+        </p:txBody>
+      </p:sp>
+      <p:sp>
+        <p:nvSpPr>
+          <p:cNvPr id="5" name="슬라이드 노트 개체 틀 4"/>
+          <p:cNvSpPr>
+            <a:spLocks noGrp="1"/>
+          </p:cNvSpPr>
+          <p:nvPr>
+            <p:ph type="body" sz="quarter" idx="3"/>
+          </p:nvPr>
+        </p:nvSpPr>
+        <p:spPr>
+          <a:xfrm>
+            <a:off x="685800" y="4400550"/>
+            <a:ext cx="5486400" cy="3600450"/>
+          </a:xfrm>
+          <a:prstGeom prst="rect">
+            <a:avLst/>
+          </a:prstGeom>
+        </p:spPr>
+        <p:txBody>
+          <a:bodyPr vert="horz" lIns="91440" tIns="45720" rIns="91440" bIns="45720" rtlCol="0"/>
+          <a:lstStyle/>
+          <a:p>
+            <a:pPr lvl="0"/>
+            <a:r>
+              <a:rPr lang="ko-KR" altLang="en-US"/>
+              <a:t>마스터 텍스트 스타일을 편집하려면 클릭</a:t>
+            </a:r>
+          </a:p>
+          <a:p>
+            <a:pPr lvl="1"/>
+            <a:r>
+              <a:rPr lang="ko-KR" altLang="en-US"/>
+              <a:t>두 번째 수준</a:t>
+            </a:r>
+          </a:p>
+          <a:p>
+            <a:pPr lvl="2"/>
+            <a:r>
+              <a:rPr lang="ko-KR" altLang="en-US"/>
+              <a:t>세 번째 수준</a:t>
+            </a:r>
+          </a:p>
+          <a:p>
+            <a:pPr lvl="3"/>
+            <a:r>
+              <a:rPr lang="ko-KR" altLang="en-US"/>
+              <a:t>네 번째 수준</a:t>
+            </a:r>
+          </a:p>
+          <a:p>
+            <a:pPr lvl="4"/>
+            <a:r>
+              <a:rPr lang="ko-KR" altLang="en-US"/>
+              <a:t>다섯 번째 수준</a:t>
+            </a:r>
+          </a:p>
+        </p:txBody>
+      </p:sp>
+      <p:sp>
+        <p:nvSpPr>
+          <p:cNvPr id="6" name="바닥글 개체 틀 5"/>
+          <p:cNvSpPr>
+            <a:spLocks noGrp="1"/>
+          </p:cNvSpPr>
+          <p:nvPr>
+            <p:ph type="ftr" sz="quarter" idx="4"/>
+          </p:nvPr>
+        </p:nvSpPr>
+        <p:spPr>
+          <a:xfrm>
+            <a:off x="0" y="8685213"/>
+            <a:ext cx="2971800" cy="458787"/>
+          </a:xfrm>
+          <a:prstGeom prst="rect">
+            <a:avLst/>
+          </a:prstGeom>
+        </p:spPr>
+        <p:txBody>
+          <a:bodyPr vert="horz" lIns="91440" tIns="45720" rIns="91440" bIns="45720" rtlCol="0" anchor="b"/>
+          <a:lstStyle>
+            <a:lvl1pPr algn="l">
+              <a:defRPr sz="1200"/>
+            </a:lvl1pPr>
+          </a:lstStyle>
+          <a:p>
+            <a:endParaRPr lang="ko-KR" altLang="en-US"/>
+          </a:p>
+        </p:txBody>
+      </p:sp>
+      <p:sp>
+        <p:nvSpPr>
+          <p:cNvPr id="7" name="슬라이드 번호 개체 틀 6"/>
+          <p:cNvSpPr>
+            <a:spLocks noGrp="1"/>
+          </p:cNvSpPr>
+          <p:nvPr>
+            <p:ph type="sldNum" sz="quarter" idx="5"/>
+          </p:nvPr>
+        </p:nvSpPr>
+        <p:spPr>
+          <a:xfrm>
+            <a:off x="3884613" y="8685213"/>
+            <a:ext cx="2971800" cy="458787"/>
+          </a:xfrm>
+          <a:prstGeom prst="rect">
+            <a:avLst/>
+          </a:prstGeom>
+        </p:spPr>
+        <p:txBody>
+          <a:bodyPr vert="horz" lIns="91440" tIns="45720" rIns="91440" bIns="45720" rtlCol="0" anchor="b"/>
+          <a:lstStyle>
+            <a:lvl1pPr algn="r">
+              <a:defRPr sz="1200"/>
+            </a:lvl1pPr>
+          </a:lstStyle>
+          <a:p>
+            <a:fld id="{93EA39B6-39E7-4251-88D2-F5A68DBA1D5B}" type="slidenum">
+              <a:rPr lang="ko-KR" altLang="en-US" smtClean="0"/>
+              <a:t>‹#›</a:t>
+            </a:fld>
+            <a:endParaRPr lang="ko-KR" altLang="en-US"/>
+          </a:p>
+        </p:txBody>
+      </p:sp>
+    </p:spTree>
+    <p:extLst>
+      <p:ext uri="{BB962C8B-B14F-4D97-AF65-F5344CB8AC3E}">
+        <p14:creationId xmlns:p14="http://schemas.microsoft.com/office/powerpoint/2010/main" val="3846829810"/>
+      </p:ext>
+    </p:extLst>
+  </p:cSld>
+  <p:clrMap bg1="lt1" tx1="dk1" bg2="lt2" tx2="dk2" accent1="accent1" accent2="accent2" accent3="accent3" accent4="accent4" accent5="accent5" accent6="accent6" hlink="hlink" folHlink="folHlink"/>
+  <p:notesStyle>
+    <a:lvl1pPr marL="0" algn="l" defTabSz="914400" rtl="0" eaLnBrk="1" latinLnBrk="1" hangingPunct="1">
+      <a:defRPr sz="1200" kern="1200">
+        <a:solidFill>
+          <a:schemeClr val="tx1"/>
+        </a:solidFill>
+        <a:latin typeface="+mn-lt"/>
+        <a:ea typeface="+mn-ea"/>
+        <a:cs typeface="+mn-cs"/>
+      </a:defRPr>
+    </a:lvl1pPr>
+    <a:lvl2pPr marL="457200" algn="l" defTabSz="914400" rtl="0" eaLnBrk="1" latinLnBrk="1" hangingPunct="1">
+      <a:defRPr sz="1200" kern="1200">
+        <a:solidFill>
+          <a:schemeClr val="tx1"/>
+        </a:solidFill>
+        <a:latin typeface="+mn-lt"/>
+        <a:ea typeface="+mn-ea"/>
+        <a:cs typeface="+mn-cs"/>
+      </a:defRPr>
+    </a:lvl2pPr>
+    <a:lvl3pPr marL="914400" algn="l" defTabSz="914400" rtl="0" eaLnBrk="1" latinLnBrk="1" hangingPunct="1">
+      <a:defRPr sz="1200" kern="1200">
+        <a:solidFill>
+          <a:schemeClr val="tx1"/>
+        </a:solidFill>
+        <a:latin typeface="+mn-lt"/>
+        <a:ea typeface="+mn-ea"/>
+        <a:cs typeface="+mn-cs"/>
+      </a:defRPr>
+    </a:lvl3pPr>
+    <a:lvl4pPr marL="1371600" algn="l" defTabSz="914400" rtl="0" eaLnBrk="1" latinLnBrk="1" hangingPunct="1">
+      <a:defRPr sz="1200" kern="1200">
+        <a:solidFill>
+          <a:schemeClr val="tx1"/>
+        </a:solidFill>
+        <a:latin typeface="+mn-lt"/>
+        <a:ea typeface="+mn-ea"/>
+        <a:cs typeface="+mn-cs"/>
+      </a:defRPr>
+    </a:lvl4pPr>
+    <a:lvl5pPr marL="1828800" algn="l" defTabSz="914400" rtl="0" eaLnBrk="1" latinLnBrk="1" hangingPunct="1">
+      <a:defRPr sz="1200" kern="1200">
+        <a:solidFill>
+          <a:schemeClr val="tx1"/>
+        </a:solidFill>
+        <a:latin typeface="+mn-lt"/>
+        <a:ea typeface="+mn-ea"/>
+        <a:cs typeface="+mn-cs"/>
+      </a:defRPr>
+    </a:lvl5pPr>
+    <a:lvl6pPr marL="2286000" algn="l" defTabSz="914400" rtl="0" eaLnBrk="1" latinLnBrk="1" hangingPunct="1">
+      <a:defRPr sz="1200" kern="1200">
+        <a:solidFill>
+          <a:schemeClr val="tx1"/>
+        </a:solidFill>
+        <a:latin typeface="+mn-lt"/>
+        <a:ea typeface="+mn-ea"/>
+        <a:cs typeface="+mn-cs"/>
+      </a:defRPr>
+    </a:lvl6pPr>
+    <a:lvl7pPr marL="2743200" algn="l" defTabSz="914400" rtl="0" eaLnBrk="1" latinLnBrk="1" hangingPunct="1">
+      <a:defRPr sz="1200" kern="1200">
+        <a:solidFill>
+          <a:schemeClr val="tx1"/>
+        </a:solidFill>
+        <a:latin typeface="+mn-lt"/>
+        <a:ea typeface="+mn-ea"/>
+        <a:cs typeface="+mn-cs"/>
+      </a:defRPr>
+    </a:lvl7pPr>
+    <a:lvl8pPr marL="3200400" algn="l" defTabSz="914400" rtl="0" eaLnBrk="1" latinLnBrk="1" hangingPunct="1">
+      <a:defRPr sz="1200" kern="1200">
+        <a:solidFill>
+          <a:schemeClr val="tx1"/>
+        </a:solidFill>
+        <a:latin typeface="+mn-lt"/>
+        <a:ea typeface="+mn-ea"/>
+        <a:cs typeface="+mn-cs"/>
+      </a:defRPr>
+    </a:lvl8pPr>
+    <a:lvl9pPr marL="3657600" algn="l" defTabSz="914400" rtl="0" eaLnBrk="1" latinLnBrk="1" hangingPunct="1">
+      <a:defRPr sz="1200" kern="1200">
+        <a:solidFill>
+          <a:schemeClr val="tx1"/>
+        </a:solidFill>
+        <a:latin typeface="+mn-lt"/>
+        <a:ea typeface="+mn-ea"/>
+        <a:cs typeface="+mn-cs"/>
+      </a:defRPr>
+    </a:lvl9pPr>
+  </p:notesStyle>
+</p:notesMaster>
+</file>
+
+<file path=ppt/notesSlides/notesSlide1.xml><?xml version="1.0" encoding="utf-8"?>
+<p:notes xmlns:a="http://schemas.openxmlformats.org/drawingml/2006/main" xmlns:r="http://schemas.openxmlformats.org/officeDocument/2006/relationships" xmlns:p="http://schemas.openxmlformats.org/presentationml/2006/main">
+  <p:cSld>
+    <p:spTree>
+      <p:nvGrpSpPr>
+        <p:cNvPr id="1" name=""/>
+        <p:cNvGrpSpPr/>
+        <p:nvPr/>
+      </p:nvGrpSpPr>
+      <p:grpSpPr>
+        <a:xfrm>
+          <a:off x="0" y="0"/>
+          <a:ext cx="0" cy="0"/>
+          <a:chOff x="0" y="0"/>
+          <a:chExt cx="0" cy="0"/>
+        </a:xfrm>
+      </p:grpSpPr>
+      <p:sp>
+        <p:nvSpPr>
+          <p:cNvPr id="2" name="슬라이드 이미지 개체 틀 1"/>
+          <p:cNvSpPr>
+            <a:spLocks noGrp="1" noRot="1" noChangeAspect="1"/>
+          </p:cNvSpPr>
+          <p:nvPr>
+            <p:ph type="sldImg"/>
+          </p:nvPr>
+        </p:nvSpPr>
+        <p:spPr/>
+      </p:sp>
+      <p:sp>
+        <p:nvSpPr>
+          <p:cNvPr id="3" name="슬라이드 노트 개체 틀 2"/>
+          <p:cNvSpPr>
+            <a:spLocks noGrp="1"/>
+          </p:cNvSpPr>
+          <p:nvPr>
+            <p:ph type="body" idx="1"/>
+          </p:nvPr>
+        </p:nvSpPr>
+        <p:spPr/>
+        <p:txBody>
+          <a:bodyPr/>
+          <a:lstStyle/>
+          <a:p>
+            <a:endParaRPr lang="ko-KR" altLang="en-US"/>
+          </a:p>
+        </p:txBody>
+      </p:sp>
+      <p:sp>
+        <p:nvSpPr>
+          <p:cNvPr id="4" name="슬라이드 번호 개체 틀 3"/>
+          <p:cNvSpPr>
+            <a:spLocks noGrp="1"/>
+          </p:cNvSpPr>
+          <p:nvPr>
+            <p:ph type="sldNum" sz="quarter" idx="5"/>
+          </p:nvPr>
+        </p:nvSpPr>
+        <p:spPr/>
+        <p:txBody>
+          <a:bodyPr/>
+          <a:lstStyle/>
+          <a:p>
+            <a:fld id="{93EA39B6-39E7-4251-88D2-F5A68DBA1D5B}" type="slidenum">
+              <a:rPr lang="ko-KR" altLang="en-US" smtClean="0"/>
+              <a:t>1</a:t>
+            </a:fld>
+            <a:endParaRPr lang="ko-KR" altLang="en-US"/>
+          </a:p>
+        </p:txBody>
+      </p:sp>
+    </p:spTree>
+    <p:extLst>
+      <p:ext uri="{BB962C8B-B14F-4D97-AF65-F5344CB8AC3E}">
+        <p14:creationId xmlns:p14="http://schemas.microsoft.com/office/powerpoint/2010/main" val="2513074325"/>
+      </p:ext>
+    </p:extLst>
+  </p:cSld>
+  <p:clrMapOvr>
+    <a:masterClrMapping/>
+  </p:clrMapOvr>
+</p:notes>
+</file>
+
+<file path=ppt/notesSlides/notesSlide2.xml><?xml version="1.0" encoding="utf-8"?>
+<p:notes xmlns:a="http://schemas.openxmlformats.org/drawingml/2006/main" xmlns:r="http://schemas.openxmlformats.org/officeDocument/2006/relationships" xmlns:p="http://schemas.openxmlformats.org/presentationml/2006/main">
+  <p:cSld>
+    <p:spTree>
+      <p:nvGrpSpPr>
+        <p:cNvPr id="1" name=""/>
+        <p:cNvGrpSpPr/>
+        <p:nvPr/>
+      </p:nvGrpSpPr>
+      <p:grpSpPr>
+        <a:xfrm>
+          <a:off x="0" y="0"/>
+          <a:ext cx="0" cy="0"/>
+          <a:chOff x="0" y="0"/>
+          <a:chExt cx="0" cy="0"/>
+        </a:xfrm>
+      </p:grpSpPr>
+      <p:sp>
+        <p:nvSpPr>
+          <p:cNvPr id="2" name="슬라이드 이미지 개체 틀 1"/>
+          <p:cNvSpPr>
+            <a:spLocks noGrp="1" noRot="1" noChangeAspect="1"/>
+          </p:cNvSpPr>
+          <p:nvPr>
+            <p:ph type="sldImg"/>
+          </p:nvPr>
+        </p:nvSpPr>
+        <p:spPr/>
+      </p:sp>
+      <p:sp>
+        <p:nvSpPr>
+          <p:cNvPr id="3" name="슬라이드 노트 개체 틀 2"/>
+          <p:cNvSpPr>
+            <a:spLocks noGrp="1"/>
+          </p:cNvSpPr>
+          <p:nvPr>
+            <p:ph type="body" idx="1"/>
+          </p:nvPr>
+        </p:nvSpPr>
+        <p:spPr/>
+        <p:txBody>
+          <a:bodyPr/>
+          <a:lstStyle/>
+          <a:p>
+            <a:endParaRPr lang="ko-KR" altLang="en-US"/>
+          </a:p>
+        </p:txBody>
+      </p:sp>
+      <p:sp>
+        <p:nvSpPr>
+          <p:cNvPr id="4" name="슬라이드 번호 개체 틀 3"/>
+          <p:cNvSpPr>
+            <a:spLocks noGrp="1"/>
+          </p:cNvSpPr>
+          <p:nvPr>
+            <p:ph type="sldNum" sz="quarter" idx="5"/>
+          </p:nvPr>
+        </p:nvSpPr>
+        <p:spPr/>
+        <p:txBody>
+          <a:bodyPr/>
+          <a:lstStyle/>
+          <a:p>
+            <a:fld id="{93EA39B6-39E7-4251-88D2-F5A68DBA1D5B}" type="slidenum">
+              <a:rPr lang="ko-KR" altLang="en-US" smtClean="0"/>
+              <a:t>3</a:t>
+            </a:fld>
+            <a:endParaRPr lang="ko-KR" altLang="en-US"/>
+          </a:p>
+        </p:txBody>
+      </p:sp>
+    </p:spTree>
+    <p:extLst>
+      <p:ext uri="{BB962C8B-B14F-4D97-AF65-F5344CB8AC3E}">
+        <p14:creationId xmlns:p14="http://schemas.microsoft.com/office/powerpoint/2010/main" val="3959571191"/>
+      </p:ext>
+    </p:extLst>
+  </p:cSld>
+  <p:clrMapOvr>
+    <a:masterClrMapping/>
+  </p:clrMapOvr>
+</p:notes>
 </file>
 
 <file path=ppt/slideLayouts/slideLayout1.xml><?xml version="1.0" encoding="utf-8"?>
@@ -6855,7 +7375,7 @@
                   <a:latin typeface="Noto Sans KR ExtraLight" panose="020B0200000000000000" pitchFamily="50" charset="-127"/>
                   <a:ea typeface="Noto Sans KR ExtraLight" panose="020B0200000000000000" pitchFamily="50" charset="-127"/>
                 </a:rPr>
-                <a:t>번째 정점 생성</a:t>
+                <a:t>개 정점 생성</a:t>
               </a:r>
             </a:p>
           </p:txBody>
@@ -6897,7 +7417,7 @@
                   <a:latin typeface="Noto Sans KR ExtraLight" panose="020B0200000000000000" pitchFamily="50" charset="-127"/>
                   <a:ea typeface="Noto Sans KR ExtraLight" panose="020B0200000000000000" pitchFamily="50" charset="-127"/>
                 </a:rPr>
-                <a:t>Vector3 Vertex[N]</a:t>
+                <a:t>~ Vector3 Vertex[N]</a:t>
               </a:r>
               <a:r>
                 <a:rPr lang="ko-KR" altLang="en-US" sz="3200" dirty="0">
@@ -13125,7 +13645,7 @@
         </p:nvSpPr>
         <p:spPr>
           <a:xfrm>
-            <a:off x="1703916" y="2451100"/>
+            <a:off x="3348419" y="2451100"/>
             <a:ext cx="8648700" cy="1754326"/>
           </a:xfrm>
           <a:prstGeom prst="rect">
@@ -13217,6 +13737,93 @@
           </a:p>
         </p:txBody>
       </p:sp>
+      <p:pic>
+        <p:nvPicPr>
+          <p:cNvPr id="5" name="그림 4">
+            <a:extLst>
+              <a:ext uri="{FF2B5EF4-FFF2-40B4-BE49-F238E27FC236}">
+                <a16:creationId xmlns:a16="http://schemas.microsoft.com/office/drawing/2014/main" id="{AC2C36F1-F393-5263-80DD-CF31013429F0}"/>
+              </a:ext>
+            </a:extLst>
+          </p:cNvPr>
+          <p:cNvPicPr>
+            <a:picLocks noChangeAspect="1"/>
+          </p:cNvPicPr>
+          <p:nvPr/>
+        </p:nvPicPr>
+        <p:blipFill>
+          <a:blip r:embed="rId2"/>
+          <a:stretch>
+            <a:fillRect/>
+          </a:stretch>
+        </p:blipFill>
+        <p:spPr>
+          <a:xfrm>
+            <a:off x="1006671" y="2324986"/>
+            <a:ext cx="2210739" cy="789550"/>
+          </a:xfrm>
+          <a:prstGeom prst="rect">
+            <a:avLst/>
+          </a:prstGeom>
+          <a:ln>
+            <a:solidFill>
+              <a:srgbClr val="FF0000"/>
+            </a:solidFill>
+          </a:ln>
+        </p:spPr>
+      </p:pic>
+      <p:pic>
+        <p:nvPicPr>
+          <p:cNvPr id="1026" name="Picture 2" descr="라디안이란 무엇일까? 왜쓰는 걸까?">
+            <a:extLst>
+              <a:ext uri="{FF2B5EF4-FFF2-40B4-BE49-F238E27FC236}">
+                <a16:creationId xmlns:a16="http://schemas.microsoft.com/office/drawing/2014/main" id="{761403B0-B63E-1BF7-3BDE-F661488D3E33}"/>
+              </a:ext>
+            </a:extLst>
+          </p:cNvPr>
+          <p:cNvPicPr>
+            <a:picLocks noChangeAspect="1" noChangeArrowheads="1"/>
+          </p:cNvPicPr>
+          <p:nvPr/>
+        </p:nvPicPr>
+        <p:blipFill>
+          <a:blip r:embed="rId3">
+            <a:extLst>
+              <a:ext uri="{28A0092B-C50C-407E-A947-70E740481C1C}">
+                <a14:useLocalDpi xmlns:a14="http://schemas.microsoft.com/office/drawing/2010/main" val="0"/>
+              </a:ext>
+            </a:extLst>
+          </a:blip>
+          <a:srcRect/>
+          <a:stretch>
+            <a:fillRect/>
+          </a:stretch>
+        </p:blipFill>
+        <p:spPr bwMode="auto">
+          <a:xfrm>
+            <a:off x="1006671" y="3363038"/>
+            <a:ext cx="1852059" cy="1684776"/>
+          </a:xfrm>
+          <a:prstGeom prst="rect">
+            <a:avLst/>
+          </a:prstGeom>
+          <a:noFill/>
+          <a:ln>
+            <a:solidFill>
+              <a:srgbClr val="FF0000"/>
+            </a:solidFill>
+          </a:ln>
+          <a:extLst>
+            <a:ext uri="{909E8E84-426E-40DD-AFC4-6F175D3DCCD1}">
+              <a14:hiddenFill xmlns:a14="http://schemas.microsoft.com/office/drawing/2010/main">
+                <a:solidFill>
+                  <a:srgbClr val="FFFFFF"/>
+                </a:solidFill>
+              </a14:hiddenFill>
+            </a:ext>
+          </a:extLst>
+        </p:spPr>
+      </p:pic>
     </p:spTree>
     <p:extLst>
       <p:ext uri="{BB962C8B-B14F-4D97-AF65-F5344CB8AC3E}">
@@ -13270,7 +13877,7 @@
           <p:nvPr/>
         </p:nvPicPr>
         <p:blipFill>
-          <a:blip r:embed="rId2"/>
+          <a:blip r:embed="rId3"/>
           <a:stretch>
             <a:fillRect/>
           </a:stretch>
@@ -20462,4 +21069,319 @@
     </a:ext>
   </a:extLst>
 </a:theme>
+</file>
+
+<file path=ppt/theme/theme2.xml><?xml version="1.0" encoding="utf-8"?>
+<a:theme xmlns:a="http://schemas.openxmlformats.org/drawingml/2006/main" name="Office 테마">
+  <a:themeElements>
+    <a:clrScheme name="Office">
+      <a:dk1>
+        <a:sysClr val="windowText" lastClr="000000"/>
+      </a:dk1>
+      <a:lt1>
+        <a:sysClr val="window" lastClr="FFFFFF"/>
+      </a:lt1>
+      <a:dk2>
+        <a:srgbClr val="0E2841"/>
+      </a:dk2>
+      <a:lt2>
+        <a:srgbClr val="E8E8E8"/>
+      </a:lt2>
+      <a:accent1>
+        <a:srgbClr val="156082"/>
+      </a:accent1>
+      <a:accent2>
+        <a:srgbClr val="E97132"/>
+      </a:accent2>
+      <a:accent3>
+        <a:srgbClr val="196B24"/>
+      </a:accent3>
+      <a:accent4>
+        <a:srgbClr val="0F9ED5"/>
+      </a:accent4>
+      <a:accent5>
+        <a:srgbClr val="A02B93"/>
+      </a:accent5>
+      <a:accent6>
+        <a:srgbClr val="4EA72E"/>
+      </a:accent6>
+      <a:hlink>
+        <a:srgbClr val="467886"/>
+      </a:hlink>
+      <a:folHlink>
+        <a:srgbClr val="96607D"/>
+      </a:folHlink>
+    </a:clrScheme>
+    <a:fontScheme name="Office">
+      <a:majorFont>
+        <a:latin typeface="맑은 고딕" panose="02110004020202020204"/>
+        <a:ea typeface=""/>
+        <a:cs typeface=""/>
+        <a:font script="Jpan" typeface="游ゴシック Light"/>
+        <a:font script="Hang" typeface="맑은 고딕"/>
+        <a:font script="Hans" typeface="等线 Light"/>
+        <a:font script="Hant" typeface="新細明體"/>
+        <a:font script="Arab" typeface="Times New Roman"/>
+        <a:font script="Hebr" typeface="Times New Roman"/>
+        <a:font script="Thai" typeface="Angsana New"/>
+        <a:font script="Ethi" typeface="Nyala"/>
+        <a:font script="Beng" typeface="Vrinda"/>
+        <a:font script="Gujr" typeface="Shruti"/>
+        <a:font script="Khmr" typeface="MoolBoran"/>
+        <a:font script="Knda" typeface="Tunga"/>
+        <a:font script="Guru" typeface="Raavi"/>
+        <a:font script="Cans" typeface="Euphemia"/>
+        <a:font script="Cher" typeface="Plantagenet Cherokee"/>
+        <a:font script="Yiii" typeface="Microsoft Yi Baiti"/>
+        <a:font script="Tibt" typeface="Microsoft Himalaya"/>
+        <a:font script="Thaa" typeface="MV Boli"/>
+        <a:font script="Deva" typeface="Mangal"/>
+        <a:font script="Telu" typeface="Gautami"/>
+        <a:font script="Taml" typeface="Latha"/>
+        <a:font script="Syrc" typeface="Estrangelo Edessa"/>
+        <a:font script="Orya" typeface="Kalinga"/>
+        <a:font script="Mlym" typeface="Kartika"/>
+        <a:font script="Laoo" typeface="DokChampa"/>
+        <a:font script="Sinh" typeface="Iskoola Pota"/>
+        <a:font script="Mong" typeface="Mongolian Baiti"/>
+        <a:font script="Viet" typeface="Times New Roman"/>
+        <a:font script="Uigh" typeface="Microsoft Uighur"/>
+        <a:font script="Geor" typeface="Sylfaen"/>
+        <a:font script="Armn" typeface="Arial"/>
+        <a:font script="Bugi" typeface="Leelawadee UI"/>
+        <a:font script="Bopo" typeface="Microsoft JhengHei"/>
+        <a:font script="Java" typeface="Javanese Text"/>
+        <a:font script="Lisu" typeface="Segoe UI"/>
+        <a:font script="Mymr" typeface="Myanmar Text"/>
+        <a:font script="Nkoo" typeface="Ebrima"/>
+        <a:font script="Olck" typeface="Nirmala UI"/>
+        <a:font script="Osma" typeface="Ebrima"/>
+        <a:font script="Phag" typeface="Phagspa"/>
+        <a:font script="Syrn" typeface="Estrangelo Edessa"/>
+        <a:font script="Syrj" typeface="Estrangelo Edessa"/>
+        <a:font script="Syre" typeface="Estrangelo Edessa"/>
+        <a:font script="Sora" typeface="Nirmala UI"/>
+        <a:font script="Tale" typeface="Microsoft Tai Le"/>
+        <a:font script="Talu" typeface="Microsoft New Tai Lue"/>
+        <a:font script="Tfng" typeface="Ebrima"/>
+      </a:majorFont>
+      <a:minorFont>
+        <a:latin typeface="맑은 고딕" panose="02110004020202020204"/>
+        <a:ea typeface=""/>
+        <a:cs typeface=""/>
+        <a:font script="Jpan" typeface="游ゴシック"/>
+        <a:font script="Hang" typeface="맑은 고딕"/>
+        <a:font script="Hans" typeface="等线"/>
+        <a:font script="Hant" typeface="新細明體"/>
+        <a:font script="Arab" typeface="Arial"/>
+        <a:font script="Hebr" typeface="Arial"/>
+        <a:font script="Thai" typeface="Cordia New"/>
+        <a:font script="Ethi" typeface="Nyala"/>
+        <a:font script="Beng" typeface="Vrinda"/>
+        <a:font script="Gujr" typeface="Shruti"/>
+        <a:font script="Khmr" typeface="DaunPenh"/>
+        <a:font script="Knda" typeface="Tunga"/>
+        <a:font script="Guru" typeface="Raavi"/>
+        <a:font script="Cans" typeface="Euphemia"/>
+        <a:font script="Cher" typeface="Plantagenet Cherokee"/>
+        <a:font script="Yiii" typeface="Microsoft Yi Baiti"/>
+        <a:font script="Tibt" typeface="Microsoft Himalaya"/>
+        <a:font script="Thaa" typeface="MV Boli"/>
+        <a:font script="Deva" typeface="Mangal"/>
+        <a:font script="Telu" typeface="Gautami"/>
+        <a:font script="Taml" typeface="Latha"/>
+        <a:font script="Syrc" typeface="Estrangelo Edessa"/>
+        <a:font script="Orya" typeface="Kalinga"/>
+        <a:font script="Mlym" typeface="Kartika"/>
+        <a:font script="Laoo" typeface="DokChampa"/>
+        <a:font script="Sinh" typeface="Iskoola Pota"/>
+        <a:font script="Mong" typeface="Mongolian Baiti"/>
+        <a:font script="Viet" typeface="Arial"/>
+        <a:font script="Uigh" typeface="Microsoft Uighur"/>
+        <a:font script="Geor" typeface="Sylfaen"/>
+        <a:font script="Armn" typeface="Arial"/>
+        <a:font script="Bugi" typeface="Leelawadee UI"/>
+        <a:font script="Bopo" typeface="Microsoft JhengHei"/>
+        <a:font script="Java" typeface="Javanese Text"/>
+        <a:font script="Lisu" typeface="Segoe UI"/>
+        <a:font script="Mymr" typeface="Myanmar Text"/>
+        <a:font script="Nkoo" typeface="Ebrima"/>
+        <a:font script="Olck" typeface="Nirmala UI"/>
+        <a:font script="Osma" typeface="Ebrima"/>
+        <a:font script="Phag" typeface="Phagspa"/>
+        <a:font script="Syrn" typeface="Estrangelo Edessa"/>
+        <a:font script="Syrj" typeface="Estrangelo Edessa"/>
+        <a:font script="Syre" typeface="Estrangelo Edessa"/>
+        <a:font script="Sora" typeface="Nirmala UI"/>
+        <a:font script="Tale" typeface="Microsoft Tai Le"/>
+        <a:font script="Talu" typeface="Microsoft New Tai Lue"/>
+        <a:font script="Tfng" typeface="Ebrima"/>
+      </a:minorFont>
+    </a:fontScheme>
+    <a:fmtScheme name="Office">
+      <a:fillStyleLst>
+        <a:solidFill>
+          <a:schemeClr val="phClr"/>
+        </a:solidFill>
+        <a:gradFill rotWithShape="1">
+          <a:gsLst>
+            <a:gs pos="0">
+              <a:schemeClr val="phClr">
+                <a:lumMod val="110000"/>
+                <a:satMod val="105000"/>
+                <a:tint val="67000"/>
+              </a:schemeClr>
+            </a:gs>
+            <a:gs pos="50000">
+              <a:schemeClr val="phClr">
+                <a:lumMod val="105000"/>
+                <a:satMod val="103000"/>
+                <a:tint val="73000"/>
+              </a:schemeClr>
+            </a:gs>
+            <a:gs pos="100000">
+              <a:schemeClr val="phClr">
+                <a:lumMod val="105000"/>
+                <a:satMod val="109000"/>
+                <a:tint val="81000"/>
+              </a:schemeClr>
+            </a:gs>
+          </a:gsLst>
+          <a:lin ang="5400000" scaled="0"/>
+        </a:gradFill>
+        <a:gradFill rotWithShape="1">
+          <a:gsLst>
+            <a:gs pos="0">
+              <a:schemeClr val="phClr">
+                <a:satMod val="103000"/>
+                <a:lumMod val="102000"/>
+                <a:tint val="94000"/>
+              </a:schemeClr>
+            </a:gs>
+            <a:gs pos="50000">
+              <a:schemeClr val="phClr">
+                <a:satMod val="110000"/>
+                <a:lumMod val="100000"/>
+                <a:shade val="100000"/>
+              </a:schemeClr>
+            </a:gs>
+            <a:gs pos="100000">
+              <a:schemeClr val="phClr">
+                <a:lumMod val="99000"/>
+                <a:satMod val="120000"/>
+                <a:shade val="78000"/>
+              </a:schemeClr>
+            </a:gs>
+          </a:gsLst>
+          <a:lin ang="5400000" scaled="0"/>
+        </a:gradFill>
+      </a:fillStyleLst>
+      <a:lnStyleLst>
+        <a:ln w="12700" cap="flat" cmpd="sng" algn="ctr">
+          <a:solidFill>
+            <a:schemeClr val="phClr"/>
+          </a:solidFill>
+          <a:prstDash val="solid"/>
+          <a:miter lim="800000"/>
+        </a:ln>
+        <a:ln w="19050" cap="flat" cmpd="sng" algn="ctr">
+          <a:solidFill>
+            <a:schemeClr val="phClr"/>
+          </a:solidFill>
+          <a:prstDash val="solid"/>
+          <a:miter lim="800000"/>
+        </a:ln>
+        <a:ln w="25400" cap="flat" cmpd="sng" algn="ctr">
+          <a:solidFill>
+            <a:schemeClr val="phClr"/>
+          </a:solidFill>
+          <a:prstDash val="solid"/>
+          <a:miter lim="800000"/>
+        </a:ln>
+      </a:lnStyleLst>
+      <a:effectStyleLst>
+        <a:effectStyle>
+          <a:effectLst/>
+        </a:effectStyle>
+        <a:effectStyle>
+          <a:effectLst/>
+        </a:effectStyle>
+        <a:effectStyle>
+          <a:effectLst>
+            <a:outerShdw blurRad="57150" dist="19050" dir="5400000" algn="ctr" rotWithShape="0">
+              <a:srgbClr val="000000">
+                <a:alpha val="63000"/>
+              </a:srgbClr>
+            </a:outerShdw>
+          </a:effectLst>
+        </a:effectStyle>
+      </a:effectStyleLst>
+      <a:bgFillStyleLst>
+        <a:solidFill>
+          <a:schemeClr val="phClr"/>
+        </a:solidFill>
+        <a:solidFill>
+          <a:schemeClr val="phClr">
+            <a:tint val="95000"/>
+            <a:satMod val="170000"/>
+          </a:schemeClr>
+        </a:solidFill>
+        <a:gradFill rotWithShape="1">
+          <a:gsLst>
+            <a:gs pos="0">
+              <a:schemeClr val="phClr">
+                <a:tint val="93000"/>
+                <a:satMod val="150000"/>
+                <a:shade val="98000"/>
+                <a:lumMod val="102000"/>
+              </a:schemeClr>
+            </a:gs>
+            <a:gs pos="50000">
+              <a:schemeClr val="phClr">
+                <a:tint val="98000"/>
+                <a:satMod val="130000"/>
+                <a:shade val="90000"/>
+                <a:lumMod val="103000"/>
+              </a:schemeClr>
+            </a:gs>
+            <a:gs pos="100000">
+              <a:schemeClr val="phClr">
+                <a:shade val="63000"/>
+                <a:satMod val="120000"/>
+              </a:schemeClr>
+            </a:gs>
+          </a:gsLst>
+          <a:lin ang="5400000" scaled="0"/>
+        </a:gradFill>
+      </a:bgFillStyleLst>
+    </a:fmtScheme>
+  </a:themeElements>
+  <a:objectDefaults>
+    <a:lnDef>
+      <a:spPr/>
+      <a:bodyPr/>
+      <a:lstStyle/>
+      <a:style>
+        <a:lnRef idx="2">
+          <a:schemeClr val="accent1"/>
+        </a:lnRef>
+        <a:fillRef idx="0">
+          <a:schemeClr val="accent1"/>
+        </a:fillRef>
+        <a:effectRef idx="1">
+          <a:schemeClr val="accent1"/>
+        </a:effectRef>
+        <a:fontRef idx="minor">
+          <a:schemeClr val="tx1"/>
+        </a:fontRef>
+      </a:style>
+    </a:lnDef>
+  </a:objectDefaults>
+  <a:extraClrSchemeLst/>
+  <a:extLst>
+    <a:ext uri="{05A4C25C-085E-4340-85A3-A5531E510DB2}">
+      <thm15:themeFamily xmlns:thm15="http://schemas.microsoft.com/office/thememl/2012/main" name="Office Theme" id="{2E142A2C-CD16-42D6-873A-C26D2A0506FA}" vid="{1BDDFF52-6CD6-40A5-AB3C-68EB2F1E4D0A}"/>
+    </a:ext>
+  </a:extLst>
+</a:theme>
 </file>